--- a/Final Stick It!.pptx
+++ b/Final Stick It!.pptx
@@ -11629,34 +11629,6 @@
         </p:blipFill>
         <p:spPr>
           <a:xfrm>
-            <a:off x="1116550" y="1611997"/>
-            <a:ext cx="3045150" cy="3313705"/>
-          </a:xfrm>
-          <a:prstGeom prst="rect">
-            <a:avLst/>
-          </a:prstGeom>
-          <a:noFill/>
-          <a:ln>
-            <a:noFill/>
-          </a:ln>
-        </p:spPr>
-      </p:pic>
-      <p:pic>
-        <p:nvPicPr>
-          <p:cNvPr id="187" name="Google Shape;187;p18"/>
-          <p:cNvPicPr preferRelativeResize="0"/>
-          <p:nvPr/>
-        </p:nvPicPr>
-        <p:blipFill>
-          <a:blip r:embed="rId4">
-            <a:alphaModFix/>
-          </a:blip>
-          <a:stretch>
-            <a:fillRect/>
-          </a:stretch>
-        </p:blipFill>
-        <p:spPr>
-          <a:xfrm>
             <a:off x="5116576" y="1596621"/>
             <a:ext cx="3045150" cy="3344450"/>
           </a:xfrm>
@@ -11671,7 +11643,7 @@
       </p:pic>
       <p:sp>
         <p:nvSpPr>
-          <p:cNvPr id="188" name="Google Shape;188;p18"/>
+          <p:cNvPr id="187" name="Google Shape;187;p18"/>
           <p:cNvSpPr txBox="1"/>
           <p:nvPr/>
         </p:nvSpPr>
@@ -11729,7 +11701,7 @@
       </p:sp>
       <p:sp>
         <p:nvSpPr>
-          <p:cNvPr id="189" name="Google Shape;189;p18"/>
+          <p:cNvPr id="188" name="Google Shape;188;p18"/>
           <p:cNvSpPr txBox="1"/>
           <p:nvPr/>
         </p:nvSpPr>
@@ -11785,6 +11757,34 @@
           </a:p>
         </p:txBody>
       </p:sp>
+      <p:pic>
+        <p:nvPicPr>
+          <p:cNvPr id="189" name="Google Shape;189;p18"/>
+          <p:cNvPicPr preferRelativeResize="0"/>
+          <p:nvPr/>
+        </p:nvPicPr>
+        <p:blipFill>
+          <a:blip r:embed="rId4">
+            <a:alphaModFix/>
+          </a:blip>
+          <a:stretch>
+            <a:fillRect/>
+          </a:stretch>
+        </p:blipFill>
+        <p:spPr>
+          <a:xfrm>
+            <a:off x="1026475" y="1544325"/>
+            <a:ext cx="3225310" cy="3396750"/>
+          </a:xfrm>
+          <a:prstGeom prst="rect">
+            <a:avLst/>
+          </a:prstGeom>
+          <a:noFill/>
+          <a:ln>
+            <a:noFill/>
+          </a:ln>
+        </p:spPr>
+      </p:pic>
     </p:spTree>
   </p:cSld>
   <p:clrMapOvr>

--- a/Final Stick It!.pptx
+++ b/Final Stick It!.pptx
@@ -1,44 +1,44 @@
 
 <file path=ppt/presentation.xml><?xml version="1.0" encoding="utf-8"?>
-<p:presentation xmlns:a="http://schemas.openxmlformats.org/drawingml/2006/main" xmlns:r="http://schemas.openxmlformats.org/officeDocument/2006/relationships" xmlns:mc="http://schemas.openxmlformats.org/markup-compatibility/2006" xmlns:mv="urn:schemas-microsoft-com:mac:vml" xmlns:p="http://schemas.openxmlformats.org/presentationml/2006/main" xmlns:c="http://schemas.openxmlformats.org/drawingml/2006/chart" xmlns:dgm="http://schemas.openxmlformats.org/drawingml/2006/diagram" xmlns:o="urn:schemas-microsoft-com:office:office" xmlns:v="urn:schemas-microsoft-com:vml" xmlns:pvml="urn:schemas-microsoft-com:office:powerpoint" xmlns:com="http://schemas.openxmlformats.org/drawingml/2006/compatibility" xmlns:p14="http://schemas.microsoft.com/office/powerpoint/2010/main" xmlns:p15="http://schemas.microsoft.com/office/powerpoint/2012/main" autoCompressPictures="0" embedTrueTypeFonts="1" strictFirstAndLastChars="0" saveSubsetFonts="1">
+<p:presentation xmlns:a="http://schemas.openxmlformats.org/drawingml/2006/main" xmlns:r="http://schemas.openxmlformats.org/officeDocument/2006/relationships" xmlns:p="http://schemas.openxmlformats.org/presentationml/2006/main" strictFirstAndLastChars="0" embedTrueTypeFonts="1" saveSubsetFonts="1" autoCompressPictures="0">
   <p:sldMasterIdLst>
-    <p:sldMasterId id="2147483661" r:id="rId3"/>
+    <p:sldMasterId id="2147483661" r:id="rId1"/>
   </p:sldMasterIdLst>
   <p:notesMasterIdLst>
-    <p:notesMasterId r:id="rId4"/>
+    <p:notesMasterId r:id="rId14"/>
   </p:notesMasterIdLst>
   <p:sldIdLst>
-    <p:sldId id="256" r:id="rId5"/>
-    <p:sldId id="257" r:id="rId6"/>
-    <p:sldId id="258" r:id="rId7"/>
-    <p:sldId id="259" r:id="rId8"/>
-    <p:sldId id="260" r:id="rId9"/>
-    <p:sldId id="261" r:id="rId10"/>
-    <p:sldId id="262" r:id="rId11"/>
-    <p:sldId id="263" r:id="rId12"/>
-    <p:sldId id="264" r:id="rId13"/>
-    <p:sldId id="265" r:id="rId14"/>
-    <p:sldId id="266" r:id="rId15"/>
-    <p:sldId id="267" r:id="rId16"/>
+    <p:sldId id="256" r:id="rId2"/>
+    <p:sldId id="257" r:id="rId3"/>
+    <p:sldId id="258" r:id="rId4"/>
+    <p:sldId id="259" r:id="rId5"/>
+    <p:sldId id="260" r:id="rId6"/>
+    <p:sldId id="261" r:id="rId7"/>
+    <p:sldId id="262" r:id="rId8"/>
+    <p:sldId id="263" r:id="rId9"/>
+    <p:sldId id="264" r:id="rId10"/>
+    <p:sldId id="265" r:id="rId11"/>
+    <p:sldId id="266" r:id="rId12"/>
+    <p:sldId id="267" r:id="rId13"/>
   </p:sldIdLst>
-  <p:sldSz cy="5143500" cx="9144000"/>
+  <p:sldSz cx="9144000" cy="5143500" type="screen16x9"/>
   <p:notesSz cx="6858000" cy="9144000"/>
   <p:embeddedFontLst>
     <p:embeddedFont>
-      <p:font typeface="Roboto Condensed"/>
-      <p:regular r:id="rId17"/>
-      <p:bold r:id="rId18"/>
-      <p:italic r:id="rId19"/>
-      <p:boldItalic r:id="rId20"/>
+      <p:font typeface="Roboto Condensed" panose="020B0604020202020204" charset="0"/>
+      <p:regular r:id="rId15"/>
+      <p:bold r:id="rId16"/>
+      <p:italic r:id="rId17"/>
+      <p:boldItalic r:id="rId18"/>
     </p:embeddedFont>
     <p:embeddedFont>
-      <p:font typeface="Oswald"/>
-      <p:regular r:id="rId21"/>
-      <p:bold r:id="rId22"/>
+      <p:font typeface="Oswald" panose="02000503000000000000" pitchFamily="2" charset="0"/>
+      <p:regular r:id="rId19"/>
+      <p:bold r:id="rId20"/>
     </p:embeddedFont>
   </p:embeddedFontLst>
   <p:defaultTextStyle>
-    <a:defPPr lvl="0" marR="0" rtl="0" algn="l">
+    <a:defPPr marR="0" lvl="0" algn="l" rtl="0">
       <a:lnSpc>
         <a:spcPct val="100000"/>
       </a:lnSpc>
@@ -49,7 +49,7 @@
         <a:spcPts val="0"/>
       </a:spcAft>
     </a:defPPr>
-    <a:lvl1pPr lvl="0" marR="0" rtl="0" algn="l">
+    <a:lvl1pPr marR="0" lvl="0" algn="l" rtl="0">
       <a:lnSpc>
         <a:spcPct val="100000"/>
       </a:lnSpc>
@@ -63,7 +63,7 @@
         <a:srgbClr val="000000"/>
       </a:buClr>
       <a:buFont typeface="Arial"/>
-      <a:defRPr b="0" i="0" sz="1400" u="none" cap="none" strike="noStrike">
+      <a:defRPr sz="1400" b="0" i="0" u="none" strike="noStrike" cap="none">
         <a:solidFill>
           <a:srgbClr val="000000"/>
         </a:solidFill>
@@ -73,7 +73,7 @@
         <a:sym typeface="Arial"/>
       </a:defRPr>
     </a:lvl1pPr>
-    <a:lvl2pPr lvl="1" marR="0" rtl="0" algn="l">
+    <a:lvl2pPr marR="0" lvl="1" algn="l" rtl="0">
       <a:lnSpc>
         <a:spcPct val="100000"/>
       </a:lnSpc>
@@ -87,7 +87,7 @@
         <a:srgbClr val="000000"/>
       </a:buClr>
       <a:buFont typeface="Arial"/>
-      <a:defRPr b="0" i="0" sz="1400" u="none" cap="none" strike="noStrike">
+      <a:defRPr sz="1400" b="0" i="0" u="none" strike="noStrike" cap="none">
         <a:solidFill>
           <a:srgbClr val="000000"/>
         </a:solidFill>
@@ -97,7 +97,7 @@
         <a:sym typeface="Arial"/>
       </a:defRPr>
     </a:lvl2pPr>
-    <a:lvl3pPr lvl="2" marR="0" rtl="0" algn="l">
+    <a:lvl3pPr marR="0" lvl="2" algn="l" rtl="0">
       <a:lnSpc>
         <a:spcPct val="100000"/>
       </a:lnSpc>
@@ -111,7 +111,7 @@
         <a:srgbClr val="000000"/>
       </a:buClr>
       <a:buFont typeface="Arial"/>
-      <a:defRPr b="0" i="0" sz="1400" u="none" cap="none" strike="noStrike">
+      <a:defRPr sz="1400" b="0" i="0" u="none" strike="noStrike" cap="none">
         <a:solidFill>
           <a:srgbClr val="000000"/>
         </a:solidFill>
@@ -121,7 +121,7 @@
         <a:sym typeface="Arial"/>
       </a:defRPr>
     </a:lvl3pPr>
-    <a:lvl4pPr lvl="3" marR="0" rtl="0" algn="l">
+    <a:lvl4pPr marR="0" lvl="3" algn="l" rtl="0">
       <a:lnSpc>
         <a:spcPct val="100000"/>
       </a:lnSpc>
@@ -135,7 +135,7 @@
         <a:srgbClr val="000000"/>
       </a:buClr>
       <a:buFont typeface="Arial"/>
-      <a:defRPr b="0" i="0" sz="1400" u="none" cap="none" strike="noStrike">
+      <a:defRPr sz="1400" b="0" i="0" u="none" strike="noStrike" cap="none">
         <a:solidFill>
           <a:srgbClr val="000000"/>
         </a:solidFill>
@@ -145,7 +145,7 @@
         <a:sym typeface="Arial"/>
       </a:defRPr>
     </a:lvl4pPr>
-    <a:lvl5pPr lvl="4" marR="0" rtl="0" algn="l">
+    <a:lvl5pPr marR="0" lvl="4" algn="l" rtl="0">
       <a:lnSpc>
         <a:spcPct val="100000"/>
       </a:lnSpc>
@@ -159,7 +159,7 @@
         <a:srgbClr val="000000"/>
       </a:buClr>
       <a:buFont typeface="Arial"/>
-      <a:defRPr b="0" i="0" sz="1400" u="none" cap="none" strike="noStrike">
+      <a:defRPr sz="1400" b="0" i="0" u="none" strike="noStrike" cap="none">
         <a:solidFill>
           <a:srgbClr val="000000"/>
         </a:solidFill>
@@ -169,7 +169,7 @@
         <a:sym typeface="Arial"/>
       </a:defRPr>
     </a:lvl5pPr>
-    <a:lvl6pPr lvl="5" marR="0" rtl="0" algn="l">
+    <a:lvl6pPr marR="0" lvl="5" algn="l" rtl="0">
       <a:lnSpc>
         <a:spcPct val="100000"/>
       </a:lnSpc>
@@ -183,7 +183,7 @@
         <a:srgbClr val="000000"/>
       </a:buClr>
       <a:buFont typeface="Arial"/>
-      <a:defRPr b="0" i="0" sz="1400" u="none" cap="none" strike="noStrike">
+      <a:defRPr sz="1400" b="0" i="0" u="none" strike="noStrike" cap="none">
         <a:solidFill>
           <a:srgbClr val="000000"/>
         </a:solidFill>
@@ -193,7 +193,7 @@
         <a:sym typeface="Arial"/>
       </a:defRPr>
     </a:lvl6pPr>
-    <a:lvl7pPr lvl="6" marR="0" rtl="0" algn="l">
+    <a:lvl7pPr marR="0" lvl="6" algn="l" rtl="0">
       <a:lnSpc>
         <a:spcPct val="100000"/>
       </a:lnSpc>
@@ -207,7 +207,7 @@
         <a:srgbClr val="000000"/>
       </a:buClr>
       <a:buFont typeface="Arial"/>
-      <a:defRPr b="0" i="0" sz="1400" u="none" cap="none" strike="noStrike">
+      <a:defRPr sz="1400" b="0" i="0" u="none" strike="noStrike" cap="none">
         <a:solidFill>
           <a:srgbClr val="000000"/>
         </a:solidFill>
@@ -217,7 +217,7 @@
         <a:sym typeface="Arial"/>
       </a:defRPr>
     </a:lvl7pPr>
-    <a:lvl8pPr lvl="7" marR="0" rtl="0" algn="l">
+    <a:lvl8pPr marR="0" lvl="7" algn="l" rtl="0">
       <a:lnSpc>
         <a:spcPct val="100000"/>
       </a:lnSpc>
@@ -231,7 +231,7 @@
         <a:srgbClr val="000000"/>
       </a:buClr>
       <a:buFont typeface="Arial"/>
-      <a:defRPr b="0" i="0" sz="1400" u="none" cap="none" strike="noStrike">
+      <a:defRPr sz="1400" b="0" i="0" u="none" strike="noStrike" cap="none">
         <a:solidFill>
           <a:srgbClr val="000000"/>
         </a:solidFill>
@@ -241,7 +241,7 @@
         <a:sym typeface="Arial"/>
       </a:defRPr>
     </a:lvl8pPr>
-    <a:lvl9pPr lvl="8" marR="0" rtl="0" algn="l">
+    <a:lvl9pPr marR="0" lvl="8" algn="l" rtl="0">
       <a:lnSpc>
         <a:spcPct val="100000"/>
       </a:lnSpc>
@@ -255,7 +255,7 @@
         <a:srgbClr val="000000"/>
       </a:buClr>
       <a:buFont typeface="Arial"/>
-      <a:defRPr b="0" i="0" sz="1400" u="none" cap="none" strike="noStrike">
+      <a:defRPr sz="1400" b="0" i="0" u="none" strike="noStrike" cap="none">
         <a:solidFill>
           <a:srgbClr val="000000"/>
         </a:solidFill>
@@ -270,11 +270,16 @@
 </file>
 
 <file path=ppt/notesMasters/notesMaster1.xml><?xml version="1.0" encoding="utf-8"?>
-<p:notesMaster xmlns:a="http://schemas.openxmlformats.org/drawingml/2006/main" xmlns:r="http://schemas.openxmlformats.org/officeDocument/2006/relationships" xmlns:mc="http://schemas.openxmlformats.org/markup-compatibility/2006" xmlns:mv="urn:schemas-microsoft-com:mac:vml" xmlns:p="http://schemas.openxmlformats.org/presentationml/2006/main" xmlns:c="http://schemas.openxmlformats.org/drawingml/2006/chart" xmlns:dgm="http://schemas.openxmlformats.org/drawingml/2006/diagram" xmlns:o="urn:schemas-microsoft-com:office:office" xmlns:v="urn:schemas-microsoft-com:vml" xmlns:pvml="urn:schemas-microsoft-com:office:powerpoint" xmlns:com="http://schemas.openxmlformats.org/drawingml/2006/compatibility" xmlns:p14="http://schemas.microsoft.com/office/powerpoint/2010/main" xmlns:p15="http://schemas.microsoft.com/office/powerpoint/2012/main">
+<p:notesMaster xmlns:a="http://schemas.openxmlformats.org/drawingml/2006/main" xmlns:r="http://schemas.openxmlformats.org/officeDocument/2006/relationships" xmlns:p="http://schemas.openxmlformats.org/presentationml/2006/main">
   <p:cSld>
+    <p:bg>
+      <p:bgRef idx="1001">
+        <a:schemeClr val="bg1"/>
+      </p:bgRef>
+    </p:bg>
     <p:spTree>
       <p:nvGrpSpPr>
-        <p:cNvPr id="2" name="Shape 2"/>
+        <p:cNvPr id="1" name="Shape 2"/>
         <p:cNvGrpSpPr/>
         <p:nvPr/>
       </p:nvGrpSpPr>
@@ -289,9 +294,11 @@
       <p:sp>
         <p:nvSpPr>
           <p:cNvPr id="3" name="Google Shape;3;n"/>
-          <p:cNvSpPr/>
+          <p:cNvSpPr>
+            <a:spLocks noGrp="1" noRot="1" noChangeAspect="1"/>
+          </p:cNvSpPr>
           <p:nvPr>
-            <p:ph idx="2" type="sldImg"/>
+            <p:ph type="sldImg" idx="2"/>
           </p:nvPr>
         </p:nvSpPr>
         <p:spPr>
@@ -300,9 +307,13 @@
             <a:ext cx="6096075" cy="3429000"/>
           </a:xfrm>
           <a:custGeom>
-            <a:rect b="b" l="l" r="r" t="t"/>
+            <a:avLst/>
+            <a:gdLst/>
+            <a:ahLst/>
+            <a:cxnLst/>
+            <a:rect l="l" t="t" r="r" b="b"/>
             <a:pathLst>
-              <a:path extrusionOk="0" h="120000" w="120000">
+              <a:path w="120000" h="120000" extrusionOk="0">
                 <a:moveTo>
                   <a:pt x="0" y="0"/>
                 </a:moveTo>
@@ -320,23 +331,25 @@
             </a:pathLst>
           </a:custGeom>
           <a:noFill/>
-          <a:ln cap="flat" cmpd="sng" w="9525">
+          <a:ln w="9525" cap="flat" cmpd="sng">
             <a:solidFill>
               <a:srgbClr val="000000"/>
             </a:solidFill>
             <a:prstDash val="solid"/>
             <a:round/>
-            <a:headEnd len="sm" w="sm" type="none"/>
-            <a:tailEnd len="sm" w="sm" type="none"/>
+            <a:headEnd type="none" w="sm" len="sm"/>
+            <a:tailEnd type="none" w="sm" len="sm"/>
           </a:ln>
         </p:spPr>
       </p:sp>
       <p:sp>
         <p:nvSpPr>
           <p:cNvPr id="4" name="Google Shape;4;n"/>
-          <p:cNvSpPr txBox="1"/>
+          <p:cNvSpPr txBox="1">
+            <a:spLocks noGrp="1"/>
+          </p:cNvSpPr>
           <p:nvPr>
-            <p:ph idx="1" type="body"/>
+            <p:ph type="body" idx="1"/>
           </p:nvPr>
         </p:nvSpPr>
         <p:spPr>
@@ -353,9 +366,9 @@
           </a:ln>
         </p:spPr>
         <p:txBody>
-          <a:bodyPr anchorCtr="0" anchor="t" bIns="91425" lIns="91425" spcFirstLastPara="1" rIns="91425" wrap="square" tIns="91425"/>
+          <a:bodyPr spcFirstLastPara="1" wrap="square" lIns="91425" tIns="91425" rIns="91425" bIns="91425" anchor="t" anchorCtr="0"/>
           <a:lstStyle>
-            <a:lvl1pPr indent="-298450" lvl="0" marL="457200">
+            <a:lvl1pPr marL="457200" lvl="0" indent="-298450">
               <a:spcBef>
                 <a:spcPts val="0"/>
               </a:spcBef>
@@ -366,7 +379,7 @@
               <a:buChar char="●"/>
               <a:defRPr sz="1100"/>
             </a:lvl1pPr>
-            <a:lvl2pPr indent="-298450" lvl="1" marL="914400">
+            <a:lvl2pPr marL="914400" lvl="1" indent="-298450">
               <a:spcBef>
                 <a:spcPts val="0"/>
               </a:spcBef>
@@ -377,7 +390,7 @@
               <a:buChar char="○"/>
               <a:defRPr sz="1100"/>
             </a:lvl2pPr>
-            <a:lvl3pPr indent="-298450" lvl="2" marL="1371600">
+            <a:lvl3pPr marL="1371600" lvl="2" indent="-298450">
               <a:spcBef>
                 <a:spcPts val="0"/>
               </a:spcBef>
@@ -388,7 +401,7 @@
               <a:buChar char="■"/>
               <a:defRPr sz="1100"/>
             </a:lvl3pPr>
-            <a:lvl4pPr indent="-298450" lvl="3" marL="1828800">
+            <a:lvl4pPr marL="1828800" lvl="3" indent="-298450">
               <a:spcBef>
                 <a:spcPts val="0"/>
               </a:spcBef>
@@ -399,7 +412,7 @@
               <a:buChar char="●"/>
               <a:defRPr sz="1100"/>
             </a:lvl4pPr>
-            <a:lvl5pPr indent="-298450" lvl="4" marL="2286000">
+            <a:lvl5pPr marL="2286000" lvl="4" indent="-298450">
               <a:spcBef>
                 <a:spcPts val="0"/>
               </a:spcBef>
@@ -410,7 +423,7 @@
               <a:buChar char="○"/>
               <a:defRPr sz="1100"/>
             </a:lvl5pPr>
-            <a:lvl6pPr indent="-298450" lvl="5" marL="2743200">
+            <a:lvl6pPr marL="2743200" lvl="5" indent="-298450">
               <a:spcBef>
                 <a:spcPts val="0"/>
               </a:spcBef>
@@ -421,7 +434,7 @@
               <a:buChar char="■"/>
               <a:defRPr sz="1100"/>
             </a:lvl6pPr>
-            <a:lvl7pPr indent="-298450" lvl="6" marL="3200400">
+            <a:lvl7pPr marL="3200400" lvl="6" indent="-298450">
               <a:spcBef>
                 <a:spcPts val="0"/>
               </a:spcBef>
@@ -432,7 +445,7 @@
               <a:buChar char="●"/>
               <a:defRPr sz="1100"/>
             </a:lvl7pPr>
-            <a:lvl8pPr indent="-298450" lvl="7" marL="3657600">
+            <a:lvl8pPr marL="3657600" lvl="7" indent="-298450">
               <a:spcBef>
                 <a:spcPts val="0"/>
               </a:spcBef>
@@ -443,7 +456,7 @@
               <a:buChar char="○"/>
               <a:defRPr sz="1100"/>
             </a:lvl8pPr>
-            <a:lvl9pPr indent="-298450" lvl="8" marL="4114800">
+            <a:lvl9pPr marL="4114800" lvl="8" indent="-298450">
               <a:spcBef>
                 <a:spcPts val="0"/>
               </a:spcBef>
@@ -455,14 +468,16 @@
               <a:defRPr sz="1100"/>
             </a:lvl9pPr>
           </a:lstStyle>
-          <a:p/>
+          <a:p>
+            <a:endParaRPr/>
+          </a:p>
         </p:txBody>
       </p:sp>
     </p:spTree>
   </p:cSld>
-  <p:clrMap accent1="accent1" accent2="accent2" accent3="accent3" accent4="accent4" accent5="accent5" accent6="accent6" bg1="lt1" bg2="dk2" tx1="dk1" tx2="lt2" folHlink="folHlink" hlink="hlink"/>
+  <p:clrMap bg1="lt1" tx1="dk1" bg2="dk2" tx2="lt2" accent1="accent1" accent2="accent2" accent3="accent3" accent4="accent4" accent5="accent5" accent6="accent6" hlink="hlink" folHlink="folHlink"/>
   <p:notesStyle>
-    <a:defPPr lvl="0" marR="0" rtl="0" algn="l">
+    <a:defPPr marR="0" lvl="0" algn="l" rtl="0">
       <a:lnSpc>
         <a:spcPct val="100000"/>
       </a:lnSpc>
@@ -473,7 +488,7 @@
         <a:spcPts val="0"/>
       </a:spcAft>
     </a:defPPr>
-    <a:lvl1pPr lvl="0" marR="0" rtl="0" algn="l">
+    <a:lvl1pPr marR="0" lvl="0" algn="l" rtl="0">
       <a:lnSpc>
         <a:spcPct val="100000"/>
       </a:lnSpc>
@@ -487,7 +502,7 @@
         <a:srgbClr val="000000"/>
       </a:buClr>
       <a:buFont typeface="Arial"/>
-      <a:defRPr b="0" i="0" sz="1400" u="none" cap="none" strike="noStrike">
+      <a:defRPr sz="1400" b="0" i="0" u="none" strike="noStrike" cap="none">
         <a:solidFill>
           <a:srgbClr val="000000"/>
         </a:solidFill>
@@ -497,7 +512,7 @@
         <a:sym typeface="Arial"/>
       </a:defRPr>
     </a:lvl1pPr>
-    <a:lvl2pPr lvl="1" marR="0" rtl="0" algn="l">
+    <a:lvl2pPr marR="0" lvl="1" algn="l" rtl="0">
       <a:lnSpc>
         <a:spcPct val="100000"/>
       </a:lnSpc>
@@ -511,7 +526,7 @@
         <a:srgbClr val="000000"/>
       </a:buClr>
       <a:buFont typeface="Arial"/>
-      <a:defRPr b="0" i="0" sz="1400" u="none" cap="none" strike="noStrike">
+      <a:defRPr sz="1400" b="0" i="0" u="none" strike="noStrike" cap="none">
         <a:solidFill>
           <a:srgbClr val="000000"/>
         </a:solidFill>
@@ -521,7 +536,7 @@
         <a:sym typeface="Arial"/>
       </a:defRPr>
     </a:lvl2pPr>
-    <a:lvl3pPr lvl="2" marR="0" rtl="0" algn="l">
+    <a:lvl3pPr marR="0" lvl="2" algn="l" rtl="0">
       <a:lnSpc>
         <a:spcPct val="100000"/>
       </a:lnSpc>
@@ -535,7 +550,7 @@
         <a:srgbClr val="000000"/>
       </a:buClr>
       <a:buFont typeface="Arial"/>
-      <a:defRPr b="0" i="0" sz="1400" u="none" cap="none" strike="noStrike">
+      <a:defRPr sz="1400" b="0" i="0" u="none" strike="noStrike" cap="none">
         <a:solidFill>
           <a:srgbClr val="000000"/>
         </a:solidFill>
@@ -545,7 +560,7 @@
         <a:sym typeface="Arial"/>
       </a:defRPr>
     </a:lvl3pPr>
-    <a:lvl4pPr lvl="3" marR="0" rtl="0" algn="l">
+    <a:lvl4pPr marR="0" lvl="3" algn="l" rtl="0">
       <a:lnSpc>
         <a:spcPct val="100000"/>
       </a:lnSpc>
@@ -559,7 +574,7 @@
         <a:srgbClr val="000000"/>
       </a:buClr>
       <a:buFont typeface="Arial"/>
-      <a:defRPr b="0" i="0" sz="1400" u="none" cap="none" strike="noStrike">
+      <a:defRPr sz="1400" b="0" i="0" u="none" strike="noStrike" cap="none">
         <a:solidFill>
           <a:srgbClr val="000000"/>
         </a:solidFill>
@@ -569,7 +584,7 @@
         <a:sym typeface="Arial"/>
       </a:defRPr>
     </a:lvl4pPr>
-    <a:lvl5pPr lvl="4" marR="0" rtl="0" algn="l">
+    <a:lvl5pPr marR="0" lvl="4" algn="l" rtl="0">
       <a:lnSpc>
         <a:spcPct val="100000"/>
       </a:lnSpc>
@@ -583,7 +598,7 @@
         <a:srgbClr val="000000"/>
       </a:buClr>
       <a:buFont typeface="Arial"/>
-      <a:defRPr b="0" i="0" sz="1400" u="none" cap="none" strike="noStrike">
+      <a:defRPr sz="1400" b="0" i="0" u="none" strike="noStrike" cap="none">
         <a:solidFill>
           <a:srgbClr val="000000"/>
         </a:solidFill>
@@ -593,7 +608,7 @@
         <a:sym typeface="Arial"/>
       </a:defRPr>
     </a:lvl5pPr>
-    <a:lvl6pPr lvl="5" marR="0" rtl="0" algn="l">
+    <a:lvl6pPr marR="0" lvl="5" algn="l" rtl="0">
       <a:lnSpc>
         <a:spcPct val="100000"/>
       </a:lnSpc>
@@ -607,7 +622,7 @@
         <a:srgbClr val="000000"/>
       </a:buClr>
       <a:buFont typeface="Arial"/>
-      <a:defRPr b="0" i="0" sz="1400" u="none" cap="none" strike="noStrike">
+      <a:defRPr sz="1400" b="0" i="0" u="none" strike="noStrike" cap="none">
         <a:solidFill>
           <a:srgbClr val="000000"/>
         </a:solidFill>
@@ -617,7 +632,7 @@
         <a:sym typeface="Arial"/>
       </a:defRPr>
     </a:lvl6pPr>
-    <a:lvl7pPr lvl="6" marR="0" rtl="0" algn="l">
+    <a:lvl7pPr marR="0" lvl="6" algn="l" rtl="0">
       <a:lnSpc>
         <a:spcPct val="100000"/>
       </a:lnSpc>
@@ -631,7 +646,7 @@
         <a:srgbClr val="000000"/>
       </a:buClr>
       <a:buFont typeface="Arial"/>
-      <a:defRPr b="0" i="0" sz="1400" u="none" cap="none" strike="noStrike">
+      <a:defRPr sz="1400" b="0" i="0" u="none" strike="noStrike" cap="none">
         <a:solidFill>
           <a:srgbClr val="000000"/>
         </a:solidFill>
@@ -641,7 +656,7 @@
         <a:sym typeface="Arial"/>
       </a:defRPr>
     </a:lvl7pPr>
-    <a:lvl8pPr lvl="7" marR="0" rtl="0" algn="l">
+    <a:lvl8pPr marR="0" lvl="7" algn="l" rtl="0">
       <a:lnSpc>
         <a:spcPct val="100000"/>
       </a:lnSpc>
@@ -655,7 +670,7 @@
         <a:srgbClr val="000000"/>
       </a:buClr>
       <a:buFont typeface="Arial"/>
-      <a:defRPr b="0" i="0" sz="1400" u="none" cap="none" strike="noStrike">
+      <a:defRPr sz="1400" b="0" i="0" u="none" strike="noStrike" cap="none">
         <a:solidFill>
           <a:srgbClr val="000000"/>
         </a:solidFill>
@@ -665,7 +680,7 @@
         <a:sym typeface="Arial"/>
       </a:defRPr>
     </a:lvl8pPr>
-    <a:lvl9pPr lvl="8" marR="0" rtl="0" algn="l">
+    <a:lvl9pPr marR="0" lvl="8" algn="l" rtl="0">
       <a:lnSpc>
         <a:spcPct val="100000"/>
       </a:lnSpc>
@@ -679,7 +694,7 @@
         <a:srgbClr val="000000"/>
       </a:buClr>
       <a:buFont typeface="Arial"/>
-      <a:defRPr b="0" i="0" sz="1400" u="none" cap="none" strike="noStrike">
+      <a:defRPr sz="1400" b="0" i="0" u="none" strike="noStrike" cap="none">
         <a:solidFill>
           <a:srgbClr val="000000"/>
         </a:solidFill>
@@ -694,11 +709,11 @@
 </file>
 
 <file path=ppt/notesSlides/notesSlide1.xml><?xml version="1.0" encoding="utf-8"?>
-<p:notes xmlns:a="http://schemas.openxmlformats.org/drawingml/2006/main" xmlns:r="http://schemas.openxmlformats.org/officeDocument/2006/relationships" xmlns:mc="http://schemas.openxmlformats.org/markup-compatibility/2006" xmlns:mv="urn:schemas-microsoft-com:mac:vml" xmlns:p="http://schemas.openxmlformats.org/presentationml/2006/main" xmlns:c="http://schemas.openxmlformats.org/drawingml/2006/chart" xmlns:dgm="http://schemas.openxmlformats.org/drawingml/2006/diagram" xmlns:o="urn:schemas-microsoft-com:office:office" xmlns:v="urn:schemas-microsoft-com:vml" xmlns:pvml="urn:schemas-microsoft-com:office:powerpoint" xmlns:com="http://schemas.openxmlformats.org/drawingml/2006/compatibility" xmlns:p14="http://schemas.microsoft.com/office/powerpoint/2010/main" xmlns:p15="http://schemas.microsoft.com/office/powerpoint/2012/main" showMasterPhAnim="0" showMasterSp="0">
+<p:notes xmlns:a="http://schemas.openxmlformats.org/drawingml/2006/main" xmlns:r="http://schemas.openxmlformats.org/officeDocument/2006/relationships" xmlns:p="http://schemas.openxmlformats.org/presentationml/2006/main" showMasterSp="0" showMasterPhAnim="0">
   <p:cSld>
     <p:spTree>
       <p:nvGrpSpPr>
-        <p:cNvPr id="162" name="Shape 162"/>
+        <p:cNvPr id="1" name="Shape 162"/>
         <p:cNvGrpSpPr/>
         <p:nvPr/>
       </p:nvGrpSpPr>
@@ -713,20 +728,26 @@
       <p:sp>
         <p:nvSpPr>
           <p:cNvPr id="163" name="Google Shape;163;g4ec0d1eab4_0_33:notes"/>
-          <p:cNvSpPr/>
+          <p:cNvSpPr>
+            <a:spLocks noGrp="1" noRot="1" noChangeAspect="1"/>
+          </p:cNvSpPr>
           <p:nvPr>
-            <p:ph idx="2" type="sldImg"/>
+            <p:ph type="sldImg" idx="2"/>
           </p:nvPr>
         </p:nvSpPr>
         <p:spPr>
           <a:xfrm>
-            <a:off x="381300" y="685800"/>
+            <a:off x="381000" y="685800"/>
             <a:ext cx="6096000" cy="3429000"/>
           </a:xfrm>
           <a:custGeom>
-            <a:rect b="b" l="l" r="r" t="t"/>
+            <a:avLst/>
+            <a:gdLst/>
+            <a:ahLst/>
+            <a:cxnLst/>
+            <a:rect l="l" t="t" r="r" b="b"/>
             <a:pathLst>
-              <a:path extrusionOk="0" h="120000" w="120000">
+              <a:path w="120000" h="120000" extrusionOk="0">
                 <a:moveTo>
                   <a:pt x="0" y="0"/>
                 </a:moveTo>
@@ -748,9 +769,11 @@
       <p:sp>
         <p:nvSpPr>
           <p:cNvPr id="164" name="Google Shape;164;g4ec0d1eab4_0_33:notes"/>
-          <p:cNvSpPr txBox="1"/>
+          <p:cNvSpPr txBox="1">
+            <a:spLocks noGrp="1"/>
+          </p:cNvSpPr>
           <p:nvPr>
-            <p:ph idx="1" type="body"/>
+            <p:ph type="body" idx="1"/>
           </p:nvPr>
         </p:nvSpPr>
         <p:spPr>
@@ -763,12 +786,12 @@
           </a:prstGeom>
         </p:spPr>
         <p:txBody>
-          <a:bodyPr anchorCtr="0" anchor="t" bIns="91425" lIns="91425" spcFirstLastPara="1" rIns="91425" wrap="square" tIns="91425">
+          <a:bodyPr spcFirstLastPara="1" wrap="square" lIns="91425" tIns="91425" rIns="91425" bIns="91425" anchor="t" anchorCtr="0">
             <a:noAutofit/>
           </a:bodyPr>
           <a:lstStyle/>
           <a:p>
-            <a:pPr indent="0" lvl="0" marL="0" rtl="0" algn="l">
+            <a:pPr marL="0" lvl="0" indent="0" algn="l" rtl="0">
               <a:spcBef>
                 <a:spcPts val="0"/>
               </a:spcBef>
@@ -777,9 +800,6 @@
               </a:spcAft>
               <a:buNone/>
             </a:pPr>
-            <a:r>
-              <a:t/>
-            </a:r>
             <a:endParaRPr/>
           </a:p>
         </p:txBody>
@@ -793,11 +813,11 @@
 </file>
 
 <file path=ppt/notesSlides/notesSlide10.xml><?xml version="1.0" encoding="utf-8"?>
-<p:notes xmlns:a="http://schemas.openxmlformats.org/drawingml/2006/main" xmlns:r="http://schemas.openxmlformats.org/officeDocument/2006/relationships" xmlns:mc="http://schemas.openxmlformats.org/markup-compatibility/2006" xmlns:mv="urn:schemas-microsoft-com:mac:vml" xmlns:p="http://schemas.openxmlformats.org/presentationml/2006/main" xmlns:c="http://schemas.openxmlformats.org/drawingml/2006/chart" xmlns:dgm="http://schemas.openxmlformats.org/drawingml/2006/diagram" xmlns:o="urn:schemas-microsoft-com:office:office" xmlns:v="urn:schemas-microsoft-com:vml" xmlns:pvml="urn:schemas-microsoft-com:office:powerpoint" xmlns:com="http://schemas.openxmlformats.org/drawingml/2006/compatibility" xmlns:p14="http://schemas.microsoft.com/office/powerpoint/2010/main" xmlns:p15="http://schemas.microsoft.com/office/powerpoint/2012/main" showMasterPhAnim="0" showMasterSp="0">
+<p:notes xmlns:a="http://schemas.openxmlformats.org/drawingml/2006/main" xmlns:r="http://schemas.openxmlformats.org/officeDocument/2006/relationships" xmlns:p="http://schemas.openxmlformats.org/presentationml/2006/main" showMasterSp="0" showMasterPhAnim="0">
   <p:cSld>
     <p:spTree>
       <p:nvGrpSpPr>
-        <p:cNvPr id="225" name="Shape 225"/>
+        <p:cNvPr id="1" name="Shape 225"/>
         <p:cNvGrpSpPr/>
         <p:nvPr/>
       </p:nvGrpSpPr>
@@ -812,20 +832,26 @@
       <p:sp>
         <p:nvSpPr>
           <p:cNvPr id="226" name="Google Shape;226;g4fe31e0db1_1_5:notes"/>
-          <p:cNvSpPr/>
+          <p:cNvSpPr>
+            <a:spLocks noGrp="1" noRot="1" noChangeAspect="1"/>
+          </p:cNvSpPr>
           <p:nvPr>
-            <p:ph idx="2" type="sldImg"/>
+            <p:ph type="sldImg" idx="2"/>
           </p:nvPr>
         </p:nvSpPr>
         <p:spPr>
           <a:xfrm>
-            <a:off x="381300" y="685800"/>
+            <a:off x="381000" y="685800"/>
             <a:ext cx="6096000" cy="3429000"/>
           </a:xfrm>
           <a:custGeom>
-            <a:rect b="b" l="l" r="r" t="t"/>
+            <a:avLst/>
+            <a:gdLst/>
+            <a:ahLst/>
+            <a:cxnLst/>
+            <a:rect l="l" t="t" r="r" b="b"/>
             <a:pathLst>
-              <a:path extrusionOk="0" h="120000" w="120000">
+              <a:path w="120000" h="120000" extrusionOk="0">
                 <a:moveTo>
                   <a:pt x="0" y="0"/>
                 </a:moveTo>
@@ -847,9 +873,11 @@
       <p:sp>
         <p:nvSpPr>
           <p:cNvPr id="227" name="Google Shape;227;g4fe31e0db1_1_5:notes"/>
-          <p:cNvSpPr txBox="1"/>
+          <p:cNvSpPr txBox="1">
+            <a:spLocks noGrp="1"/>
+          </p:cNvSpPr>
           <p:nvPr>
-            <p:ph idx="1" type="body"/>
+            <p:ph type="body" idx="1"/>
           </p:nvPr>
         </p:nvSpPr>
         <p:spPr>
@@ -862,12 +890,12 @@
           </a:prstGeom>
         </p:spPr>
         <p:txBody>
-          <a:bodyPr anchorCtr="0" anchor="t" bIns="91425" lIns="91425" spcFirstLastPara="1" rIns="91425" wrap="square" tIns="91425">
+          <a:bodyPr spcFirstLastPara="1" wrap="square" lIns="91425" tIns="91425" rIns="91425" bIns="91425" anchor="t" anchorCtr="0">
             <a:noAutofit/>
           </a:bodyPr>
           <a:lstStyle/>
           <a:p>
-            <a:pPr indent="0" lvl="0" marL="0" rtl="0" algn="l">
+            <a:pPr marL="0" lvl="0" indent="0" algn="l" rtl="0">
               <a:spcBef>
                 <a:spcPts val="0"/>
               </a:spcBef>
@@ -876,9 +904,6 @@
               </a:spcAft>
               <a:buNone/>
             </a:pPr>
-            <a:r>
-              <a:t/>
-            </a:r>
             <a:endParaRPr/>
           </a:p>
         </p:txBody>
@@ -892,11 +917,11 @@
 </file>
 
 <file path=ppt/notesSlides/notesSlide11.xml><?xml version="1.0" encoding="utf-8"?>
-<p:notes xmlns:a="http://schemas.openxmlformats.org/drawingml/2006/main" xmlns:r="http://schemas.openxmlformats.org/officeDocument/2006/relationships" xmlns:mc="http://schemas.openxmlformats.org/markup-compatibility/2006" xmlns:mv="urn:schemas-microsoft-com:mac:vml" xmlns:p="http://schemas.openxmlformats.org/presentationml/2006/main" xmlns:c="http://schemas.openxmlformats.org/drawingml/2006/chart" xmlns:dgm="http://schemas.openxmlformats.org/drawingml/2006/diagram" xmlns:o="urn:schemas-microsoft-com:office:office" xmlns:v="urn:schemas-microsoft-com:vml" xmlns:pvml="urn:schemas-microsoft-com:office:powerpoint" xmlns:com="http://schemas.openxmlformats.org/drawingml/2006/compatibility" xmlns:p14="http://schemas.microsoft.com/office/powerpoint/2010/main" xmlns:p15="http://schemas.microsoft.com/office/powerpoint/2012/main" showMasterPhAnim="0" showMasterSp="0">
+<p:notes xmlns:a="http://schemas.openxmlformats.org/drawingml/2006/main" xmlns:r="http://schemas.openxmlformats.org/officeDocument/2006/relationships" xmlns:p="http://schemas.openxmlformats.org/presentationml/2006/main" showMasterSp="0" showMasterPhAnim="0">
   <p:cSld>
     <p:spTree>
       <p:nvGrpSpPr>
-        <p:cNvPr id="231" name="Shape 231"/>
+        <p:cNvPr id="1" name="Shape 231"/>
         <p:cNvGrpSpPr/>
         <p:nvPr/>
       </p:nvGrpSpPr>
@@ -911,20 +936,26 @@
       <p:sp>
         <p:nvSpPr>
           <p:cNvPr id="232" name="Google Shape;232;g4fe31e0db1_1_10:notes"/>
-          <p:cNvSpPr/>
+          <p:cNvSpPr>
+            <a:spLocks noGrp="1" noRot="1" noChangeAspect="1"/>
+          </p:cNvSpPr>
           <p:nvPr>
-            <p:ph idx="2" type="sldImg"/>
+            <p:ph type="sldImg" idx="2"/>
           </p:nvPr>
         </p:nvSpPr>
         <p:spPr>
           <a:xfrm>
-            <a:off x="381300" y="685800"/>
+            <a:off x="381000" y="685800"/>
             <a:ext cx="6096000" cy="3429000"/>
           </a:xfrm>
           <a:custGeom>
-            <a:rect b="b" l="l" r="r" t="t"/>
+            <a:avLst/>
+            <a:gdLst/>
+            <a:ahLst/>
+            <a:cxnLst/>
+            <a:rect l="l" t="t" r="r" b="b"/>
             <a:pathLst>
-              <a:path extrusionOk="0" h="120000" w="120000">
+              <a:path w="120000" h="120000" extrusionOk="0">
                 <a:moveTo>
                   <a:pt x="0" y="0"/>
                 </a:moveTo>
@@ -946,9 +977,11 @@
       <p:sp>
         <p:nvSpPr>
           <p:cNvPr id="233" name="Google Shape;233;g4fe31e0db1_1_10:notes"/>
-          <p:cNvSpPr txBox="1"/>
+          <p:cNvSpPr txBox="1">
+            <a:spLocks noGrp="1"/>
+          </p:cNvSpPr>
           <p:nvPr>
-            <p:ph idx="1" type="body"/>
+            <p:ph type="body" idx="1"/>
           </p:nvPr>
         </p:nvSpPr>
         <p:spPr>
@@ -961,12 +994,12 @@
           </a:prstGeom>
         </p:spPr>
         <p:txBody>
-          <a:bodyPr anchorCtr="0" anchor="t" bIns="91425" lIns="91425" spcFirstLastPara="1" rIns="91425" wrap="square" tIns="91425">
+          <a:bodyPr spcFirstLastPara="1" wrap="square" lIns="91425" tIns="91425" rIns="91425" bIns="91425" anchor="t" anchorCtr="0">
             <a:noAutofit/>
           </a:bodyPr>
           <a:lstStyle/>
           <a:p>
-            <a:pPr indent="0" lvl="0" marL="0" rtl="0" algn="l">
+            <a:pPr marL="0" lvl="0" indent="0" algn="l" rtl="0">
               <a:spcBef>
                 <a:spcPts val="0"/>
               </a:spcBef>
@@ -975,9 +1008,6 @@
               </a:spcAft>
               <a:buNone/>
             </a:pPr>
-            <a:r>
-              <a:t/>
-            </a:r>
             <a:endParaRPr/>
           </a:p>
         </p:txBody>
@@ -991,11 +1021,11 @@
 </file>
 
 <file path=ppt/notesSlides/notesSlide12.xml><?xml version="1.0" encoding="utf-8"?>
-<p:notes xmlns:a="http://schemas.openxmlformats.org/drawingml/2006/main" xmlns:r="http://schemas.openxmlformats.org/officeDocument/2006/relationships" xmlns:mc="http://schemas.openxmlformats.org/markup-compatibility/2006" xmlns:mv="urn:schemas-microsoft-com:mac:vml" xmlns:p="http://schemas.openxmlformats.org/presentationml/2006/main" xmlns:c="http://schemas.openxmlformats.org/drawingml/2006/chart" xmlns:dgm="http://schemas.openxmlformats.org/drawingml/2006/diagram" xmlns:o="urn:schemas-microsoft-com:office:office" xmlns:v="urn:schemas-microsoft-com:vml" xmlns:pvml="urn:schemas-microsoft-com:office:powerpoint" xmlns:com="http://schemas.openxmlformats.org/drawingml/2006/compatibility" xmlns:p14="http://schemas.microsoft.com/office/powerpoint/2010/main" xmlns:p15="http://schemas.microsoft.com/office/powerpoint/2012/main" showMasterPhAnim="0" showMasterSp="0">
+<p:notes xmlns:a="http://schemas.openxmlformats.org/drawingml/2006/main" xmlns:r="http://schemas.openxmlformats.org/officeDocument/2006/relationships" xmlns:p="http://schemas.openxmlformats.org/presentationml/2006/main" showMasterSp="0" showMasterPhAnim="0">
   <p:cSld>
     <p:spTree>
       <p:nvGrpSpPr>
-        <p:cNvPr id="237" name="Shape 237"/>
+        <p:cNvPr id="1" name="Shape 237"/>
         <p:cNvGrpSpPr/>
         <p:nvPr/>
       </p:nvGrpSpPr>
@@ -1010,20 +1040,26 @@
       <p:sp>
         <p:nvSpPr>
           <p:cNvPr id="238" name="Google Shape;238;g4ec0d1eab4_0_75:notes"/>
-          <p:cNvSpPr/>
+          <p:cNvSpPr>
+            <a:spLocks noGrp="1" noRot="1" noChangeAspect="1"/>
+          </p:cNvSpPr>
           <p:nvPr>
-            <p:ph idx="2" type="sldImg"/>
+            <p:ph type="sldImg" idx="2"/>
           </p:nvPr>
         </p:nvSpPr>
         <p:spPr>
           <a:xfrm>
-            <a:off x="381300" y="685800"/>
+            <a:off x="381000" y="685800"/>
             <a:ext cx="6096000" cy="3429000"/>
           </a:xfrm>
           <a:custGeom>
-            <a:rect b="b" l="l" r="r" t="t"/>
+            <a:avLst/>
+            <a:gdLst/>
+            <a:ahLst/>
+            <a:cxnLst/>
+            <a:rect l="l" t="t" r="r" b="b"/>
             <a:pathLst>
-              <a:path extrusionOk="0" h="120000" w="120000">
+              <a:path w="120000" h="120000" extrusionOk="0">
                 <a:moveTo>
                   <a:pt x="0" y="0"/>
                 </a:moveTo>
@@ -1045,9 +1081,11 @@
       <p:sp>
         <p:nvSpPr>
           <p:cNvPr id="239" name="Google Shape;239;g4ec0d1eab4_0_75:notes"/>
-          <p:cNvSpPr txBox="1"/>
+          <p:cNvSpPr txBox="1">
+            <a:spLocks noGrp="1"/>
+          </p:cNvSpPr>
           <p:nvPr>
-            <p:ph idx="1" type="body"/>
+            <p:ph type="body" idx="1"/>
           </p:nvPr>
         </p:nvSpPr>
         <p:spPr>
@@ -1060,12 +1098,12 @@
           </a:prstGeom>
         </p:spPr>
         <p:txBody>
-          <a:bodyPr anchorCtr="0" anchor="t" bIns="91425" lIns="91425" spcFirstLastPara="1" rIns="91425" wrap="square" tIns="91425">
+          <a:bodyPr spcFirstLastPara="1" wrap="square" lIns="91425" tIns="91425" rIns="91425" bIns="91425" anchor="t" anchorCtr="0">
             <a:noAutofit/>
           </a:bodyPr>
           <a:lstStyle/>
           <a:p>
-            <a:pPr indent="0" lvl="0" marL="0" rtl="0" algn="l">
+            <a:pPr marL="0" lvl="0" indent="0" algn="l" rtl="0">
               <a:spcBef>
                 <a:spcPts val="0"/>
               </a:spcBef>
@@ -1074,9 +1112,6 @@
               </a:spcAft>
               <a:buNone/>
             </a:pPr>
-            <a:r>
-              <a:t/>
-            </a:r>
             <a:endParaRPr/>
           </a:p>
         </p:txBody>
@@ -1090,11 +1125,11 @@
 </file>
 
 <file path=ppt/notesSlides/notesSlide2.xml><?xml version="1.0" encoding="utf-8"?>
-<p:notes xmlns:a="http://schemas.openxmlformats.org/drawingml/2006/main" xmlns:r="http://schemas.openxmlformats.org/officeDocument/2006/relationships" xmlns:mc="http://schemas.openxmlformats.org/markup-compatibility/2006" xmlns:mv="urn:schemas-microsoft-com:mac:vml" xmlns:p="http://schemas.openxmlformats.org/presentationml/2006/main" xmlns:c="http://schemas.openxmlformats.org/drawingml/2006/chart" xmlns:dgm="http://schemas.openxmlformats.org/drawingml/2006/diagram" xmlns:o="urn:schemas-microsoft-com:office:office" xmlns:v="urn:schemas-microsoft-com:vml" xmlns:pvml="urn:schemas-microsoft-com:office:powerpoint" xmlns:com="http://schemas.openxmlformats.org/drawingml/2006/compatibility" xmlns:p14="http://schemas.microsoft.com/office/powerpoint/2010/main" xmlns:p15="http://schemas.microsoft.com/office/powerpoint/2012/main" showMasterPhAnim="0" showMasterSp="0">
+<p:notes xmlns:a="http://schemas.openxmlformats.org/drawingml/2006/main" xmlns:r="http://schemas.openxmlformats.org/officeDocument/2006/relationships" xmlns:p="http://schemas.openxmlformats.org/presentationml/2006/main" showMasterSp="0" showMasterPhAnim="0">
   <p:cSld>
     <p:spTree>
       <p:nvGrpSpPr>
-        <p:cNvPr id="169" name="Shape 169"/>
+        <p:cNvPr id="1" name="Shape 169"/>
         <p:cNvGrpSpPr/>
         <p:nvPr/>
       </p:nvGrpSpPr>
@@ -1109,20 +1144,26 @@
       <p:sp>
         <p:nvSpPr>
           <p:cNvPr id="170" name="Google Shape;170;p:notes"/>
-          <p:cNvSpPr/>
+          <p:cNvSpPr>
+            <a:spLocks noGrp="1" noRot="1" noChangeAspect="1"/>
+          </p:cNvSpPr>
           <p:nvPr>
-            <p:ph idx="2" type="sldImg"/>
+            <p:ph type="sldImg" idx="2"/>
           </p:nvPr>
         </p:nvSpPr>
         <p:spPr>
           <a:xfrm>
-            <a:off x="381300" y="685800"/>
-            <a:ext cx="6096075" cy="3429000"/>
+            <a:off x="381000" y="685800"/>
+            <a:ext cx="6096000" cy="3429000"/>
           </a:xfrm>
           <a:custGeom>
-            <a:rect b="b" l="l" r="r" t="t"/>
+            <a:avLst/>
+            <a:gdLst/>
+            <a:ahLst/>
+            <a:cxnLst/>
+            <a:rect l="l" t="t" r="r" b="b"/>
             <a:pathLst>
-              <a:path extrusionOk="0" h="120000" w="120000">
+              <a:path w="120000" h="120000" extrusionOk="0">
                 <a:moveTo>
                   <a:pt x="0" y="0"/>
                 </a:moveTo>
@@ -1144,9 +1185,11 @@
       <p:sp>
         <p:nvSpPr>
           <p:cNvPr id="171" name="Google Shape;171;p:notes"/>
-          <p:cNvSpPr txBox="1"/>
+          <p:cNvSpPr txBox="1">
+            <a:spLocks noGrp="1"/>
+          </p:cNvSpPr>
           <p:nvPr>
-            <p:ph idx="1" type="body"/>
+            <p:ph type="body" idx="1"/>
           </p:nvPr>
         </p:nvSpPr>
         <p:spPr>
@@ -1159,12 +1202,12 @@
           </a:prstGeom>
         </p:spPr>
         <p:txBody>
-          <a:bodyPr anchorCtr="0" anchor="t" bIns="91425" lIns="91425" spcFirstLastPara="1" rIns="91425" wrap="square" tIns="91425">
+          <a:bodyPr spcFirstLastPara="1" wrap="square" lIns="91425" tIns="91425" rIns="91425" bIns="91425" anchor="t" anchorCtr="0">
             <a:noAutofit/>
           </a:bodyPr>
           <a:lstStyle/>
           <a:p>
-            <a:pPr indent="0" lvl="0" marL="0" rtl="0" algn="l">
+            <a:pPr marL="0" lvl="0" indent="0" algn="l" rtl="0">
               <a:spcBef>
                 <a:spcPts val="0"/>
               </a:spcBef>
@@ -1173,9 +1216,6 @@
               </a:spcAft>
               <a:buNone/>
             </a:pPr>
-            <a:r>
-              <a:t/>
-            </a:r>
             <a:endParaRPr/>
           </a:p>
         </p:txBody>
@@ -1189,11 +1229,11 @@
 </file>
 
 <file path=ppt/notesSlides/notesSlide3.xml><?xml version="1.0" encoding="utf-8"?>
-<p:notes xmlns:a="http://schemas.openxmlformats.org/drawingml/2006/main" xmlns:r="http://schemas.openxmlformats.org/officeDocument/2006/relationships" xmlns:mc="http://schemas.openxmlformats.org/markup-compatibility/2006" xmlns:mv="urn:schemas-microsoft-com:mac:vml" xmlns:p="http://schemas.openxmlformats.org/presentationml/2006/main" xmlns:c="http://schemas.openxmlformats.org/drawingml/2006/chart" xmlns:dgm="http://schemas.openxmlformats.org/drawingml/2006/diagram" xmlns:o="urn:schemas-microsoft-com:office:office" xmlns:v="urn:schemas-microsoft-com:vml" xmlns:pvml="urn:schemas-microsoft-com:office:powerpoint" xmlns:com="http://schemas.openxmlformats.org/drawingml/2006/compatibility" xmlns:p14="http://schemas.microsoft.com/office/powerpoint/2010/main" xmlns:p15="http://schemas.microsoft.com/office/powerpoint/2012/main" showMasterPhAnim="0" showMasterSp="0">
+<p:notes xmlns:a="http://schemas.openxmlformats.org/drawingml/2006/main" xmlns:r="http://schemas.openxmlformats.org/officeDocument/2006/relationships" xmlns:p="http://schemas.openxmlformats.org/presentationml/2006/main" showMasterSp="0" showMasterPhAnim="0">
   <p:cSld>
     <p:spTree>
       <p:nvGrpSpPr>
-        <p:cNvPr id="175" name="Shape 175"/>
+        <p:cNvPr id="1" name="Shape 175"/>
         <p:cNvGrpSpPr/>
         <p:nvPr/>
       </p:nvGrpSpPr>
@@ -1208,20 +1248,26 @@
       <p:sp>
         <p:nvSpPr>
           <p:cNvPr id="176" name="Google Shape;176;g4f497230cf_0_0:notes"/>
-          <p:cNvSpPr/>
+          <p:cNvSpPr>
+            <a:spLocks noGrp="1" noRot="1" noChangeAspect="1"/>
+          </p:cNvSpPr>
           <p:nvPr>
-            <p:ph idx="2" type="sldImg"/>
+            <p:ph type="sldImg" idx="2"/>
           </p:nvPr>
         </p:nvSpPr>
         <p:spPr>
           <a:xfrm>
-            <a:off x="381300" y="685800"/>
+            <a:off x="381000" y="685800"/>
             <a:ext cx="6096000" cy="3429000"/>
           </a:xfrm>
           <a:custGeom>
-            <a:rect b="b" l="l" r="r" t="t"/>
+            <a:avLst/>
+            <a:gdLst/>
+            <a:ahLst/>
+            <a:cxnLst/>
+            <a:rect l="l" t="t" r="r" b="b"/>
             <a:pathLst>
-              <a:path extrusionOk="0" h="120000" w="120000">
+              <a:path w="120000" h="120000" extrusionOk="0">
                 <a:moveTo>
                   <a:pt x="0" y="0"/>
                 </a:moveTo>
@@ -1243,9 +1289,11 @@
       <p:sp>
         <p:nvSpPr>
           <p:cNvPr id="177" name="Google Shape;177;g4f497230cf_0_0:notes"/>
-          <p:cNvSpPr txBox="1"/>
+          <p:cNvSpPr txBox="1">
+            <a:spLocks noGrp="1"/>
+          </p:cNvSpPr>
           <p:nvPr>
-            <p:ph idx="1" type="body"/>
+            <p:ph type="body" idx="1"/>
           </p:nvPr>
         </p:nvSpPr>
         <p:spPr>
@@ -1258,12 +1306,12 @@
           </a:prstGeom>
         </p:spPr>
         <p:txBody>
-          <a:bodyPr anchorCtr="0" anchor="t" bIns="91425" lIns="91425" spcFirstLastPara="1" rIns="91425" wrap="square" tIns="91425">
+          <a:bodyPr spcFirstLastPara="1" wrap="square" lIns="91425" tIns="91425" rIns="91425" bIns="91425" anchor="t" anchorCtr="0">
             <a:noAutofit/>
           </a:bodyPr>
           <a:lstStyle/>
           <a:p>
-            <a:pPr indent="0" lvl="0" marL="0" rtl="0" algn="l">
+            <a:pPr marL="0" lvl="0" indent="0" algn="l" rtl="0">
               <a:spcBef>
                 <a:spcPts val="0"/>
               </a:spcBef>
@@ -1272,9 +1320,6 @@
               </a:spcAft>
               <a:buNone/>
             </a:pPr>
-            <a:r>
-              <a:t/>
-            </a:r>
             <a:endParaRPr/>
           </a:p>
         </p:txBody>
@@ -1288,11 +1333,11 @@
 </file>
 
 <file path=ppt/notesSlides/notesSlide4.xml><?xml version="1.0" encoding="utf-8"?>
-<p:notes xmlns:a="http://schemas.openxmlformats.org/drawingml/2006/main" xmlns:r="http://schemas.openxmlformats.org/officeDocument/2006/relationships" xmlns:mc="http://schemas.openxmlformats.org/markup-compatibility/2006" xmlns:mv="urn:schemas-microsoft-com:mac:vml" xmlns:p="http://schemas.openxmlformats.org/presentationml/2006/main" xmlns:c="http://schemas.openxmlformats.org/drawingml/2006/chart" xmlns:dgm="http://schemas.openxmlformats.org/drawingml/2006/diagram" xmlns:o="urn:schemas-microsoft-com:office:office" xmlns:v="urn:schemas-microsoft-com:vml" xmlns:pvml="urn:schemas-microsoft-com:office:powerpoint" xmlns:com="http://schemas.openxmlformats.org/drawingml/2006/compatibility" xmlns:p14="http://schemas.microsoft.com/office/powerpoint/2010/main" xmlns:p15="http://schemas.microsoft.com/office/powerpoint/2012/main" showMasterPhAnim="0" showMasterSp="0">
+<p:notes xmlns:a="http://schemas.openxmlformats.org/drawingml/2006/main" xmlns:r="http://schemas.openxmlformats.org/officeDocument/2006/relationships" xmlns:p="http://schemas.openxmlformats.org/presentationml/2006/main" showMasterSp="0" showMasterPhAnim="0">
   <p:cSld>
     <p:spTree>
       <p:nvGrpSpPr>
-        <p:cNvPr id="181" name="Shape 181"/>
+        <p:cNvPr id="1" name="Shape 181"/>
         <p:cNvGrpSpPr/>
         <p:nvPr/>
       </p:nvGrpSpPr>
@@ -1307,20 +1352,26 @@
       <p:sp>
         <p:nvSpPr>
           <p:cNvPr id="182" name="Google Shape;182;g5076960056_0_0:notes"/>
-          <p:cNvSpPr/>
+          <p:cNvSpPr>
+            <a:spLocks noGrp="1" noRot="1" noChangeAspect="1"/>
+          </p:cNvSpPr>
           <p:nvPr>
-            <p:ph idx="2" type="sldImg"/>
+            <p:ph type="sldImg" idx="2"/>
           </p:nvPr>
         </p:nvSpPr>
         <p:spPr>
           <a:xfrm>
-            <a:off x="381300" y="685800"/>
+            <a:off x="381000" y="685800"/>
             <a:ext cx="6096000" cy="3429000"/>
           </a:xfrm>
           <a:custGeom>
-            <a:rect b="b" l="l" r="r" t="t"/>
+            <a:avLst/>
+            <a:gdLst/>
+            <a:ahLst/>
+            <a:cxnLst/>
+            <a:rect l="l" t="t" r="r" b="b"/>
             <a:pathLst>
-              <a:path extrusionOk="0" h="120000" w="120000">
+              <a:path w="120000" h="120000" extrusionOk="0">
                 <a:moveTo>
                   <a:pt x="0" y="0"/>
                 </a:moveTo>
@@ -1342,9 +1393,11 @@
       <p:sp>
         <p:nvSpPr>
           <p:cNvPr id="183" name="Google Shape;183;g5076960056_0_0:notes"/>
-          <p:cNvSpPr txBox="1"/>
+          <p:cNvSpPr txBox="1">
+            <a:spLocks noGrp="1"/>
+          </p:cNvSpPr>
           <p:nvPr>
-            <p:ph idx="1" type="body"/>
+            <p:ph type="body" idx="1"/>
           </p:nvPr>
         </p:nvSpPr>
         <p:spPr>
@@ -1357,12 +1410,12 @@
           </a:prstGeom>
         </p:spPr>
         <p:txBody>
-          <a:bodyPr anchorCtr="0" anchor="t" bIns="91425" lIns="91425" spcFirstLastPara="1" rIns="91425" wrap="square" tIns="91425">
+          <a:bodyPr spcFirstLastPara="1" wrap="square" lIns="91425" tIns="91425" rIns="91425" bIns="91425" anchor="t" anchorCtr="0">
             <a:noAutofit/>
           </a:bodyPr>
           <a:lstStyle/>
           <a:p>
-            <a:pPr indent="0" lvl="0" marL="0" rtl="0" algn="l">
+            <a:pPr marL="0" lvl="0" indent="0" algn="l" rtl="0">
               <a:spcBef>
                 <a:spcPts val="0"/>
               </a:spcBef>
@@ -1371,9 +1424,6 @@
               </a:spcAft>
               <a:buNone/>
             </a:pPr>
-            <a:r>
-              <a:t/>
-            </a:r>
             <a:endParaRPr/>
           </a:p>
         </p:txBody>
@@ -1387,11 +1437,11 @@
 </file>
 
 <file path=ppt/notesSlides/notesSlide5.xml><?xml version="1.0" encoding="utf-8"?>
-<p:notes xmlns:a="http://schemas.openxmlformats.org/drawingml/2006/main" xmlns:r="http://schemas.openxmlformats.org/officeDocument/2006/relationships" xmlns:mc="http://schemas.openxmlformats.org/markup-compatibility/2006" xmlns:mv="urn:schemas-microsoft-com:mac:vml" xmlns:p="http://schemas.openxmlformats.org/presentationml/2006/main" xmlns:c="http://schemas.openxmlformats.org/drawingml/2006/chart" xmlns:dgm="http://schemas.openxmlformats.org/drawingml/2006/diagram" xmlns:o="urn:schemas-microsoft-com:office:office" xmlns:v="urn:schemas-microsoft-com:vml" xmlns:pvml="urn:schemas-microsoft-com:office:powerpoint" xmlns:com="http://schemas.openxmlformats.org/drawingml/2006/compatibility" xmlns:p14="http://schemas.microsoft.com/office/powerpoint/2010/main" xmlns:p15="http://schemas.microsoft.com/office/powerpoint/2012/main" showMasterPhAnim="0" showMasterSp="0">
+<p:notes xmlns:a="http://schemas.openxmlformats.org/drawingml/2006/main" xmlns:r="http://schemas.openxmlformats.org/officeDocument/2006/relationships" xmlns:p="http://schemas.openxmlformats.org/presentationml/2006/main" showMasterSp="0" showMasterPhAnim="0">
   <p:cSld>
     <p:spTree>
       <p:nvGrpSpPr>
-        <p:cNvPr id="190" name="Shape 190"/>
+        <p:cNvPr id="1" name="Shape 190"/>
         <p:cNvGrpSpPr/>
         <p:nvPr/>
       </p:nvGrpSpPr>
@@ -1406,20 +1456,26 @@
       <p:sp>
         <p:nvSpPr>
           <p:cNvPr id="191" name="Google Shape;191;g5076960056_0_10:notes"/>
-          <p:cNvSpPr/>
+          <p:cNvSpPr>
+            <a:spLocks noGrp="1" noRot="1" noChangeAspect="1"/>
+          </p:cNvSpPr>
           <p:nvPr>
-            <p:ph idx="2" type="sldImg"/>
+            <p:ph type="sldImg" idx="2"/>
           </p:nvPr>
         </p:nvSpPr>
         <p:spPr>
           <a:xfrm>
-            <a:off x="381300" y="685800"/>
+            <a:off x="381000" y="685800"/>
             <a:ext cx="6096000" cy="3429000"/>
           </a:xfrm>
           <a:custGeom>
-            <a:rect b="b" l="l" r="r" t="t"/>
+            <a:avLst/>
+            <a:gdLst/>
+            <a:ahLst/>
+            <a:cxnLst/>
+            <a:rect l="l" t="t" r="r" b="b"/>
             <a:pathLst>
-              <a:path extrusionOk="0" h="120000" w="120000">
+              <a:path w="120000" h="120000" extrusionOk="0">
                 <a:moveTo>
                   <a:pt x="0" y="0"/>
                 </a:moveTo>
@@ -1441,9 +1497,11 @@
       <p:sp>
         <p:nvSpPr>
           <p:cNvPr id="192" name="Google Shape;192;g5076960056_0_10:notes"/>
-          <p:cNvSpPr txBox="1"/>
+          <p:cNvSpPr txBox="1">
+            <a:spLocks noGrp="1"/>
+          </p:cNvSpPr>
           <p:nvPr>
-            <p:ph idx="1" type="body"/>
+            <p:ph type="body" idx="1"/>
           </p:nvPr>
         </p:nvSpPr>
         <p:spPr>
@@ -1456,12 +1514,12 @@
           </a:prstGeom>
         </p:spPr>
         <p:txBody>
-          <a:bodyPr anchorCtr="0" anchor="t" bIns="91425" lIns="91425" spcFirstLastPara="1" rIns="91425" wrap="square" tIns="91425">
+          <a:bodyPr spcFirstLastPara="1" wrap="square" lIns="91425" tIns="91425" rIns="91425" bIns="91425" anchor="t" anchorCtr="0">
             <a:noAutofit/>
           </a:bodyPr>
           <a:lstStyle/>
           <a:p>
-            <a:pPr indent="0" lvl="0" marL="0" rtl="0" algn="l">
+            <a:pPr marL="0" lvl="0" indent="0" algn="l" rtl="0">
               <a:spcBef>
                 <a:spcPts val="0"/>
               </a:spcBef>
@@ -1470,9 +1528,6 @@
               </a:spcAft>
               <a:buNone/>
             </a:pPr>
-            <a:r>
-              <a:t/>
-            </a:r>
             <a:endParaRPr/>
           </a:p>
         </p:txBody>
@@ -1486,11 +1541,11 @@
 </file>
 
 <file path=ppt/notesSlides/notesSlide6.xml><?xml version="1.0" encoding="utf-8"?>
-<p:notes xmlns:a="http://schemas.openxmlformats.org/drawingml/2006/main" xmlns:r="http://schemas.openxmlformats.org/officeDocument/2006/relationships" xmlns:mc="http://schemas.openxmlformats.org/markup-compatibility/2006" xmlns:mv="urn:schemas-microsoft-com:mac:vml" xmlns:p="http://schemas.openxmlformats.org/presentationml/2006/main" xmlns:c="http://schemas.openxmlformats.org/drawingml/2006/chart" xmlns:dgm="http://schemas.openxmlformats.org/drawingml/2006/diagram" xmlns:o="urn:schemas-microsoft-com:office:office" xmlns:v="urn:schemas-microsoft-com:vml" xmlns:pvml="urn:schemas-microsoft-com:office:powerpoint" xmlns:com="http://schemas.openxmlformats.org/drawingml/2006/compatibility" xmlns:p14="http://schemas.microsoft.com/office/powerpoint/2010/main" xmlns:p15="http://schemas.microsoft.com/office/powerpoint/2012/main" showMasterPhAnim="0" showMasterSp="0">
+<p:notes xmlns:a="http://schemas.openxmlformats.org/drawingml/2006/main" xmlns:r="http://schemas.openxmlformats.org/officeDocument/2006/relationships" xmlns:p="http://schemas.openxmlformats.org/presentationml/2006/main" showMasterSp="0" showMasterPhAnim="0">
   <p:cSld>
     <p:spTree>
       <p:nvGrpSpPr>
-        <p:cNvPr id="199" name="Shape 199"/>
+        <p:cNvPr id="1" name="Shape 199"/>
         <p:cNvGrpSpPr/>
         <p:nvPr/>
       </p:nvGrpSpPr>
@@ -1505,20 +1560,26 @@
       <p:sp>
         <p:nvSpPr>
           <p:cNvPr id="200" name="Google Shape;200;g5076960056_0_20:notes"/>
-          <p:cNvSpPr/>
+          <p:cNvSpPr>
+            <a:spLocks noGrp="1" noRot="1" noChangeAspect="1"/>
+          </p:cNvSpPr>
           <p:nvPr>
-            <p:ph idx="2" type="sldImg"/>
+            <p:ph type="sldImg" idx="2"/>
           </p:nvPr>
         </p:nvSpPr>
         <p:spPr>
           <a:xfrm>
-            <a:off x="381300" y="685800"/>
+            <a:off x="381000" y="685800"/>
             <a:ext cx="6096000" cy="3429000"/>
           </a:xfrm>
           <a:custGeom>
-            <a:rect b="b" l="l" r="r" t="t"/>
+            <a:avLst/>
+            <a:gdLst/>
+            <a:ahLst/>
+            <a:cxnLst/>
+            <a:rect l="l" t="t" r="r" b="b"/>
             <a:pathLst>
-              <a:path extrusionOk="0" h="120000" w="120000">
+              <a:path w="120000" h="120000" extrusionOk="0">
                 <a:moveTo>
                   <a:pt x="0" y="0"/>
                 </a:moveTo>
@@ -1540,9 +1601,11 @@
       <p:sp>
         <p:nvSpPr>
           <p:cNvPr id="201" name="Google Shape;201;g5076960056_0_20:notes"/>
-          <p:cNvSpPr txBox="1"/>
+          <p:cNvSpPr txBox="1">
+            <a:spLocks noGrp="1"/>
+          </p:cNvSpPr>
           <p:nvPr>
-            <p:ph idx="1" type="body"/>
+            <p:ph type="body" idx="1"/>
           </p:nvPr>
         </p:nvSpPr>
         <p:spPr>
@@ -1555,12 +1618,12 @@
           </a:prstGeom>
         </p:spPr>
         <p:txBody>
-          <a:bodyPr anchorCtr="0" anchor="t" bIns="91425" lIns="91425" spcFirstLastPara="1" rIns="91425" wrap="square" tIns="91425">
+          <a:bodyPr spcFirstLastPara="1" wrap="square" lIns="91425" tIns="91425" rIns="91425" bIns="91425" anchor="t" anchorCtr="0">
             <a:noAutofit/>
           </a:bodyPr>
           <a:lstStyle/>
           <a:p>
-            <a:pPr indent="0" lvl="0" marL="0" rtl="0" algn="l">
+            <a:pPr marL="0" lvl="0" indent="0" algn="l" rtl="0">
               <a:spcBef>
                 <a:spcPts val="0"/>
               </a:spcBef>
@@ -1569,9 +1632,6 @@
               </a:spcAft>
               <a:buNone/>
             </a:pPr>
-            <a:r>
-              <a:t/>
-            </a:r>
             <a:endParaRPr/>
           </a:p>
         </p:txBody>
@@ -1585,11 +1645,11 @@
 </file>
 
 <file path=ppt/notesSlides/notesSlide7.xml><?xml version="1.0" encoding="utf-8"?>
-<p:notes xmlns:a="http://schemas.openxmlformats.org/drawingml/2006/main" xmlns:r="http://schemas.openxmlformats.org/officeDocument/2006/relationships" xmlns:mc="http://schemas.openxmlformats.org/markup-compatibility/2006" xmlns:mv="urn:schemas-microsoft-com:mac:vml" xmlns:p="http://schemas.openxmlformats.org/presentationml/2006/main" xmlns:c="http://schemas.openxmlformats.org/drawingml/2006/chart" xmlns:dgm="http://schemas.openxmlformats.org/drawingml/2006/diagram" xmlns:o="urn:schemas-microsoft-com:office:office" xmlns:v="urn:schemas-microsoft-com:vml" xmlns:pvml="urn:schemas-microsoft-com:office:powerpoint" xmlns:com="http://schemas.openxmlformats.org/drawingml/2006/compatibility" xmlns:p14="http://schemas.microsoft.com/office/powerpoint/2010/main" xmlns:p15="http://schemas.microsoft.com/office/powerpoint/2012/main" showMasterPhAnim="0" showMasterSp="0">
+<p:notes xmlns:a="http://schemas.openxmlformats.org/drawingml/2006/main" xmlns:r="http://schemas.openxmlformats.org/officeDocument/2006/relationships" xmlns:p="http://schemas.openxmlformats.org/presentationml/2006/main" showMasterSp="0" showMasterPhAnim="0">
   <p:cSld>
     <p:spTree>
       <p:nvGrpSpPr>
-        <p:cNvPr id="206" name="Shape 206"/>
+        <p:cNvPr id="1" name="Shape 206"/>
         <p:cNvGrpSpPr/>
         <p:nvPr/>
       </p:nvGrpSpPr>
@@ -1604,20 +1664,26 @@
       <p:sp>
         <p:nvSpPr>
           <p:cNvPr id="207" name="Google Shape;207;g4f497230cf_0_5:notes"/>
-          <p:cNvSpPr/>
+          <p:cNvSpPr>
+            <a:spLocks noGrp="1" noRot="1" noChangeAspect="1"/>
+          </p:cNvSpPr>
           <p:nvPr>
-            <p:ph idx="2" type="sldImg"/>
+            <p:ph type="sldImg" idx="2"/>
           </p:nvPr>
         </p:nvSpPr>
         <p:spPr>
           <a:xfrm>
-            <a:off x="381300" y="685800"/>
+            <a:off x="381000" y="685800"/>
             <a:ext cx="6096000" cy="3429000"/>
           </a:xfrm>
           <a:custGeom>
-            <a:rect b="b" l="l" r="r" t="t"/>
+            <a:avLst/>
+            <a:gdLst/>
+            <a:ahLst/>
+            <a:cxnLst/>
+            <a:rect l="l" t="t" r="r" b="b"/>
             <a:pathLst>
-              <a:path extrusionOk="0" h="120000" w="120000">
+              <a:path w="120000" h="120000" extrusionOk="0">
                 <a:moveTo>
                   <a:pt x="0" y="0"/>
                 </a:moveTo>
@@ -1639,9 +1705,11 @@
       <p:sp>
         <p:nvSpPr>
           <p:cNvPr id="208" name="Google Shape;208;g4f497230cf_0_5:notes"/>
-          <p:cNvSpPr txBox="1"/>
+          <p:cNvSpPr txBox="1">
+            <a:spLocks noGrp="1"/>
+          </p:cNvSpPr>
           <p:nvPr>
-            <p:ph idx="1" type="body"/>
+            <p:ph type="body" idx="1"/>
           </p:nvPr>
         </p:nvSpPr>
         <p:spPr>
@@ -1654,12 +1722,12 @@
           </a:prstGeom>
         </p:spPr>
         <p:txBody>
-          <a:bodyPr anchorCtr="0" anchor="t" bIns="91425" lIns="91425" spcFirstLastPara="1" rIns="91425" wrap="square" tIns="91425">
+          <a:bodyPr spcFirstLastPara="1" wrap="square" lIns="91425" tIns="91425" rIns="91425" bIns="91425" anchor="t" anchorCtr="0">
             <a:noAutofit/>
           </a:bodyPr>
           <a:lstStyle/>
           <a:p>
-            <a:pPr indent="0" lvl="0" marL="0" rtl="0" algn="l">
+            <a:pPr marL="0" lvl="0" indent="0" algn="l" rtl="0">
               <a:spcBef>
                 <a:spcPts val="0"/>
               </a:spcBef>
@@ -1668,9 +1736,6 @@
               </a:spcAft>
               <a:buNone/>
             </a:pPr>
-            <a:r>
-              <a:t/>
-            </a:r>
             <a:endParaRPr/>
           </a:p>
         </p:txBody>
@@ -1684,11 +1749,11 @@
 </file>
 
 <file path=ppt/notesSlides/notesSlide8.xml><?xml version="1.0" encoding="utf-8"?>
-<p:notes xmlns:a="http://schemas.openxmlformats.org/drawingml/2006/main" xmlns:r="http://schemas.openxmlformats.org/officeDocument/2006/relationships" xmlns:mc="http://schemas.openxmlformats.org/markup-compatibility/2006" xmlns:mv="urn:schemas-microsoft-com:mac:vml" xmlns:p="http://schemas.openxmlformats.org/presentationml/2006/main" xmlns:c="http://schemas.openxmlformats.org/drawingml/2006/chart" xmlns:dgm="http://schemas.openxmlformats.org/drawingml/2006/diagram" xmlns:o="urn:schemas-microsoft-com:office:office" xmlns:v="urn:schemas-microsoft-com:vml" xmlns:pvml="urn:schemas-microsoft-com:office:powerpoint" xmlns:com="http://schemas.openxmlformats.org/drawingml/2006/compatibility" xmlns:p14="http://schemas.microsoft.com/office/powerpoint/2010/main" xmlns:p15="http://schemas.microsoft.com/office/powerpoint/2012/main" showMasterPhAnim="0" showMasterSp="0">
+<p:notes xmlns:a="http://schemas.openxmlformats.org/drawingml/2006/main" xmlns:r="http://schemas.openxmlformats.org/officeDocument/2006/relationships" xmlns:p="http://schemas.openxmlformats.org/presentationml/2006/main" showMasterSp="0" showMasterPhAnim="0">
   <p:cSld>
     <p:spTree>
       <p:nvGrpSpPr>
-        <p:cNvPr id="213" name="Shape 213"/>
+        <p:cNvPr id="1" name="Shape 213"/>
         <p:cNvGrpSpPr/>
         <p:nvPr/>
       </p:nvGrpSpPr>
@@ -1703,20 +1768,26 @@
       <p:sp>
         <p:nvSpPr>
           <p:cNvPr id="214" name="Google Shape;214;g4ec0d1eab4_0_40:notes"/>
-          <p:cNvSpPr/>
+          <p:cNvSpPr>
+            <a:spLocks noGrp="1" noRot="1" noChangeAspect="1"/>
+          </p:cNvSpPr>
           <p:nvPr>
-            <p:ph idx="2" type="sldImg"/>
+            <p:ph type="sldImg" idx="2"/>
           </p:nvPr>
         </p:nvSpPr>
         <p:spPr>
           <a:xfrm>
-            <a:off x="381300" y="685800"/>
+            <a:off x="381000" y="685800"/>
             <a:ext cx="6096000" cy="3429000"/>
           </a:xfrm>
           <a:custGeom>
-            <a:rect b="b" l="l" r="r" t="t"/>
+            <a:avLst/>
+            <a:gdLst/>
+            <a:ahLst/>
+            <a:cxnLst/>
+            <a:rect l="l" t="t" r="r" b="b"/>
             <a:pathLst>
-              <a:path extrusionOk="0" h="120000" w="120000">
+              <a:path w="120000" h="120000" extrusionOk="0">
                 <a:moveTo>
                   <a:pt x="0" y="0"/>
                 </a:moveTo>
@@ -1738,9 +1809,11 @@
       <p:sp>
         <p:nvSpPr>
           <p:cNvPr id="215" name="Google Shape;215;g4ec0d1eab4_0_40:notes"/>
-          <p:cNvSpPr txBox="1"/>
+          <p:cNvSpPr txBox="1">
+            <a:spLocks noGrp="1"/>
+          </p:cNvSpPr>
           <p:nvPr>
-            <p:ph idx="1" type="body"/>
+            <p:ph type="body" idx="1"/>
           </p:nvPr>
         </p:nvSpPr>
         <p:spPr>
@@ -1753,12 +1826,12 @@
           </a:prstGeom>
         </p:spPr>
         <p:txBody>
-          <a:bodyPr anchorCtr="0" anchor="t" bIns="91425" lIns="91425" spcFirstLastPara="1" rIns="91425" wrap="square" tIns="91425">
+          <a:bodyPr spcFirstLastPara="1" wrap="square" lIns="91425" tIns="91425" rIns="91425" bIns="91425" anchor="t" anchorCtr="0">
             <a:noAutofit/>
           </a:bodyPr>
           <a:lstStyle/>
           <a:p>
-            <a:pPr indent="0" lvl="0" marL="0" rtl="0" algn="l">
+            <a:pPr marL="0" lvl="0" indent="0" algn="l" rtl="0">
               <a:spcBef>
                 <a:spcPts val="0"/>
               </a:spcBef>
@@ -1767,9 +1840,6 @@
               </a:spcAft>
               <a:buNone/>
             </a:pPr>
-            <a:r>
-              <a:t/>
-            </a:r>
             <a:endParaRPr/>
           </a:p>
         </p:txBody>
@@ -1783,11 +1853,11 @@
 </file>
 
 <file path=ppt/notesSlides/notesSlide9.xml><?xml version="1.0" encoding="utf-8"?>
-<p:notes xmlns:a="http://schemas.openxmlformats.org/drawingml/2006/main" xmlns:r="http://schemas.openxmlformats.org/officeDocument/2006/relationships" xmlns:mc="http://schemas.openxmlformats.org/markup-compatibility/2006" xmlns:mv="urn:schemas-microsoft-com:mac:vml" xmlns:p="http://schemas.openxmlformats.org/presentationml/2006/main" xmlns:c="http://schemas.openxmlformats.org/drawingml/2006/chart" xmlns:dgm="http://schemas.openxmlformats.org/drawingml/2006/diagram" xmlns:o="urn:schemas-microsoft-com:office:office" xmlns:v="urn:schemas-microsoft-com:vml" xmlns:pvml="urn:schemas-microsoft-com:office:powerpoint" xmlns:com="http://schemas.openxmlformats.org/drawingml/2006/compatibility" xmlns:p14="http://schemas.microsoft.com/office/powerpoint/2010/main" xmlns:p15="http://schemas.microsoft.com/office/powerpoint/2012/main" showMasterPhAnim="0" showMasterSp="0">
+<p:notes xmlns:a="http://schemas.openxmlformats.org/drawingml/2006/main" xmlns:r="http://schemas.openxmlformats.org/officeDocument/2006/relationships" xmlns:p="http://schemas.openxmlformats.org/presentationml/2006/main" showMasterSp="0" showMasterPhAnim="0">
   <p:cSld>
     <p:spTree>
       <p:nvGrpSpPr>
-        <p:cNvPr id="219" name="Shape 219"/>
+        <p:cNvPr id="1" name="Shape 219"/>
         <p:cNvGrpSpPr/>
         <p:nvPr/>
       </p:nvGrpSpPr>
@@ -1802,20 +1872,26 @@
       <p:sp>
         <p:nvSpPr>
           <p:cNvPr id="220" name="Google Shape;220;g4fe31e0db1_1_0:notes"/>
-          <p:cNvSpPr/>
+          <p:cNvSpPr>
+            <a:spLocks noGrp="1" noRot="1" noChangeAspect="1"/>
+          </p:cNvSpPr>
           <p:nvPr>
-            <p:ph idx="2" type="sldImg"/>
+            <p:ph type="sldImg" idx="2"/>
           </p:nvPr>
         </p:nvSpPr>
         <p:spPr>
           <a:xfrm>
-            <a:off x="381300" y="685800"/>
+            <a:off x="381000" y="685800"/>
             <a:ext cx="6096000" cy="3429000"/>
           </a:xfrm>
           <a:custGeom>
-            <a:rect b="b" l="l" r="r" t="t"/>
+            <a:avLst/>
+            <a:gdLst/>
+            <a:ahLst/>
+            <a:cxnLst/>
+            <a:rect l="l" t="t" r="r" b="b"/>
             <a:pathLst>
-              <a:path extrusionOk="0" h="120000" w="120000">
+              <a:path w="120000" h="120000" extrusionOk="0">
                 <a:moveTo>
                   <a:pt x="0" y="0"/>
                 </a:moveTo>
@@ -1837,9 +1913,11 @@
       <p:sp>
         <p:nvSpPr>
           <p:cNvPr id="221" name="Google Shape;221;g4fe31e0db1_1_0:notes"/>
-          <p:cNvSpPr txBox="1"/>
+          <p:cNvSpPr txBox="1">
+            <a:spLocks noGrp="1"/>
+          </p:cNvSpPr>
           <p:nvPr>
-            <p:ph idx="1" type="body"/>
+            <p:ph type="body" idx="1"/>
           </p:nvPr>
         </p:nvSpPr>
         <p:spPr>
@@ -1852,12 +1930,12 @@
           </a:prstGeom>
         </p:spPr>
         <p:txBody>
-          <a:bodyPr anchorCtr="0" anchor="t" bIns="91425" lIns="91425" spcFirstLastPara="1" rIns="91425" wrap="square" tIns="91425">
+          <a:bodyPr spcFirstLastPara="1" wrap="square" lIns="91425" tIns="91425" rIns="91425" bIns="91425" anchor="t" anchorCtr="0">
             <a:noAutofit/>
           </a:bodyPr>
           <a:lstStyle/>
           <a:p>
-            <a:pPr indent="0" lvl="0" marL="0" rtl="0" algn="l">
+            <a:pPr marL="0" lvl="0" indent="0" algn="l" rtl="0">
               <a:spcBef>
                 <a:spcPts val="0"/>
               </a:spcBef>
@@ -1866,9 +1944,6 @@
               </a:spcAft>
               <a:buNone/>
             </a:pPr>
-            <a:r>
-              <a:t/>
-            </a:r>
             <a:endParaRPr/>
           </a:p>
         </p:txBody>
@@ -1882,18 +1957,19 @@
 </file>
 
 <file path=ppt/slideLayouts/slideLayout1.xml><?xml version="1.0" encoding="utf-8"?>
-<p:sldLayout xmlns:a="http://schemas.openxmlformats.org/drawingml/2006/main" xmlns:r="http://schemas.openxmlformats.org/officeDocument/2006/relationships" xmlns:mc="http://schemas.openxmlformats.org/markup-compatibility/2006" xmlns:mv="urn:schemas-microsoft-com:mac:vml" xmlns:p="http://schemas.openxmlformats.org/presentationml/2006/main" xmlns:c="http://schemas.openxmlformats.org/drawingml/2006/chart" xmlns:dgm="http://schemas.openxmlformats.org/drawingml/2006/diagram" xmlns:o="urn:schemas-microsoft-com:office:office" xmlns:v="urn:schemas-microsoft-com:vml" xmlns:pvml="urn:schemas-microsoft-com:office:powerpoint" xmlns:com="http://schemas.openxmlformats.org/drawingml/2006/compatibility" xmlns:p14="http://schemas.microsoft.com/office/powerpoint/2010/main" xmlns:p15="http://schemas.microsoft.com/office/powerpoint/2012/main" matchingName="Title" type="title">
+<p:sldLayout xmlns:a="http://schemas.openxmlformats.org/drawingml/2006/main" xmlns:r="http://schemas.openxmlformats.org/officeDocument/2006/relationships" xmlns:p="http://schemas.openxmlformats.org/presentationml/2006/main" matchingName="Title" type="title">
   <p:cSld name="TITLE">
     <p:bg>
       <p:bgPr>
         <a:solidFill>
           <a:srgbClr val="4BB5D9"/>
         </a:solidFill>
+        <a:effectLst/>
       </p:bgPr>
     </p:bg>
     <p:spTree>
       <p:nvGrpSpPr>
-        <p:cNvPr id="8" name="Shape 8"/>
+        <p:cNvPr id="1" name="Shape 8"/>
         <p:cNvGrpSpPr/>
         <p:nvPr/>
       </p:nvGrpSpPr>
@@ -1926,7 +2002,7 @@
             <p:nvPr/>
           </p:nvSpPr>
           <p:spPr>
-            <a:xfrm flipH="1" rot="9208626">
+            <a:xfrm rot="9208626" flipH="1">
               <a:off x="6704904" y="4110434"/>
               <a:ext cx="484232" cy="1204006"/>
             </a:xfrm>
@@ -1941,12 +2017,12 @@
             </a:ln>
           </p:spPr>
           <p:txBody>
-            <a:bodyPr anchorCtr="0" anchor="ctr" bIns="91425" lIns="91425" spcFirstLastPara="1" rIns="91425" wrap="square" tIns="91425">
+            <a:bodyPr spcFirstLastPara="1" wrap="square" lIns="91425" tIns="91425" rIns="91425" bIns="91425" anchor="ctr" anchorCtr="0">
               <a:noAutofit/>
             </a:bodyPr>
             <a:lstStyle/>
             <a:p>
-              <a:pPr indent="0" lvl="0" marL="0" rtl="0" algn="l">
+              <a:pPr marL="0" lvl="0" indent="0" algn="l" rtl="0">
                 <a:spcBef>
                   <a:spcPts val="0"/>
                 </a:spcBef>
@@ -1955,9 +2031,6 @@
                 </a:spcAft>
                 <a:buNone/>
               </a:pPr>
-              <a:r>
-                <a:t/>
-              </a:r>
               <a:endParaRPr/>
             </a:p>
           </p:txBody>
@@ -1969,7 +2042,7 @@
             <p:nvPr/>
           </p:nvSpPr>
           <p:spPr>
-            <a:xfrm flipH="1" rot="9208633">
+            <a:xfrm rot="9208633" flipH="1">
               <a:off x="7804300" y="3279013"/>
               <a:ext cx="877624" cy="2182136"/>
             </a:xfrm>
@@ -1984,12 +2057,12 @@
             </a:ln>
           </p:spPr>
           <p:txBody>
-            <a:bodyPr anchorCtr="0" anchor="ctr" bIns="91425" lIns="91425" spcFirstLastPara="1" rIns="91425" wrap="square" tIns="91425">
+            <a:bodyPr spcFirstLastPara="1" wrap="square" lIns="91425" tIns="91425" rIns="91425" bIns="91425" anchor="ctr" anchorCtr="0">
               <a:noAutofit/>
             </a:bodyPr>
             <a:lstStyle/>
             <a:p>
-              <a:pPr indent="0" lvl="0" marL="0" rtl="0" algn="l">
+              <a:pPr marL="0" lvl="0" indent="0" algn="l" rtl="0">
                 <a:spcBef>
                   <a:spcPts val="0"/>
                 </a:spcBef>
@@ -1998,9 +2071,6 @@
                 </a:spcAft>
                 <a:buNone/>
               </a:pPr>
-              <a:r>
-                <a:t/>
-              </a:r>
               <a:endParaRPr/>
             </a:p>
           </p:txBody>
@@ -2012,7 +2082,7 @@
             <p:nvPr/>
           </p:nvSpPr>
           <p:spPr>
-            <a:xfrm flipH="1" rot="9208606">
+            <a:xfrm rot="9208606" flipH="1">
               <a:off x="7481789" y="4276913"/>
               <a:ext cx="408796" cy="1016449"/>
             </a:xfrm>
@@ -2027,12 +2097,12 @@
             </a:ln>
           </p:spPr>
           <p:txBody>
-            <a:bodyPr anchorCtr="0" anchor="ctr" bIns="91425" lIns="91425" spcFirstLastPara="1" rIns="91425" wrap="square" tIns="91425">
+            <a:bodyPr spcFirstLastPara="1" wrap="square" lIns="91425" tIns="91425" rIns="91425" bIns="91425" anchor="ctr" anchorCtr="0">
               <a:noAutofit/>
             </a:bodyPr>
             <a:lstStyle/>
             <a:p>
-              <a:pPr indent="0" lvl="0" marL="0" rtl="0" algn="l">
+              <a:pPr marL="0" lvl="0" indent="0" algn="l" rtl="0">
                 <a:spcBef>
                   <a:spcPts val="0"/>
                 </a:spcBef>
@@ -2041,9 +2111,6 @@
                 </a:spcAft>
                 <a:buNone/>
               </a:pPr>
-              <a:r>
-                <a:t/>
-              </a:r>
               <a:endParaRPr/>
             </a:p>
           </p:txBody>
@@ -2055,7 +2122,7 @@
             <p:nvPr/>
           </p:nvSpPr>
           <p:spPr>
-            <a:xfrm flipH="1" rot="9208678">
+            <a:xfrm rot="9208678" flipH="1">
               <a:off x="6287617" y="4657701"/>
               <a:ext cx="229660" cy="571018"/>
             </a:xfrm>
@@ -2070,12 +2137,12 @@
             </a:ln>
           </p:spPr>
           <p:txBody>
-            <a:bodyPr anchorCtr="0" anchor="ctr" bIns="91425" lIns="91425" spcFirstLastPara="1" rIns="91425" wrap="square" tIns="91425">
+            <a:bodyPr spcFirstLastPara="1" wrap="square" lIns="91425" tIns="91425" rIns="91425" bIns="91425" anchor="ctr" anchorCtr="0">
               <a:noAutofit/>
             </a:bodyPr>
             <a:lstStyle/>
             <a:p>
-              <a:pPr indent="0" lvl="0" marL="0" rtl="0" algn="l">
+              <a:pPr marL="0" lvl="0" indent="0" algn="l" rtl="0">
                 <a:spcBef>
                   <a:spcPts val="0"/>
                 </a:spcBef>
@@ -2084,9 +2151,6 @@
                 </a:spcAft>
                 <a:buNone/>
               </a:pPr>
-              <a:r>
-                <a:t/>
-              </a:r>
               <a:endParaRPr/>
             </a:p>
           </p:txBody>
@@ -2103,9 +2167,13 @@
               <a:ext cx="854651" cy="1929080"/>
             </a:xfrm>
             <a:custGeom>
-              <a:rect b="b" l="l" r="r" t="t"/>
+              <a:avLst/>
+              <a:gdLst/>
+              <a:ahLst/>
+              <a:cxnLst/>
+              <a:rect l="l" t="t" r="r" b="b"/>
               <a:pathLst>
-                <a:path extrusionOk="0" h="84860" w="37596">
+                <a:path w="37596" h="84860" extrusionOk="0">
                   <a:moveTo>
                     <a:pt x="19066" y="0"/>
                   </a:moveTo>
@@ -2152,7 +2220,7 @@
             <p:nvPr/>
           </p:nvSpPr>
           <p:spPr>
-            <a:xfrm flipH="1" rot="-1591408">
+            <a:xfrm rot="-1591408" flipH="1">
               <a:off x="1362169" y="-63166"/>
               <a:ext cx="205103" cy="509980"/>
             </a:xfrm>
@@ -2167,12 +2235,12 @@
             </a:ln>
           </p:spPr>
           <p:txBody>
-            <a:bodyPr anchorCtr="0" anchor="ctr" bIns="91425" lIns="91425" spcFirstLastPara="1" rIns="91425" wrap="square" tIns="91425">
+            <a:bodyPr spcFirstLastPara="1" wrap="square" lIns="91425" tIns="91425" rIns="91425" bIns="91425" anchor="ctr" anchorCtr="0">
               <a:noAutofit/>
             </a:bodyPr>
             <a:lstStyle/>
             <a:p>
-              <a:pPr indent="0" lvl="0" marL="0" rtl="0" algn="l">
+              <a:pPr marL="0" lvl="0" indent="0" algn="l" rtl="0">
                 <a:spcBef>
                   <a:spcPts val="0"/>
                 </a:spcBef>
@@ -2181,9 +2249,6 @@
                 </a:spcAft>
                 <a:buNone/>
               </a:pPr>
-              <a:r>
-                <a:t/>
-              </a:r>
               <a:endParaRPr/>
             </a:p>
           </p:txBody>
@@ -2195,7 +2260,7 @@
             <p:nvPr/>
           </p:nvSpPr>
           <p:spPr>
-            <a:xfrm flipH="1" rot="-1591371">
+            <a:xfrm rot="-1591371" flipH="1">
               <a:off x="239463" y="-151890"/>
               <a:ext cx="434754" cy="1080980"/>
             </a:xfrm>
@@ -2210,12 +2275,12 @@
             </a:ln>
           </p:spPr>
           <p:txBody>
-            <a:bodyPr anchorCtr="0" anchor="ctr" bIns="91425" lIns="91425" spcFirstLastPara="1" rIns="91425" wrap="square" tIns="91425">
+            <a:bodyPr spcFirstLastPara="1" wrap="square" lIns="91425" tIns="91425" rIns="91425" bIns="91425" anchor="ctr" anchorCtr="0">
               <a:noAutofit/>
             </a:bodyPr>
             <a:lstStyle/>
             <a:p>
-              <a:pPr indent="0" lvl="0" marL="0" rtl="0" algn="l">
+              <a:pPr marL="0" lvl="0" indent="0" algn="l" rtl="0">
                 <a:spcBef>
                   <a:spcPts val="0"/>
                 </a:spcBef>
@@ -2224,9 +2289,6 @@
                 </a:spcAft>
                 <a:buNone/>
               </a:pPr>
-              <a:r>
-                <a:t/>
-              </a:r>
               <a:endParaRPr/>
             </a:p>
           </p:txBody>
@@ -2238,7 +2300,7 @@
             <p:nvPr/>
           </p:nvSpPr>
           <p:spPr>
-            <a:xfrm flipH="1" rot="-1591339">
+            <a:xfrm rot="-1591339" flipH="1">
               <a:off x="892401" y="-169347"/>
               <a:ext cx="504374" cy="1254067"/>
             </a:xfrm>
@@ -2253,12 +2315,12 @@
             </a:ln>
           </p:spPr>
           <p:txBody>
-            <a:bodyPr anchorCtr="0" anchor="ctr" bIns="91425" lIns="91425" spcFirstLastPara="1" rIns="91425" wrap="square" tIns="91425">
+            <a:bodyPr spcFirstLastPara="1" wrap="square" lIns="91425" tIns="91425" rIns="91425" bIns="91425" anchor="ctr" anchorCtr="0">
               <a:noAutofit/>
             </a:bodyPr>
             <a:lstStyle/>
             <a:p>
-              <a:pPr indent="0" lvl="0" marL="0" rtl="0" algn="l">
+              <a:pPr marL="0" lvl="0" indent="0" algn="l" rtl="0">
                 <a:spcBef>
                   <a:spcPts val="0"/>
                 </a:spcBef>
@@ -2267,9 +2329,6 @@
                 </a:spcAft>
                 <a:buNone/>
               </a:pPr>
-              <a:r>
-                <a:t/>
-              </a:r>
               <a:endParaRPr/>
             </a:p>
           </p:txBody>
@@ -2281,7 +2340,7 @@
             <p:nvPr/>
           </p:nvSpPr>
           <p:spPr>
-            <a:xfrm flipH="1" rot="-1591322">
+            <a:xfrm rot="-1591322" flipH="1">
               <a:off x="1818452" y="-76292"/>
               <a:ext cx="229660" cy="571018"/>
             </a:xfrm>
@@ -2296,12 +2355,12 @@
             </a:ln>
           </p:spPr>
           <p:txBody>
-            <a:bodyPr anchorCtr="0" anchor="ctr" bIns="91425" lIns="91425" spcFirstLastPara="1" rIns="91425" wrap="square" tIns="91425">
+            <a:bodyPr spcFirstLastPara="1" wrap="square" lIns="91425" tIns="91425" rIns="91425" bIns="91425" anchor="ctr" anchorCtr="0">
               <a:noAutofit/>
             </a:bodyPr>
             <a:lstStyle/>
             <a:p>
-              <a:pPr indent="0" lvl="0" marL="0" rtl="0" algn="l">
+              <a:pPr marL="0" lvl="0" indent="0" algn="l" rtl="0">
                 <a:spcBef>
                   <a:spcPts val="0"/>
                 </a:spcBef>
@@ -2310,9 +2369,6 @@
                 </a:spcAft>
                 <a:buNone/>
               </a:pPr>
-              <a:r>
-                <a:t/>
-              </a:r>
               <a:endParaRPr/>
             </a:p>
           </p:txBody>
@@ -2329,9 +2385,13 @@
               <a:ext cx="380284" cy="858147"/>
             </a:xfrm>
             <a:custGeom>
-              <a:rect b="b" l="l" r="r" t="t"/>
+              <a:avLst/>
+              <a:gdLst/>
+              <a:ahLst/>
+              <a:cxnLst/>
+              <a:rect l="l" t="t" r="r" b="b"/>
               <a:pathLst>
-                <a:path extrusionOk="0" h="84860" w="37596">
+                <a:path w="37596" h="84860" extrusionOk="0">
                   <a:moveTo>
                     <a:pt x="19066" y="0"/>
                   </a:moveTo>
@@ -2360,7 +2420,9 @@
       <p:sp>
         <p:nvSpPr>
           <p:cNvPr id="21" name="Google Shape;21;p2"/>
-          <p:cNvSpPr txBox="1"/>
+          <p:cNvSpPr txBox="1">
+            <a:spLocks noGrp="1"/>
+          </p:cNvSpPr>
           <p:nvPr>
             <p:ph type="ctrTitle"/>
           </p:nvPr>
@@ -2375,7 +2437,7 @@
           </a:prstGeom>
         </p:spPr>
         <p:txBody>
-          <a:bodyPr anchorCtr="0" anchor="b" bIns="91425" lIns="91425" spcFirstLastPara="1" rIns="91425" wrap="square" tIns="91425"/>
+          <a:bodyPr spcFirstLastPara="1" wrap="square" lIns="91425" tIns="91425" rIns="91425" bIns="91425" anchor="b" anchorCtr="0"/>
           <a:lstStyle>
             <a:lvl1pPr lvl="0">
               <a:spcBef>
@@ -2540,7 +2602,9 @@
               </a:defRPr>
             </a:lvl9pPr>
           </a:lstStyle>
-          <a:p/>
+          <a:p>
+            <a:endParaRPr/>
+          </a:p>
         </p:txBody>
       </p:sp>
     </p:spTree>
@@ -2552,18 +2616,19 @@
 </file>
 
 <file path=ppt/slideLayouts/slideLayout10.xml><?xml version="1.0" encoding="utf-8"?>
-<p:sldLayout xmlns:a="http://schemas.openxmlformats.org/drawingml/2006/main" xmlns:r="http://schemas.openxmlformats.org/officeDocument/2006/relationships" xmlns:mc="http://schemas.openxmlformats.org/markup-compatibility/2006" xmlns:mv="urn:schemas-microsoft-com:mac:vml" xmlns:p="http://schemas.openxmlformats.org/presentationml/2006/main" xmlns:c="http://schemas.openxmlformats.org/drawingml/2006/chart" xmlns:dgm="http://schemas.openxmlformats.org/drawingml/2006/diagram" xmlns:o="urn:schemas-microsoft-com:office:office" xmlns:v="urn:schemas-microsoft-com:vml" xmlns:pvml="urn:schemas-microsoft-com:office:powerpoint" xmlns:com="http://schemas.openxmlformats.org/drawingml/2006/compatibility" xmlns:p14="http://schemas.microsoft.com/office/powerpoint/2010/main" xmlns:p15="http://schemas.microsoft.com/office/powerpoint/2012/main" matchingName="Transparent Shapes">
+<p:sldLayout xmlns:a="http://schemas.openxmlformats.org/drawingml/2006/main" xmlns:r="http://schemas.openxmlformats.org/officeDocument/2006/relationships" xmlns:p="http://schemas.openxmlformats.org/presentationml/2006/main" matchingName="Transparent Shapes">
   <p:cSld name="BLANK_1">
     <p:bg>
       <p:bgPr>
         <a:solidFill>
           <a:srgbClr val="3796BF"/>
         </a:solidFill>
+        <a:effectLst/>
       </p:bgPr>
     </p:bg>
     <p:spTree>
       <p:nvGrpSpPr>
-        <p:cNvPr id="140" name="Shape 140"/>
+        <p:cNvPr id="1" name="Shape 140"/>
         <p:cNvGrpSpPr/>
         <p:nvPr/>
       </p:nvGrpSpPr>
@@ -2596,7 +2661,7 @@
             <p:nvPr/>
           </p:nvSpPr>
           <p:spPr>
-            <a:xfrm flipH="1" rot="9208626">
+            <a:xfrm rot="9208626" flipH="1">
               <a:off x="6704904" y="4110434"/>
               <a:ext cx="484232" cy="1204006"/>
             </a:xfrm>
@@ -2613,12 +2678,12 @@
             </a:ln>
           </p:spPr>
           <p:txBody>
-            <a:bodyPr anchorCtr="0" anchor="ctr" bIns="91425" lIns="91425" spcFirstLastPara="1" rIns="91425" wrap="square" tIns="91425">
+            <a:bodyPr spcFirstLastPara="1" wrap="square" lIns="91425" tIns="91425" rIns="91425" bIns="91425" anchor="ctr" anchorCtr="0">
               <a:noAutofit/>
             </a:bodyPr>
             <a:lstStyle/>
             <a:p>
-              <a:pPr indent="0" lvl="0" marL="0" rtl="0" algn="l">
+              <a:pPr marL="0" lvl="0" indent="0" algn="l" rtl="0">
                 <a:spcBef>
                   <a:spcPts val="0"/>
                 </a:spcBef>
@@ -2627,9 +2692,6 @@
                 </a:spcAft>
                 <a:buNone/>
               </a:pPr>
-              <a:r>
-                <a:t/>
-              </a:r>
               <a:endParaRPr/>
             </a:p>
           </p:txBody>
@@ -2641,7 +2703,7 @@
             <p:nvPr/>
           </p:nvSpPr>
           <p:spPr>
-            <a:xfrm flipH="1" rot="9208633">
+            <a:xfrm rot="9208633" flipH="1">
               <a:off x="7804300" y="3279013"/>
               <a:ext cx="877624" cy="2182136"/>
             </a:xfrm>
@@ -2658,12 +2720,12 @@
             </a:ln>
           </p:spPr>
           <p:txBody>
-            <a:bodyPr anchorCtr="0" anchor="ctr" bIns="91425" lIns="91425" spcFirstLastPara="1" rIns="91425" wrap="square" tIns="91425">
+            <a:bodyPr spcFirstLastPara="1" wrap="square" lIns="91425" tIns="91425" rIns="91425" bIns="91425" anchor="ctr" anchorCtr="0">
               <a:noAutofit/>
             </a:bodyPr>
             <a:lstStyle/>
             <a:p>
-              <a:pPr indent="0" lvl="0" marL="0" rtl="0" algn="l">
+              <a:pPr marL="0" lvl="0" indent="0" algn="l" rtl="0">
                 <a:spcBef>
                   <a:spcPts val="0"/>
                 </a:spcBef>
@@ -2672,9 +2734,6 @@
                 </a:spcAft>
                 <a:buNone/>
               </a:pPr>
-              <a:r>
-                <a:t/>
-              </a:r>
               <a:endParaRPr/>
             </a:p>
           </p:txBody>
@@ -2686,7 +2745,7 @@
             <p:nvPr/>
           </p:nvSpPr>
           <p:spPr>
-            <a:xfrm flipH="1" rot="9208606">
+            <a:xfrm rot="9208606" flipH="1">
               <a:off x="7481789" y="4276913"/>
               <a:ext cx="408796" cy="1016449"/>
             </a:xfrm>
@@ -2703,12 +2762,12 @@
             </a:ln>
           </p:spPr>
           <p:txBody>
-            <a:bodyPr anchorCtr="0" anchor="ctr" bIns="91425" lIns="91425" spcFirstLastPara="1" rIns="91425" wrap="square" tIns="91425">
+            <a:bodyPr spcFirstLastPara="1" wrap="square" lIns="91425" tIns="91425" rIns="91425" bIns="91425" anchor="ctr" anchorCtr="0">
               <a:noAutofit/>
             </a:bodyPr>
             <a:lstStyle/>
             <a:p>
-              <a:pPr indent="0" lvl="0" marL="0" rtl="0" algn="l">
+              <a:pPr marL="0" lvl="0" indent="0" algn="l" rtl="0">
                 <a:spcBef>
                   <a:spcPts val="0"/>
                 </a:spcBef>
@@ -2717,9 +2776,6 @@
                 </a:spcAft>
                 <a:buNone/>
               </a:pPr>
-              <a:r>
-                <a:t/>
-              </a:r>
               <a:endParaRPr/>
             </a:p>
           </p:txBody>
@@ -2731,7 +2787,7 @@
             <p:nvPr/>
           </p:nvSpPr>
           <p:spPr>
-            <a:xfrm flipH="1" rot="9208678">
+            <a:xfrm rot="9208678" flipH="1">
               <a:off x="6287617" y="4657701"/>
               <a:ext cx="229660" cy="571018"/>
             </a:xfrm>
@@ -2748,12 +2804,12 @@
             </a:ln>
           </p:spPr>
           <p:txBody>
-            <a:bodyPr anchorCtr="0" anchor="ctr" bIns="91425" lIns="91425" spcFirstLastPara="1" rIns="91425" wrap="square" tIns="91425">
+            <a:bodyPr spcFirstLastPara="1" wrap="square" lIns="91425" tIns="91425" rIns="91425" bIns="91425" anchor="ctr" anchorCtr="0">
               <a:noAutofit/>
             </a:bodyPr>
             <a:lstStyle/>
             <a:p>
-              <a:pPr indent="0" lvl="0" marL="0" rtl="0" algn="l">
+              <a:pPr marL="0" lvl="0" indent="0" algn="l" rtl="0">
                 <a:spcBef>
                   <a:spcPts val="0"/>
                 </a:spcBef>
@@ -2762,9 +2818,6 @@
                 </a:spcAft>
                 <a:buNone/>
               </a:pPr>
-              <a:r>
-                <a:t/>
-              </a:r>
               <a:endParaRPr/>
             </a:p>
           </p:txBody>
@@ -2781,9 +2834,13 @@
               <a:ext cx="854651" cy="1929080"/>
             </a:xfrm>
             <a:custGeom>
-              <a:rect b="b" l="l" r="r" t="t"/>
+              <a:avLst/>
+              <a:gdLst/>
+              <a:ahLst/>
+              <a:cxnLst/>
+              <a:rect l="l" t="t" r="r" b="b"/>
               <a:pathLst>
-                <a:path extrusionOk="0" h="84860" w="37596">
+                <a:path w="37596" h="84860" extrusionOk="0">
                   <a:moveTo>
                     <a:pt x="19066" y="0"/>
                   </a:moveTo>
@@ -2832,7 +2889,7 @@
             <p:nvPr/>
           </p:nvSpPr>
           <p:spPr>
-            <a:xfrm flipH="1" rot="-1591408">
+            <a:xfrm rot="-1591408" flipH="1">
               <a:off x="1362169" y="-63166"/>
               <a:ext cx="205103" cy="509980"/>
             </a:xfrm>
@@ -2849,12 +2906,12 @@
             </a:ln>
           </p:spPr>
           <p:txBody>
-            <a:bodyPr anchorCtr="0" anchor="ctr" bIns="91425" lIns="91425" spcFirstLastPara="1" rIns="91425" wrap="square" tIns="91425">
+            <a:bodyPr spcFirstLastPara="1" wrap="square" lIns="91425" tIns="91425" rIns="91425" bIns="91425" anchor="ctr" anchorCtr="0">
               <a:noAutofit/>
             </a:bodyPr>
             <a:lstStyle/>
             <a:p>
-              <a:pPr indent="0" lvl="0" marL="0" rtl="0" algn="l">
+              <a:pPr marL="0" lvl="0" indent="0" algn="l" rtl="0">
                 <a:spcBef>
                   <a:spcPts val="0"/>
                 </a:spcBef>
@@ -2863,9 +2920,6 @@
                 </a:spcAft>
                 <a:buNone/>
               </a:pPr>
-              <a:r>
-                <a:t/>
-              </a:r>
               <a:endParaRPr/>
             </a:p>
           </p:txBody>
@@ -2877,7 +2931,7 @@
             <p:nvPr/>
           </p:nvSpPr>
           <p:spPr>
-            <a:xfrm flipH="1" rot="-1591371">
+            <a:xfrm rot="-1591371" flipH="1">
               <a:off x="239463" y="-151890"/>
               <a:ext cx="434754" cy="1080980"/>
             </a:xfrm>
@@ -2894,12 +2948,12 @@
             </a:ln>
           </p:spPr>
           <p:txBody>
-            <a:bodyPr anchorCtr="0" anchor="ctr" bIns="91425" lIns="91425" spcFirstLastPara="1" rIns="91425" wrap="square" tIns="91425">
+            <a:bodyPr spcFirstLastPara="1" wrap="square" lIns="91425" tIns="91425" rIns="91425" bIns="91425" anchor="ctr" anchorCtr="0">
               <a:noAutofit/>
             </a:bodyPr>
             <a:lstStyle/>
             <a:p>
-              <a:pPr indent="0" lvl="0" marL="0" rtl="0" algn="l">
+              <a:pPr marL="0" lvl="0" indent="0" algn="l" rtl="0">
                 <a:spcBef>
                   <a:spcPts val="0"/>
                 </a:spcBef>
@@ -2908,9 +2962,6 @@
                 </a:spcAft>
                 <a:buNone/>
               </a:pPr>
-              <a:r>
-                <a:t/>
-              </a:r>
               <a:endParaRPr/>
             </a:p>
           </p:txBody>
@@ -2922,7 +2973,7 @@
             <p:nvPr/>
           </p:nvSpPr>
           <p:spPr>
-            <a:xfrm flipH="1" rot="-1591339">
+            <a:xfrm rot="-1591339" flipH="1">
               <a:off x="892401" y="-169347"/>
               <a:ext cx="504374" cy="1254067"/>
             </a:xfrm>
@@ -2939,12 +2990,12 @@
             </a:ln>
           </p:spPr>
           <p:txBody>
-            <a:bodyPr anchorCtr="0" anchor="ctr" bIns="91425" lIns="91425" spcFirstLastPara="1" rIns="91425" wrap="square" tIns="91425">
+            <a:bodyPr spcFirstLastPara="1" wrap="square" lIns="91425" tIns="91425" rIns="91425" bIns="91425" anchor="ctr" anchorCtr="0">
               <a:noAutofit/>
             </a:bodyPr>
             <a:lstStyle/>
             <a:p>
-              <a:pPr indent="0" lvl="0" marL="0" rtl="0" algn="l">
+              <a:pPr marL="0" lvl="0" indent="0" algn="l" rtl="0">
                 <a:spcBef>
                   <a:spcPts val="0"/>
                 </a:spcBef>
@@ -2953,9 +3004,6 @@
                 </a:spcAft>
                 <a:buNone/>
               </a:pPr>
-              <a:r>
-                <a:t/>
-              </a:r>
               <a:endParaRPr/>
             </a:p>
           </p:txBody>
@@ -2967,7 +3015,7 @@
             <p:nvPr/>
           </p:nvSpPr>
           <p:spPr>
-            <a:xfrm flipH="1" rot="-1591322">
+            <a:xfrm rot="-1591322" flipH="1">
               <a:off x="1818452" y="-76292"/>
               <a:ext cx="229660" cy="571018"/>
             </a:xfrm>
@@ -2984,12 +3032,12 @@
             </a:ln>
           </p:spPr>
           <p:txBody>
-            <a:bodyPr anchorCtr="0" anchor="ctr" bIns="91425" lIns="91425" spcFirstLastPara="1" rIns="91425" wrap="square" tIns="91425">
+            <a:bodyPr spcFirstLastPara="1" wrap="square" lIns="91425" tIns="91425" rIns="91425" bIns="91425" anchor="ctr" anchorCtr="0">
               <a:noAutofit/>
             </a:bodyPr>
             <a:lstStyle/>
             <a:p>
-              <a:pPr indent="0" lvl="0" marL="0" rtl="0" algn="l">
+              <a:pPr marL="0" lvl="0" indent="0" algn="l" rtl="0">
                 <a:spcBef>
                   <a:spcPts val="0"/>
                 </a:spcBef>
@@ -2998,9 +3046,6 @@
                 </a:spcAft>
                 <a:buNone/>
               </a:pPr>
-              <a:r>
-                <a:t/>
-              </a:r>
               <a:endParaRPr/>
             </a:p>
           </p:txBody>
@@ -3017,9 +3062,13 @@
               <a:ext cx="380284" cy="858147"/>
             </a:xfrm>
             <a:custGeom>
-              <a:rect b="b" l="l" r="r" t="t"/>
+              <a:avLst/>
+              <a:gdLst/>
+              <a:ahLst/>
+              <a:cxnLst/>
+              <a:rect l="l" t="t" r="r" b="b"/>
               <a:pathLst>
-                <a:path extrusionOk="0" h="84860" w="37596">
+                <a:path w="37596" h="84860" extrusionOk="0">
                   <a:moveTo>
                     <a:pt x="19066" y="0"/>
                   </a:moveTo>
@@ -3056,7 +3105,7 @@
 </file>
 
 <file path=ppt/slideLayouts/slideLayout11.xml><?xml version="1.0" encoding="utf-8"?>
-<p:sldLayout xmlns:a="http://schemas.openxmlformats.org/drawingml/2006/main" xmlns:r="http://schemas.openxmlformats.org/officeDocument/2006/relationships" xmlns:mc="http://schemas.openxmlformats.org/markup-compatibility/2006" xmlns:mv="urn:schemas-microsoft-com:mac:vml" xmlns:p="http://schemas.openxmlformats.org/presentationml/2006/main" xmlns:c="http://schemas.openxmlformats.org/drawingml/2006/chart" xmlns:dgm="http://schemas.openxmlformats.org/drawingml/2006/diagram" xmlns:o="urn:schemas-microsoft-com:office:office" xmlns:v="urn:schemas-microsoft-com:vml" xmlns:pvml="urn:schemas-microsoft-com:office:powerpoint" xmlns:com="http://schemas.openxmlformats.org/drawingml/2006/compatibility" xmlns:p14="http://schemas.microsoft.com/office/powerpoint/2010/main" xmlns:p15="http://schemas.microsoft.com/office/powerpoint/2012/main" matchingName="TITLE_2">
+<p:sldLayout xmlns:a="http://schemas.openxmlformats.org/drawingml/2006/main" xmlns:r="http://schemas.openxmlformats.org/officeDocument/2006/relationships" xmlns:p="http://schemas.openxmlformats.org/presentationml/2006/main" matchingName="TITLE_2">
   <p:cSld name="TITLE_2">
     <p:bg>
       <p:bgPr>
@@ -3068,11 +3117,12 @@
             <a:fillRect/>
           </a:stretch>
         </a:blipFill>
+        <a:effectLst/>
       </p:bgPr>
     </p:bg>
     <p:spTree>
       <p:nvGrpSpPr>
-        <p:cNvPr id="153" name="Shape 153"/>
+        <p:cNvPr id="1" name="Shape 153"/>
         <p:cNvGrpSpPr/>
         <p:nvPr/>
       </p:nvGrpSpPr>
@@ -3087,7 +3137,9 @@
       <p:sp>
         <p:nvSpPr>
           <p:cNvPr id="154" name="Google Shape;154;p12"/>
-          <p:cNvSpPr txBox="1"/>
+          <p:cNvSpPr txBox="1">
+            <a:spLocks noGrp="1"/>
+          </p:cNvSpPr>
           <p:nvPr>
             <p:ph type="ctrTitle"/>
           </p:nvPr>
@@ -3102,9 +3154,9 @@
           </a:prstGeom>
         </p:spPr>
         <p:txBody>
-          <a:bodyPr anchorCtr="0" anchor="b" bIns="91425" lIns="91425" spcFirstLastPara="1" rIns="91425" wrap="square" tIns="91425"/>
+          <a:bodyPr spcFirstLastPara="1" wrap="square" lIns="91425" tIns="91425" rIns="91425" bIns="91425" anchor="b" anchorCtr="0"/>
           <a:lstStyle>
-            <a:lvl1pPr lvl="0" rtl="0" algn="ctr">
+            <a:lvl1pPr lvl="0" algn="ctr" rtl="0">
               <a:spcBef>
                 <a:spcPts val="0"/>
               </a:spcBef>
@@ -3115,7 +3167,7 @@
               <a:buNone/>
               <a:defRPr sz="3600"/>
             </a:lvl1pPr>
-            <a:lvl2pPr lvl="1" rtl="0" algn="ctr">
+            <a:lvl2pPr lvl="1" algn="ctr" rtl="0">
               <a:spcBef>
                 <a:spcPts val="0"/>
               </a:spcBef>
@@ -3126,7 +3178,7 @@
               <a:buNone/>
               <a:defRPr sz="5200"/>
             </a:lvl2pPr>
-            <a:lvl3pPr lvl="2" rtl="0" algn="ctr">
+            <a:lvl3pPr lvl="2" algn="ctr" rtl="0">
               <a:spcBef>
                 <a:spcPts val="0"/>
               </a:spcBef>
@@ -3137,7 +3189,7 @@
               <a:buNone/>
               <a:defRPr sz="5200"/>
             </a:lvl3pPr>
-            <a:lvl4pPr lvl="3" rtl="0" algn="ctr">
+            <a:lvl4pPr lvl="3" algn="ctr" rtl="0">
               <a:spcBef>
                 <a:spcPts val="0"/>
               </a:spcBef>
@@ -3148,7 +3200,7 @@
               <a:buNone/>
               <a:defRPr sz="5200"/>
             </a:lvl4pPr>
-            <a:lvl5pPr lvl="4" rtl="0" algn="ctr">
+            <a:lvl5pPr lvl="4" algn="ctr" rtl="0">
               <a:spcBef>
                 <a:spcPts val="0"/>
               </a:spcBef>
@@ -3159,7 +3211,7 @@
               <a:buNone/>
               <a:defRPr sz="5200"/>
             </a:lvl5pPr>
-            <a:lvl6pPr lvl="5" rtl="0" algn="ctr">
+            <a:lvl6pPr lvl="5" algn="ctr" rtl="0">
               <a:spcBef>
                 <a:spcPts val="0"/>
               </a:spcBef>
@@ -3170,7 +3222,7 @@
               <a:buNone/>
               <a:defRPr sz="5200"/>
             </a:lvl6pPr>
-            <a:lvl7pPr lvl="6" rtl="0" algn="ctr">
+            <a:lvl7pPr lvl="6" algn="ctr" rtl="0">
               <a:spcBef>
                 <a:spcPts val="0"/>
               </a:spcBef>
@@ -3181,7 +3233,7 @@
               <a:buNone/>
               <a:defRPr sz="5200"/>
             </a:lvl7pPr>
-            <a:lvl8pPr lvl="7" rtl="0" algn="ctr">
+            <a:lvl8pPr lvl="7" algn="ctr" rtl="0">
               <a:spcBef>
                 <a:spcPts val="0"/>
               </a:spcBef>
@@ -3192,7 +3244,7 @@
               <a:buNone/>
               <a:defRPr sz="5200"/>
             </a:lvl8pPr>
-            <a:lvl9pPr lvl="8" rtl="0" algn="ctr">
+            <a:lvl9pPr lvl="8" algn="ctr" rtl="0">
               <a:spcBef>
                 <a:spcPts val="0"/>
               </a:spcBef>
@@ -3204,15 +3256,19 @@
               <a:defRPr sz="5200"/>
             </a:lvl9pPr>
           </a:lstStyle>
-          <a:p/>
+          <a:p>
+            <a:endParaRPr/>
+          </a:p>
         </p:txBody>
       </p:sp>
       <p:sp>
         <p:nvSpPr>
           <p:cNvPr id="155" name="Google Shape;155;p12"/>
-          <p:cNvSpPr txBox="1"/>
+          <p:cNvSpPr txBox="1">
+            <a:spLocks noGrp="1"/>
+          </p:cNvSpPr>
           <p:nvPr>
-            <p:ph idx="1" type="subTitle"/>
+            <p:ph type="subTitle" idx="1"/>
           </p:nvPr>
         </p:nvSpPr>
         <p:spPr>
@@ -3225,9 +3281,9 @@
           </a:prstGeom>
         </p:spPr>
         <p:txBody>
-          <a:bodyPr anchorCtr="0" anchor="t" bIns="91425" lIns="91425" spcFirstLastPara="1" rIns="91425" wrap="square" tIns="91425"/>
+          <a:bodyPr spcFirstLastPara="1" wrap="square" lIns="91425" tIns="91425" rIns="91425" bIns="91425" anchor="t" anchorCtr="0"/>
           <a:lstStyle>
-            <a:lvl1pPr lvl="0" rtl="0" algn="ctr">
+            <a:lvl1pPr lvl="0" algn="ctr" rtl="0">
               <a:lnSpc>
                 <a:spcPct val="100000"/>
               </a:lnSpc>
@@ -3241,7 +3297,7 @@
               <a:buNone/>
               <a:defRPr sz="2800"/>
             </a:lvl1pPr>
-            <a:lvl2pPr lvl="1" rtl="0" algn="ctr">
+            <a:lvl2pPr lvl="1" algn="ctr" rtl="0">
               <a:lnSpc>
                 <a:spcPct val="100000"/>
               </a:lnSpc>
@@ -3255,7 +3311,7 @@
               <a:buNone/>
               <a:defRPr sz="2800"/>
             </a:lvl2pPr>
-            <a:lvl3pPr lvl="2" rtl="0" algn="ctr">
+            <a:lvl3pPr lvl="2" algn="ctr" rtl="0">
               <a:lnSpc>
                 <a:spcPct val="100000"/>
               </a:lnSpc>
@@ -3269,7 +3325,7 @@
               <a:buNone/>
               <a:defRPr sz="2800"/>
             </a:lvl3pPr>
-            <a:lvl4pPr lvl="3" rtl="0" algn="ctr">
+            <a:lvl4pPr lvl="3" algn="ctr" rtl="0">
               <a:lnSpc>
                 <a:spcPct val="100000"/>
               </a:lnSpc>
@@ -3283,7 +3339,7 @@
               <a:buNone/>
               <a:defRPr sz="2800"/>
             </a:lvl4pPr>
-            <a:lvl5pPr lvl="4" rtl="0" algn="ctr">
+            <a:lvl5pPr lvl="4" algn="ctr" rtl="0">
               <a:lnSpc>
                 <a:spcPct val="100000"/>
               </a:lnSpc>
@@ -3297,7 +3353,7 @@
               <a:buNone/>
               <a:defRPr sz="2800"/>
             </a:lvl5pPr>
-            <a:lvl6pPr lvl="5" rtl="0" algn="ctr">
+            <a:lvl6pPr lvl="5" algn="ctr" rtl="0">
               <a:lnSpc>
                 <a:spcPct val="100000"/>
               </a:lnSpc>
@@ -3311,7 +3367,7 @@
               <a:buNone/>
               <a:defRPr sz="2800"/>
             </a:lvl6pPr>
-            <a:lvl7pPr lvl="6" rtl="0" algn="ctr">
+            <a:lvl7pPr lvl="6" algn="ctr" rtl="0">
               <a:lnSpc>
                 <a:spcPct val="100000"/>
               </a:lnSpc>
@@ -3325,7 +3381,7 @@
               <a:buNone/>
               <a:defRPr sz="2800"/>
             </a:lvl7pPr>
-            <a:lvl8pPr lvl="7" rtl="0" algn="ctr">
+            <a:lvl8pPr lvl="7" algn="ctr" rtl="0">
               <a:lnSpc>
                 <a:spcPct val="100000"/>
               </a:lnSpc>
@@ -3339,7 +3395,7 @@
               <a:buNone/>
               <a:defRPr sz="2800"/>
             </a:lvl8pPr>
-            <a:lvl9pPr lvl="8" rtl="0" algn="ctr">
+            <a:lvl9pPr lvl="8" algn="ctr" rtl="0">
               <a:lnSpc>
                 <a:spcPct val="100000"/>
               </a:lnSpc>
@@ -3354,15 +3410,19 @@
               <a:defRPr sz="2800"/>
             </a:lvl9pPr>
           </a:lstStyle>
-          <a:p/>
+          <a:p>
+            <a:endParaRPr/>
+          </a:p>
         </p:txBody>
       </p:sp>
       <p:sp>
         <p:nvSpPr>
           <p:cNvPr id="156" name="Google Shape;156;p12"/>
-          <p:cNvSpPr txBox="1"/>
+          <p:cNvSpPr txBox="1">
+            <a:spLocks noGrp="1"/>
+          </p:cNvSpPr>
           <p:nvPr>
-            <p:ph idx="12" type="sldNum"/>
+            <p:ph type="sldNum" idx="12"/>
           </p:nvPr>
         </p:nvSpPr>
         <p:spPr>
@@ -3379,7 +3439,7 @@
           </a:ln>
         </p:spPr>
         <p:txBody>
-          <a:bodyPr anchorCtr="0" anchor="ctr" bIns="91425" lIns="91425" spcFirstLastPara="1" rIns="91425" wrap="square" tIns="91425">
+          <a:bodyPr spcFirstLastPara="1" wrap="square" lIns="91425" tIns="91425" rIns="91425" bIns="91425" anchor="ctr" anchorCtr="0">
             <a:noAutofit/>
           </a:bodyPr>
           <a:lstStyle>
@@ -3421,7 +3481,7 @@
             </a:lvl9pPr>
           </a:lstStyle>
           <a:p>
-            <a:pPr indent="0" lvl="0" marL="0" rtl="0" algn="l">
+            <a:pPr marL="0" lvl="0" indent="0" algn="l" rtl="0">
               <a:spcBef>
                 <a:spcPts val="0"/>
               </a:spcBef>
@@ -3447,7 +3507,7 @@
 </file>
 
 <file path=ppt/slideLayouts/slideLayout12.xml><?xml version="1.0" encoding="utf-8"?>
-<p:sldLayout xmlns:a="http://schemas.openxmlformats.org/drawingml/2006/main" xmlns:r="http://schemas.openxmlformats.org/officeDocument/2006/relationships" xmlns:mc="http://schemas.openxmlformats.org/markup-compatibility/2006" xmlns:mv="urn:schemas-microsoft-com:mac:vml" xmlns:p="http://schemas.openxmlformats.org/presentationml/2006/main" xmlns:c="http://schemas.openxmlformats.org/drawingml/2006/chart" xmlns:dgm="http://schemas.openxmlformats.org/drawingml/2006/diagram" xmlns:o="urn:schemas-microsoft-com:office:office" xmlns:v="urn:schemas-microsoft-com:vml" xmlns:pvml="urn:schemas-microsoft-com:office:powerpoint" xmlns:com="http://schemas.openxmlformats.org/drawingml/2006/compatibility" xmlns:p14="http://schemas.microsoft.com/office/powerpoint/2010/main" xmlns:p15="http://schemas.microsoft.com/office/powerpoint/2012/main" matchingName="Diseño personalizado 5">
+<p:sldLayout xmlns:a="http://schemas.openxmlformats.org/drawingml/2006/main" xmlns:r="http://schemas.openxmlformats.org/officeDocument/2006/relationships" xmlns:p="http://schemas.openxmlformats.org/presentationml/2006/main" matchingName="Diseño personalizado 5">
   <p:cSld name="CUSTOM_4">
     <p:bg>
       <p:bgPr>
@@ -3459,11 +3519,12 @@
             <a:fillRect/>
           </a:stretch>
         </a:blipFill>
+        <a:effectLst/>
       </p:bgPr>
     </p:bg>
     <p:spTree>
       <p:nvGrpSpPr>
-        <p:cNvPr id="157" name="Shape 157"/>
+        <p:cNvPr id="1" name="Shape 157"/>
         <p:cNvGrpSpPr/>
         <p:nvPr/>
       </p:nvGrpSpPr>
@@ -3478,7 +3539,9 @@
       <p:sp>
         <p:nvSpPr>
           <p:cNvPr id="158" name="Google Shape;158;p13"/>
-          <p:cNvSpPr txBox="1"/>
+          <p:cNvSpPr txBox="1">
+            <a:spLocks noGrp="1"/>
+          </p:cNvSpPr>
           <p:nvPr>
             <p:ph type="title"/>
           </p:nvPr>
@@ -3493,7 +3556,7 @@
           </a:prstGeom>
         </p:spPr>
         <p:txBody>
-          <a:bodyPr anchorCtr="0" anchor="b" bIns="91425" lIns="91425" spcFirstLastPara="1" rIns="91425" wrap="square" tIns="91425"/>
+          <a:bodyPr spcFirstLastPara="1" wrap="square" lIns="91425" tIns="91425" rIns="91425" bIns="91425" anchor="b" anchorCtr="0"/>
           <a:lstStyle>
             <a:lvl1pPr lvl="0" rtl="0">
               <a:spcBef>
@@ -3586,7 +3649,9 @@
               <a:defRPr/>
             </a:lvl9pPr>
           </a:lstStyle>
-          <a:p/>
+          <a:p>
+            <a:endParaRPr/>
+          </a:p>
         </p:txBody>
       </p:sp>
     </p:spTree>
@@ -3598,11 +3663,11 @@
 </file>
 
 <file path=ppt/slideLayouts/slideLayout13.xml><?xml version="1.0" encoding="utf-8"?>
-<p:sldLayout xmlns:a="http://schemas.openxmlformats.org/drawingml/2006/main" xmlns:r="http://schemas.openxmlformats.org/officeDocument/2006/relationships" xmlns:mc="http://schemas.openxmlformats.org/markup-compatibility/2006" xmlns:mv="urn:schemas-microsoft-com:mac:vml" xmlns:p="http://schemas.openxmlformats.org/presentationml/2006/main" xmlns:c="http://schemas.openxmlformats.org/drawingml/2006/chart" xmlns:dgm="http://schemas.openxmlformats.org/drawingml/2006/diagram" xmlns:o="urn:schemas-microsoft-com:office:office" xmlns:v="urn:schemas-microsoft-com:vml" xmlns:pvml="urn:schemas-microsoft-com:office:powerpoint" xmlns:com="http://schemas.openxmlformats.org/drawingml/2006/compatibility" xmlns:p14="http://schemas.microsoft.com/office/powerpoint/2010/main" xmlns:p15="http://schemas.microsoft.com/office/powerpoint/2012/main" matchingName="Section header" type="secHead">
+<p:sldLayout xmlns:a="http://schemas.openxmlformats.org/drawingml/2006/main" xmlns:r="http://schemas.openxmlformats.org/officeDocument/2006/relationships" xmlns:p="http://schemas.openxmlformats.org/presentationml/2006/main" matchingName="Section header" type="secHead">
   <p:cSld name="SECTION_HEADER">
     <p:spTree>
       <p:nvGrpSpPr>
-        <p:cNvPr id="159" name="Shape 159"/>
+        <p:cNvPr id="1" name="Shape 159"/>
         <p:cNvGrpSpPr/>
         <p:nvPr/>
       </p:nvGrpSpPr>
@@ -3617,7 +3682,9 @@
       <p:sp>
         <p:nvSpPr>
           <p:cNvPr id="160" name="Google Shape;160;p14"/>
-          <p:cNvSpPr txBox="1"/>
+          <p:cNvSpPr txBox="1">
+            <a:spLocks noGrp="1"/>
+          </p:cNvSpPr>
           <p:nvPr>
             <p:ph type="title"/>
           </p:nvPr>
@@ -3632,9 +3699,9 @@
           </a:prstGeom>
         </p:spPr>
         <p:txBody>
-          <a:bodyPr anchorCtr="0" anchor="ctr" bIns="91425" lIns="91425" spcFirstLastPara="1" rIns="91425" wrap="square" tIns="91425"/>
+          <a:bodyPr spcFirstLastPara="1" wrap="square" lIns="91425" tIns="91425" rIns="91425" bIns="91425" anchor="ctr" anchorCtr="0"/>
           <a:lstStyle>
-            <a:lvl1pPr lvl="0" rtl="0" algn="ctr">
+            <a:lvl1pPr lvl="0" algn="ctr" rtl="0">
               <a:spcBef>
                 <a:spcPts val="0"/>
               </a:spcBef>
@@ -3645,7 +3712,7 @@
               <a:buNone/>
               <a:defRPr sz="3600"/>
             </a:lvl1pPr>
-            <a:lvl2pPr lvl="1" rtl="0" algn="ctr">
+            <a:lvl2pPr lvl="1" algn="ctr" rtl="0">
               <a:spcBef>
                 <a:spcPts val="0"/>
               </a:spcBef>
@@ -3656,7 +3723,7 @@
               <a:buNone/>
               <a:defRPr sz="3600"/>
             </a:lvl2pPr>
-            <a:lvl3pPr lvl="2" rtl="0" algn="ctr">
+            <a:lvl3pPr lvl="2" algn="ctr" rtl="0">
               <a:spcBef>
                 <a:spcPts val="0"/>
               </a:spcBef>
@@ -3667,7 +3734,7 @@
               <a:buNone/>
               <a:defRPr sz="3600"/>
             </a:lvl3pPr>
-            <a:lvl4pPr lvl="3" rtl="0" algn="ctr">
+            <a:lvl4pPr lvl="3" algn="ctr" rtl="0">
               <a:spcBef>
                 <a:spcPts val="0"/>
               </a:spcBef>
@@ -3678,7 +3745,7 @@
               <a:buNone/>
               <a:defRPr sz="3600"/>
             </a:lvl4pPr>
-            <a:lvl5pPr lvl="4" rtl="0" algn="ctr">
+            <a:lvl5pPr lvl="4" algn="ctr" rtl="0">
               <a:spcBef>
                 <a:spcPts val="0"/>
               </a:spcBef>
@@ -3689,7 +3756,7 @@
               <a:buNone/>
               <a:defRPr sz="3600"/>
             </a:lvl5pPr>
-            <a:lvl6pPr lvl="5" rtl="0" algn="ctr">
+            <a:lvl6pPr lvl="5" algn="ctr" rtl="0">
               <a:spcBef>
                 <a:spcPts val="0"/>
               </a:spcBef>
@@ -3700,7 +3767,7 @@
               <a:buNone/>
               <a:defRPr sz="3600"/>
             </a:lvl6pPr>
-            <a:lvl7pPr lvl="6" rtl="0" algn="ctr">
+            <a:lvl7pPr lvl="6" algn="ctr" rtl="0">
               <a:spcBef>
                 <a:spcPts val="0"/>
               </a:spcBef>
@@ -3711,7 +3778,7 @@
               <a:buNone/>
               <a:defRPr sz="3600"/>
             </a:lvl7pPr>
-            <a:lvl8pPr lvl="7" rtl="0" algn="ctr">
+            <a:lvl8pPr lvl="7" algn="ctr" rtl="0">
               <a:spcBef>
                 <a:spcPts val="0"/>
               </a:spcBef>
@@ -3722,7 +3789,7 @@
               <a:buNone/>
               <a:defRPr sz="3600"/>
             </a:lvl8pPr>
-            <a:lvl9pPr lvl="8" rtl="0" algn="ctr">
+            <a:lvl9pPr lvl="8" algn="ctr" rtl="0">
               <a:spcBef>
                 <a:spcPts val="0"/>
               </a:spcBef>
@@ -3734,15 +3801,19 @@
               <a:defRPr sz="3600"/>
             </a:lvl9pPr>
           </a:lstStyle>
-          <a:p/>
+          <a:p>
+            <a:endParaRPr/>
+          </a:p>
         </p:txBody>
       </p:sp>
       <p:sp>
         <p:nvSpPr>
           <p:cNvPr id="161" name="Google Shape;161;p14"/>
-          <p:cNvSpPr txBox="1"/>
+          <p:cNvSpPr txBox="1">
+            <a:spLocks noGrp="1"/>
+          </p:cNvSpPr>
           <p:nvPr>
-            <p:ph idx="12" type="sldNum"/>
+            <p:ph type="sldNum" idx="12"/>
           </p:nvPr>
         </p:nvSpPr>
         <p:spPr>
@@ -3759,7 +3830,7 @@
           </a:ln>
         </p:spPr>
         <p:txBody>
-          <a:bodyPr anchorCtr="0" anchor="ctr" bIns="91425" lIns="91425" spcFirstLastPara="1" rIns="91425" wrap="square" tIns="91425">
+          <a:bodyPr spcFirstLastPara="1" wrap="square" lIns="91425" tIns="91425" rIns="91425" bIns="91425" anchor="ctr" anchorCtr="0">
             <a:noAutofit/>
           </a:bodyPr>
           <a:lstStyle>
@@ -3801,7 +3872,7 @@
             </a:lvl9pPr>
           </a:lstStyle>
           <a:p>
-            <a:pPr indent="0" lvl="0" marL="0" rtl="0" algn="l">
+            <a:pPr marL="0" lvl="0" indent="0" algn="l" rtl="0">
               <a:spcBef>
                 <a:spcPts val="0"/>
               </a:spcBef>
@@ -3827,18 +3898,19 @@
 </file>
 
 <file path=ppt/slideLayouts/slideLayout2.xml><?xml version="1.0" encoding="utf-8"?>
-<p:sldLayout xmlns:a="http://schemas.openxmlformats.org/drawingml/2006/main" xmlns:r="http://schemas.openxmlformats.org/officeDocument/2006/relationships" xmlns:mc="http://schemas.openxmlformats.org/markup-compatibility/2006" xmlns:mv="urn:schemas-microsoft-com:mac:vml" xmlns:p="http://schemas.openxmlformats.org/presentationml/2006/main" xmlns:c="http://schemas.openxmlformats.org/drawingml/2006/chart" xmlns:dgm="http://schemas.openxmlformats.org/drawingml/2006/diagram" xmlns:o="urn:schemas-microsoft-com:office:office" xmlns:v="urn:schemas-microsoft-com:vml" xmlns:pvml="urn:schemas-microsoft-com:office:powerpoint" xmlns:com="http://schemas.openxmlformats.org/drawingml/2006/compatibility" xmlns:p14="http://schemas.microsoft.com/office/powerpoint/2010/main" xmlns:p15="http://schemas.microsoft.com/office/powerpoint/2012/main" matchingName="Subtitle">
+<p:sldLayout xmlns:a="http://schemas.openxmlformats.org/drawingml/2006/main" xmlns:r="http://schemas.openxmlformats.org/officeDocument/2006/relationships" xmlns:p="http://schemas.openxmlformats.org/presentationml/2006/main" matchingName="Subtitle">
   <p:cSld name="TITLE_1">
     <p:bg>
       <p:bgPr>
         <a:solidFill>
           <a:srgbClr val="FF9900"/>
         </a:solidFill>
+        <a:effectLst/>
       </p:bgPr>
     </p:bg>
     <p:spTree>
       <p:nvGrpSpPr>
-        <p:cNvPr id="22" name="Shape 22"/>
+        <p:cNvPr id="1" name="Shape 22"/>
         <p:cNvGrpSpPr/>
         <p:nvPr/>
       </p:nvGrpSpPr>
@@ -3871,7 +3943,7 @@
             <p:nvPr/>
           </p:nvSpPr>
           <p:spPr>
-            <a:xfrm flipH="1" rot="9208626">
+            <a:xfrm rot="9208626" flipH="1">
               <a:off x="6704904" y="4110434"/>
               <a:ext cx="484232" cy="1204006"/>
             </a:xfrm>
@@ -3886,12 +3958,12 @@
             </a:ln>
           </p:spPr>
           <p:txBody>
-            <a:bodyPr anchorCtr="0" anchor="ctr" bIns="91425" lIns="91425" spcFirstLastPara="1" rIns="91425" wrap="square" tIns="91425">
+            <a:bodyPr spcFirstLastPara="1" wrap="square" lIns="91425" tIns="91425" rIns="91425" bIns="91425" anchor="ctr" anchorCtr="0">
               <a:noAutofit/>
             </a:bodyPr>
             <a:lstStyle/>
             <a:p>
-              <a:pPr indent="0" lvl="0" marL="0" rtl="0" algn="l">
+              <a:pPr marL="0" lvl="0" indent="0" algn="l" rtl="0">
                 <a:spcBef>
                   <a:spcPts val="0"/>
                 </a:spcBef>
@@ -3900,9 +3972,6 @@
                 </a:spcAft>
                 <a:buNone/>
               </a:pPr>
-              <a:r>
-                <a:t/>
-              </a:r>
               <a:endParaRPr/>
             </a:p>
           </p:txBody>
@@ -3914,7 +3983,7 @@
             <p:nvPr/>
           </p:nvSpPr>
           <p:spPr>
-            <a:xfrm flipH="1" rot="9208633">
+            <a:xfrm rot="9208633" flipH="1">
               <a:off x="7804300" y="3279013"/>
               <a:ext cx="877624" cy="2182136"/>
             </a:xfrm>
@@ -3929,12 +3998,12 @@
             </a:ln>
           </p:spPr>
           <p:txBody>
-            <a:bodyPr anchorCtr="0" anchor="ctr" bIns="91425" lIns="91425" spcFirstLastPara="1" rIns="91425" wrap="square" tIns="91425">
+            <a:bodyPr spcFirstLastPara="1" wrap="square" lIns="91425" tIns="91425" rIns="91425" bIns="91425" anchor="ctr" anchorCtr="0">
               <a:noAutofit/>
             </a:bodyPr>
             <a:lstStyle/>
             <a:p>
-              <a:pPr indent="0" lvl="0" marL="0" rtl="0" algn="l">
+              <a:pPr marL="0" lvl="0" indent="0" algn="l" rtl="0">
                 <a:spcBef>
                   <a:spcPts val="0"/>
                 </a:spcBef>
@@ -3943,9 +4012,6 @@
                 </a:spcAft>
                 <a:buNone/>
               </a:pPr>
-              <a:r>
-                <a:t/>
-              </a:r>
               <a:endParaRPr/>
             </a:p>
           </p:txBody>
@@ -3957,7 +4023,7 @@
             <p:nvPr/>
           </p:nvSpPr>
           <p:spPr>
-            <a:xfrm flipH="1" rot="9208606">
+            <a:xfrm rot="9208606" flipH="1">
               <a:off x="7481789" y="4276913"/>
               <a:ext cx="408796" cy="1016449"/>
             </a:xfrm>
@@ -3972,12 +4038,12 @@
             </a:ln>
           </p:spPr>
           <p:txBody>
-            <a:bodyPr anchorCtr="0" anchor="ctr" bIns="91425" lIns="91425" spcFirstLastPara="1" rIns="91425" wrap="square" tIns="91425">
+            <a:bodyPr spcFirstLastPara="1" wrap="square" lIns="91425" tIns="91425" rIns="91425" bIns="91425" anchor="ctr" anchorCtr="0">
               <a:noAutofit/>
             </a:bodyPr>
             <a:lstStyle/>
             <a:p>
-              <a:pPr indent="0" lvl="0" marL="0" rtl="0" algn="l">
+              <a:pPr marL="0" lvl="0" indent="0" algn="l" rtl="0">
                 <a:spcBef>
                   <a:spcPts val="0"/>
                 </a:spcBef>
@@ -3986,9 +4052,6 @@
                 </a:spcAft>
                 <a:buNone/>
               </a:pPr>
-              <a:r>
-                <a:t/>
-              </a:r>
               <a:endParaRPr/>
             </a:p>
           </p:txBody>
@@ -4000,7 +4063,7 @@
             <p:nvPr/>
           </p:nvSpPr>
           <p:spPr>
-            <a:xfrm flipH="1" rot="9208678">
+            <a:xfrm rot="9208678" flipH="1">
               <a:off x="6287617" y="4657701"/>
               <a:ext cx="229660" cy="571018"/>
             </a:xfrm>
@@ -4015,12 +4078,12 @@
             </a:ln>
           </p:spPr>
           <p:txBody>
-            <a:bodyPr anchorCtr="0" anchor="ctr" bIns="91425" lIns="91425" spcFirstLastPara="1" rIns="91425" wrap="square" tIns="91425">
+            <a:bodyPr spcFirstLastPara="1" wrap="square" lIns="91425" tIns="91425" rIns="91425" bIns="91425" anchor="ctr" anchorCtr="0">
               <a:noAutofit/>
             </a:bodyPr>
             <a:lstStyle/>
             <a:p>
-              <a:pPr indent="0" lvl="0" marL="0" rtl="0" algn="l">
+              <a:pPr marL="0" lvl="0" indent="0" algn="l" rtl="0">
                 <a:spcBef>
                   <a:spcPts val="0"/>
                 </a:spcBef>
@@ -4029,9 +4092,6 @@
                 </a:spcAft>
                 <a:buNone/>
               </a:pPr>
-              <a:r>
-                <a:t/>
-              </a:r>
               <a:endParaRPr/>
             </a:p>
           </p:txBody>
@@ -4048,9 +4108,13 @@
               <a:ext cx="854651" cy="1929080"/>
             </a:xfrm>
             <a:custGeom>
-              <a:rect b="b" l="l" r="r" t="t"/>
+              <a:avLst/>
+              <a:gdLst/>
+              <a:ahLst/>
+              <a:cxnLst/>
+              <a:rect l="l" t="t" r="r" b="b"/>
               <a:pathLst>
-                <a:path extrusionOk="0" h="84860" w="37596">
+                <a:path w="37596" h="84860" extrusionOk="0">
                   <a:moveTo>
                     <a:pt x="19066" y="0"/>
                   </a:moveTo>
@@ -4097,7 +4161,7 @@
             <p:nvPr/>
           </p:nvSpPr>
           <p:spPr>
-            <a:xfrm flipH="1" rot="-1591408">
+            <a:xfrm rot="-1591408" flipH="1">
               <a:off x="1362169" y="-63166"/>
               <a:ext cx="205103" cy="509980"/>
             </a:xfrm>
@@ -4112,12 +4176,12 @@
             </a:ln>
           </p:spPr>
           <p:txBody>
-            <a:bodyPr anchorCtr="0" anchor="ctr" bIns="91425" lIns="91425" spcFirstLastPara="1" rIns="91425" wrap="square" tIns="91425">
+            <a:bodyPr spcFirstLastPara="1" wrap="square" lIns="91425" tIns="91425" rIns="91425" bIns="91425" anchor="ctr" anchorCtr="0">
               <a:noAutofit/>
             </a:bodyPr>
             <a:lstStyle/>
             <a:p>
-              <a:pPr indent="0" lvl="0" marL="0" rtl="0" algn="l">
+              <a:pPr marL="0" lvl="0" indent="0" algn="l" rtl="0">
                 <a:spcBef>
                   <a:spcPts val="0"/>
                 </a:spcBef>
@@ -4126,9 +4190,6 @@
                 </a:spcAft>
                 <a:buNone/>
               </a:pPr>
-              <a:r>
-                <a:t/>
-              </a:r>
               <a:endParaRPr/>
             </a:p>
           </p:txBody>
@@ -4140,7 +4201,7 @@
             <p:nvPr/>
           </p:nvSpPr>
           <p:spPr>
-            <a:xfrm flipH="1" rot="-1591371">
+            <a:xfrm rot="-1591371" flipH="1">
               <a:off x="239463" y="-151890"/>
               <a:ext cx="434754" cy="1080980"/>
             </a:xfrm>
@@ -4155,12 +4216,12 @@
             </a:ln>
           </p:spPr>
           <p:txBody>
-            <a:bodyPr anchorCtr="0" anchor="ctr" bIns="91425" lIns="91425" spcFirstLastPara="1" rIns="91425" wrap="square" tIns="91425">
+            <a:bodyPr spcFirstLastPara="1" wrap="square" lIns="91425" tIns="91425" rIns="91425" bIns="91425" anchor="ctr" anchorCtr="0">
               <a:noAutofit/>
             </a:bodyPr>
             <a:lstStyle/>
             <a:p>
-              <a:pPr indent="0" lvl="0" marL="0" rtl="0" algn="l">
+              <a:pPr marL="0" lvl="0" indent="0" algn="l" rtl="0">
                 <a:spcBef>
                   <a:spcPts val="0"/>
                 </a:spcBef>
@@ -4169,9 +4230,6 @@
                 </a:spcAft>
                 <a:buNone/>
               </a:pPr>
-              <a:r>
-                <a:t/>
-              </a:r>
               <a:endParaRPr/>
             </a:p>
           </p:txBody>
@@ -4183,7 +4241,7 @@
             <p:nvPr/>
           </p:nvSpPr>
           <p:spPr>
-            <a:xfrm flipH="1" rot="-1591339">
+            <a:xfrm rot="-1591339" flipH="1">
               <a:off x="892401" y="-169347"/>
               <a:ext cx="504374" cy="1254067"/>
             </a:xfrm>
@@ -4198,12 +4256,12 @@
             </a:ln>
           </p:spPr>
           <p:txBody>
-            <a:bodyPr anchorCtr="0" anchor="ctr" bIns="91425" lIns="91425" spcFirstLastPara="1" rIns="91425" wrap="square" tIns="91425">
+            <a:bodyPr spcFirstLastPara="1" wrap="square" lIns="91425" tIns="91425" rIns="91425" bIns="91425" anchor="ctr" anchorCtr="0">
               <a:noAutofit/>
             </a:bodyPr>
             <a:lstStyle/>
             <a:p>
-              <a:pPr indent="0" lvl="0" marL="0" rtl="0" algn="l">
+              <a:pPr marL="0" lvl="0" indent="0" algn="l" rtl="0">
                 <a:spcBef>
                   <a:spcPts val="0"/>
                 </a:spcBef>
@@ -4212,9 +4270,6 @@
                 </a:spcAft>
                 <a:buNone/>
               </a:pPr>
-              <a:r>
-                <a:t/>
-              </a:r>
               <a:endParaRPr/>
             </a:p>
           </p:txBody>
@@ -4226,7 +4281,7 @@
             <p:nvPr/>
           </p:nvSpPr>
           <p:spPr>
-            <a:xfrm flipH="1" rot="-1591322">
+            <a:xfrm rot="-1591322" flipH="1">
               <a:off x="1818452" y="-76292"/>
               <a:ext cx="229660" cy="571018"/>
             </a:xfrm>
@@ -4241,12 +4296,12 @@
             </a:ln>
           </p:spPr>
           <p:txBody>
-            <a:bodyPr anchorCtr="0" anchor="ctr" bIns="91425" lIns="91425" spcFirstLastPara="1" rIns="91425" wrap="square" tIns="91425">
+            <a:bodyPr spcFirstLastPara="1" wrap="square" lIns="91425" tIns="91425" rIns="91425" bIns="91425" anchor="ctr" anchorCtr="0">
               <a:noAutofit/>
             </a:bodyPr>
             <a:lstStyle/>
             <a:p>
-              <a:pPr indent="0" lvl="0" marL="0" rtl="0" algn="l">
+              <a:pPr marL="0" lvl="0" indent="0" algn="l" rtl="0">
                 <a:spcBef>
                   <a:spcPts val="0"/>
                 </a:spcBef>
@@ -4255,9 +4310,6 @@
                 </a:spcAft>
                 <a:buNone/>
               </a:pPr>
-              <a:r>
-                <a:t/>
-              </a:r>
               <a:endParaRPr/>
             </a:p>
           </p:txBody>
@@ -4274,9 +4326,13 @@
               <a:ext cx="380284" cy="858147"/>
             </a:xfrm>
             <a:custGeom>
-              <a:rect b="b" l="l" r="r" t="t"/>
+              <a:avLst/>
+              <a:gdLst/>
+              <a:ahLst/>
+              <a:cxnLst/>
+              <a:rect l="l" t="t" r="r" b="b"/>
               <a:pathLst>
-                <a:path extrusionOk="0" h="84860" w="37596">
+                <a:path w="37596" h="84860" extrusionOk="0">
                   <a:moveTo>
                     <a:pt x="19066" y="0"/>
                   </a:moveTo>
@@ -4305,7 +4361,9 @@
       <p:sp>
         <p:nvSpPr>
           <p:cNvPr id="35" name="Google Shape;35;p3"/>
-          <p:cNvSpPr txBox="1"/>
+          <p:cNvSpPr txBox="1">
+            <a:spLocks noGrp="1"/>
+          </p:cNvSpPr>
           <p:nvPr>
             <p:ph type="ctrTitle"/>
           </p:nvPr>
@@ -4320,7 +4378,7 @@
           </a:prstGeom>
         </p:spPr>
         <p:txBody>
-          <a:bodyPr anchorCtr="0" anchor="b" bIns="91425" lIns="91425" spcFirstLastPara="1" rIns="91425" wrap="square" tIns="91425"/>
+          <a:bodyPr spcFirstLastPara="1" wrap="square" lIns="91425" tIns="91425" rIns="91425" bIns="91425" anchor="b" anchorCtr="0"/>
           <a:lstStyle>
             <a:lvl1pPr lvl="0" rtl="0">
               <a:spcBef>
@@ -4485,15 +4543,19 @@
               </a:defRPr>
             </a:lvl9pPr>
           </a:lstStyle>
-          <a:p/>
+          <a:p>
+            <a:endParaRPr/>
+          </a:p>
         </p:txBody>
       </p:sp>
       <p:sp>
         <p:nvSpPr>
           <p:cNvPr id="36" name="Google Shape;36;p3"/>
-          <p:cNvSpPr txBox="1"/>
+          <p:cNvSpPr txBox="1">
+            <a:spLocks noGrp="1"/>
+          </p:cNvSpPr>
           <p:nvPr>
-            <p:ph idx="1" type="subTitle"/>
+            <p:ph type="subTitle" idx="1"/>
           </p:nvPr>
         </p:nvSpPr>
         <p:spPr>
@@ -4506,7 +4568,7 @@
           </a:prstGeom>
         </p:spPr>
         <p:txBody>
-          <a:bodyPr anchorCtr="0" anchor="t" bIns="91425" lIns="91425" spcFirstLastPara="1" rIns="91425" wrap="square" tIns="91425"/>
+          <a:bodyPr spcFirstLastPara="1" wrap="square" lIns="91425" tIns="91425" rIns="91425" bIns="91425" anchor="t" anchorCtr="0"/>
           <a:lstStyle>
             <a:lvl1pPr lvl="0" rtl="0">
               <a:spcBef>
@@ -4671,7 +4733,9 @@
               </a:defRPr>
             </a:lvl9pPr>
           </a:lstStyle>
-          <a:p/>
+          <a:p>
+            <a:endParaRPr/>
+          </a:p>
         </p:txBody>
       </p:sp>
     </p:spTree>
@@ -4683,11 +4747,11 @@
 </file>
 
 <file path=ppt/slideLayouts/slideLayout3.xml><?xml version="1.0" encoding="utf-8"?>
-<p:sldLayout xmlns:a="http://schemas.openxmlformats.org/drawingml/2006/main" xmlns:r="http://schemas.openxmlformats.org/officeDocument/2006/relationships" xmlns:mc="http://schemas.openxmlformats.org/markup-compatibility/2006" xmlns:mv="urn:schemas-microsoft-com:mac:vml" xmlns:p="http://schemas.openxmlformats.org/presentationml/2006/main" xmlns:c="http://schemas.openxmlformats.org/drawingml/2006/chart" xmlns:dgm="http://schemas.openxmlformats.org/drawingml/2006/diagram" xmlns:o="urn:schemas-microsoft-com:office:office" xmlns:v="urn:schemas-microsoft-com:vml" xmlns:pvml="urn:schemas-microsoft-com:office:powerpoint" xmlns:com="http://schemas.openxmlformats.org/drawingml/2006/compatibility" xmlns:p14="http://schemas.microsoft.com/office/powerpoint/2010/main" xmlns:p15="http://schemas.microsoft.com/office/powerpoint/2012/main" matchingName="Quote">
+<p:sldLayout xmlns:a="http://schemas.openxmlformats.org/drawingml/2006/main" xmlns:r="http://schemas.openxmlformats.org/officeDocument/2006/relationships" xmlns:p="http://schemas.openxmlformats.org/presentationml/2006/main" matchingName="Quote">
   <p:cSld name="TITLE_1_1">
     <p:spTree>
       <p:nvGrpSpPr>
-        <p:cNvPr id="37" name="Shape 37"/>
+        <p:cNvPr id="1" name="Shape 37"/>
         <p:cNvGrpSpPr/>
         <p:nvPr/>
       </p:nvGrpSpPr>
@@ -4702,9 +4766,11 @@
       <p:sp>
         <p:nvSpPr>
           <p:cNvPr id="38" name="Google Shape;38;p4"/>
-          <p:cNvSpPr txBox="1"/>
+          <p:cNvSpPr txBox="1">
+            <a:spLocks noGrp="1"/>
+          </p:cNvSpPr>
           <p:nvPr>
-            <p:ph idx="1" type="body"/>
+            <p:ph type="body" idx="1"/>
           </p:nvPr>
         </p:nvSpPr>
         <p:spPr>
@@ -4717,9 +4783,9 @@
           </a:prstGeom>
         </p:spPr>
         <p:txBody>
-          <a:bodyPr anchorCtr="0" anchor="ctr" bIns="91425" lIns="91425" spcFirstLastPara="1" rIns="91425" wrap="square" tIns="91425"/>
+          <a:bodyPr spcFirstLastPara="1" wrap="square" lIns="91425" tIns="91425" rIns="91425" bIns="91425" anchor="ctr" anchorCtr="0"/>
           <a:lstStyle>
-            <a:lvl1pPr indent="-381000" lvl="0" marL="457200" rtl="0" algn="ctr">
+            <a:lvl1pPr marL="457200" lvl="0" indent="-381000" algn="ctr" rtl="0">
               <a:spcBef>
                 <a:spcPts val="600"/>
               </a:spcBef>
@@ -4742,7 +4808,7 @@
                 <a:sym typeface="Oswald"/>
               </a:defRPr>
             </a:lvl1pPr>
-            <a:lvl2pPr indent="-381000" lvl="1" marL="914400" rtl="0" algn="ctr">
+            <a:lvl2pPr marL="914400" lvl="1" indent="-381000" algn="ctr" rtl="0">
               <a:spcBef>
                 <a:spcPts val="0"/>
               </a:spcBef>
@@ -4765,7 +4831,7 @@
                 <a:sym typeface="Oswald"/>
               </a:defRPr>
             </a:lvl2pPr>
-            <a:lvl3pPr indent="-381000" lvl="2" marL="1371600" rtl="0" algn="ctr">
+            <a:lvl3pPr marL="1371600" lvl="2" indent="-381000" algn="ctr" rtl="0">
               <a:spcBef>
                 <a:spcPts val="0"/>
               </a:spcBef>
@@ -4788,7 +4854,7 @@
                 <a:sym typeface="Oswald"/>
               </a:defRPr>
             </a:lvl3pPr>
-            <a:lvl4pPr indent="-381000" lvl="3" marL="1828800" rtl="0" algn="ctr">
+            <a:lvl4pPr marL="1828800" lvl="3" indent="-381000" algn="ctr" rtl="0">
               <a:spcBef>
                 <a:spcPts val="0"/>
               </a:spcBef>
@@ -4811,7 +4877,7 @@
                 <a:sym typeface="Oswald"/>
               </a:defRPr>
             </a:lvl4pPr>
-            <a:lvl5pPr indent="-381000" lvl="4" marL="2286000" rtl="0" algn="ctr">
+            <a:lvl5pPr marL="2286000" lvl="4" indent="-381000" algn="ctr" rtl="0">
               <a:spcBef>
                 <a:spcPts val="0"/>
               </a:spcBef>
@@ -4834,7 +4900,7 @@
                 <a:sym typeface="Oswald"/>
               </a:defRPr>
             </a:lvl5pPr>
-            <a:lvl6pPr indent="-381000" lvl="5" marL="2743200" rtl="0" algn="ctr">
+            <a:lvl6pPr marL="2743200" lvl="5" indent="-381000" algn="ctr" rtl="0">
               <a:spcBef>
                 <a:spcPts val="0"/>
               </a:spcBef>
@@ -4857,7 +4923,7 @@
                 <a:sym typeface="Oswald"/>
               </a:defRPr>
             </a:lvl6pPr>
-            <a:lvl7pPr indent="-381000" lvl="6" marL="3200400" rtl="0" algn="ctr">
+            <a:lvl7pPr marL="3200400" lvl="6" indent="-381000" algn="ctr" rtl="0">
               <a:spcBef>
                 <a:spcPts val="0"/>
               </a:spcBef>
@@ -4880,7 +4946,7 @@
                 <a:sym typeface="Oswald"/>
               </a:defRPr>
             </a:lvl7pPr>
-            <a:lvl8pPr indent="-381000" lvl="7" marL="3657600" rtl="0" algn="ctr">
+            <a:lvl8pPr marL="3657600" lvl="7" indent="-381000" algn="ctr" rtl="0">
               <a:spcBef>
                 <a:spcPts val="0"/>
               </a:spcBef>
@@ -4903,7 +4969,7 @@
                 <a:sym typeface="Oswald"/>
               </a:defRPr>
             </a:lvl8pPr>
-            <a:lvl9pPr indent="-381000" lvl="8" marL="4114800" algn="ctr">
+            <a:lvl9pPr marL="4114800" lvl="8" indent="-381000" algn="ctr">
               <a:spcBef>
                 <a:spcPts val="0"/>
               </a:spcBef>
@@ -4927,7 +4993,9 @@
               </a:defRPr>
             </a:lvl9pPr>
           </a:lstStyle>
-          <a:p/>
+          <a:p>
+            <a:endParaRPr/>
+          </a:p>
         </p:txBody>
       </p:sp>
       <p:grpSp>
@@ -4951,7 +5019,7 @@
             <p:nvPr/>
           </p:nvSpPr>
           <p:spPr>
-            <a:xfrm flipH="1" rot="9208626">
+            <a:xfrm rot="9208626" flipH="1">
               <a:off x="6704904" y="4110434"/>
               <a:ext cx="484232" cy="1204006"/>
             </a:xfrm>
@@ -4966,12 +5034,12 @@
             </a:ln>
           </p:spPr>
           <p:txBody>
-            <a:bodyPr anchorCtr="0" anchor="ctr" bIns="91425" lIns="91425" spcFirstLastPara="1" rIns="91425" wrap="square" tIns="91425">
+            <a:bodyPr spcFirstLastPara="1" wrap="square" lIns="91425" tIns="91425" rIns="91425" bIns="91425" anchor="ctr" anchorCtr="0">
               <a:noAutofit/>
             </a:bodyPr>
             <a:lstStyle/>
             <a:p>
-              <a:pPr indent="0" lvl="0" marL="0" rtl="0" algn="l">
+              <a:pPr marL="0" lvl="0" indent="0" algn="l" rtl="0">
                 <a:spcBef>
                   <a:spcPts val="0"/>
                 </a:spcBef>
@@ -4980,9 +5048,6 @@
                 </a:spcAft>
                 <a:buNone/>
               </a:pPr>
-              <a:r>
-                <a:t/>
-              </a:r>
               <a:endParaRPr/>
             </a:p>
           </p:txBody>
@@ -4994,7 +5059,7 @@
             <p:nvPr/>
           </p:nvSpPr>
           <p:spPr>
-            <a:xfrm flipH="1" rot="9208633">
+            <a:xfrm rot="9208633" flipH="1">
               <a:off x="7804300" y="3279013"/>
               <a:ext cx="877624" cy="2182136"/>
             </a:xfrm>
@@ -5009,12 +5074,12 @@
             </a:ln>
           </p:spPr>
           <p:txBody>
-            <a:bodyPr anchorCtr="0" anchor="ctr" bIns="91425" lIns="91425" spcFirstLastPara="1" rIns="91425" wrap="square" tIns="91425">
+            <a:bodyPr spcFirstLastPara="1" wrap="square" lIns="91425" tIns="91425" rIns="91425" bIns="91425" anchor="ctr" anchorCtr="0">
               <a:noAutofit/>
             </a:bodyPr>
             <a:lstStyle/>
             <a:p>
-              <a:pPr indent="0" lvl="0" marL="0" rtl="0" algn="l">
+              <a:pPr marL="0" lvl="0" indent="0" algn="l" rtl="0">
                 <a:spcBef>
                   <a:spcPts val="0"/>
                 </a:spcBef>
@@ -5023,9 +5088,6 @@
                 </a:spcAft>
                 <a:buNone/>
               </a:pPr>
-              <a:r>
-                <a:t/>
-              </a:r>
               <a:endParaRPr/>
             </a:p>
           </p:txBody>
@@ -5037,7 +5099,7 @@
             <p:nvPr/>
           </p:nvSpPr>
           <p:spPr>
-            <a:xfrm flipH="1" rot="9208606">
+            <a:xfrm rot="9208606" flipH="1">
               <a:off x="7481789" y="4276913"/>
               <a:ext cx="408796" cy="1016449"/>
             </a:xfrm>
@@ -5052,12 +5114,12 @@
             </a:ln>
           </p:spPr>
           <p:txBody>
-            <a:bodyPr anchorCtr="0" anchor="ctr" bIns="91425" lIns="91425" spcFirstLastPara="1" rIns="91425" wrap="square" tIns="91425">
+            <a:bodyPr spcFirstLastPara="1" wrap="square" lIns="91425" tIns="91425" rIns="91425" bIns="91425" anchor="ctr" anchorCtr="0">
               <a:noAutofit/>
             </a:bodyPr>
             <a:lstStyle/>
             <a:p>
-              <a:pPr indent="0" lvl="0" marL="0" rtl="0" algn="l">
+              <a:pPr marL="0" lvl="0" indent="0" algn="l" rtl="0">
                 <a:spcBef>
                   <a:spcPts val="0"/>
                 </a:spcBef>
@@ -5066,9 +5128,6 @@
                 </a:spcAft>
                 <a:buNone/>
               </a:pPr>
-              <a:r>
-                <a:t/>
-              </a:r>
               <a:endParaRPr/>
             </a:p>
           </p:txBody>
@@ -5080,7 +5139,7 @@
             <p:nvPr/>
           </p:nvSpPr>
           <p:spPr>
-            <a:xfrm flipH="1" rot="9208678">
+            <a:xfrm rot="9208678" flipH="1">
               <a:off x="6287617" y="4657701"/>
               <a:ext cx="229660" cy="571018"/>
             </a:xfrm>
@@ -5095,12 +5154,12 @@
             </a:ln>
           </p:spPr>
           <p:txBody>
-            <a:bodyPr anchorCtr="0" anchor="ctr" bIns="91425" lIns="91425" spcFirstLastPara="1" rIns="91425" wrap="square" tIns="91425">
+            <a:bodyPr spcFirstLastPara="1" wrap="square" lIns="91425" tIns="91425" rIns="91425" bIns="91425" anchor="ctr" anchorCtr="0">
               <a:noAutofit/>
             </a:bodyPr>
             <a:lstStyle/>
             <a:p>
-              <a:pPr indent="0" lvl="0" marL="0" rtl="0" algn="l">
+              <a:pPr marL="0" lvl="0" indent="0" algn="l" rtl="0">
                 <a:spcBef>
                   <a:spcPts val="0"/>
                 </a:spcBef>
@@ -5109,9 +5168,6 @@
                 </a:spcAft>
                 <a:buNone/>
               </a:pPr>
-              <a:r>
-                <a:t/>
-              </a:r>
               <a:endParaRPr/>
             </a:p>
           </p:txBody>
@@ -5128,9 +5184,13 @@
               <a:ext cx="854651" cy="1929080"/>
             </a:xfrm>
             <a:custGeom>
-              <a:rect b="b" l="l" r="r" t="t"/>
+              <a:avLst/>
+              <a:gdLst/>
+              <a:ahLst/>
+              <a:cxnLst/>
+              <a:rect l="l" t="t" r="r" b="b"/>
               <a:pathLst>
-                <a:path extrusionOk="0" h="84860" w="37596">
+                <a:path w="37596" h="84860" extrusionOk="0">
                   <a:moveTo>
                     <a:pt x="19066" y="0"/>
                   </a:moveTo>
@@ -5177,7 +5237,7 @@
             <p:nvPr/>
           </p:nvSpPr>
           <p:spPr>
-            <a:xfrm flipH="1" rot="-1591408">
+            <a:xfrm rot="-1591408" flipH="1">
               <a:off x="1362169" y="-63166"/>
               <a:ext cx="205103" cy="509980"/>
             </a:xfrm>
@@ -5192,12 +5252,12 @@
             </a:ln>
           </p:spPr>
           <p:txBody>
-            <a:bodyPr anchorCtr="0" anchor="ctr" bIns="91425" lIns="91425" spcFirstLastPara="1" rIns="91425" wrap="square" tIns="91425">
+            <a:bodyPr spcFirstLastPara="1" wrap="square" lIns="91425" tIns="91425" rIns="91425" bIns="91425" anchor="ctr" anchorCtr="0">
               <a:noAutofit/>
             </a:bodyPr>
             <a:lstStyle/>
             <a:p>
-              <a:pPr indent="0" lvl="0" marL="0" rtl="0" algn="l">
+              <a:pPr marL="0" lvl="0" indent="0" algn="l" rtl="0">
                 <a:spcBef>
                   <a:spcPts val="0"/>
                 </a:spcBef>
@@ -5206,9 +5266,6 @@
                 </a:spcAft>
                 <a:buNone/>
               </a:pPr>
-              <a:r>
-                <a:t/>
-              </a:r>
               <a:endParaRPr/>
             </a:p>
           </p:txBody>
@@ -5220,7 +5277,7 @@
             <p:nvPr/>
           </p:nvSpPr>
           <p:spPr>
-            <a:xfrm flipH="1" rot="-1591371">
+            <a:xfrm rot="-1591371" flipH="1">
               <a:off x="239463" y="-151890"/>
               <a:ext cx="434754" cy="1080980"/>
             </a:xfrm>
@@ -5235,12 +5292,12 @@
             </a:ln>
           </p:spPr>
           <p:txBody>
-            <a:bodyPr anchorCtr="0" anchor="ctr" bIns="91425" lIns="91425" spcFirstLastPara="1" rIns="91425" wrap="square" tIns="91425">
+            <a:bodyPr spcFirstLastPara="1" wrap="square" lIns="91425" tIns="91425" rIns="91425" bIns="91425" anchor="ctr" anchorCtr="0">
               <a:noAutofit/>
             </a:bodyPr>
             <a:lstStyle/>
             <a:p>
-              <a:pPr indent="0" lvl="0" marL="0" rtl="0" algn="l">
+              <a:pPr marL="0" lvl="0" indent="0" algn="l" rtl="0">
                 <a:spcBef>
                   <a:spcPts val="0"/>
                 </a:spcBef>
@@ -5249,9 +5306,6 @@
                 </a:spcAft>
                 <a:buNone/>
               </a:pPr>
-              <a:r>
-                <a:t/>
-              </a:r>
               <a:endParaRPr/>
             </a:p>
           </p:txBody>
@@ -5263,7 +5317,7 @@
             <p:nvPr/>
           </p:nvSpPr>
           <p:spPr>
-            <a:xfrm flipH="1" rot="-1591339">
+            <a:xfrm rot="-1591339" flipH="1">
               <a:off x="892401" y="-169347"/>
               <a:ext cx="504374" cy="1254067"/>
             </a:xfrm>
@@ -5278,12 +5332,12 @@
             </a:ln>
           </p:spPr>
           <p:txBody>
-            <a:bodyPr anchorCtr="0" anchor="ctr" bIns="91425" lIns="91425" spcFirstLastPara="1" rIns="91425" wrap="square" tIns="91425">
+            <a:bodyPr spcFirstLastPara="1" wrap="square" lIns="91425" tIns="91425" rIns="91425" bIns="91425" anchor="ctr" anchorCtr="0">
               <a:noAutofit/>
             </a:bodyPr>
             <a:lstStyle/>
             <a:p>
-              <a:pPr indent="0" lvl="0" marL="0" rtl="0" algn="l">
+              <a:pPr marL="0" lvl="0" indent="0" algn="l" rtl="0">
                 <a:spcBef>
                   <a:spcPts val="0"/>
                 </a:spcBef>
@@ -5292,9 +5346,6 @@
                 </a:spcAft>
                 <a:buNone/>
               </a:pPr>
-              <a:r>
-                <a:t/>
-              </a:r>
               <a:endParaRPr/>
             </a:p>
           </p:txBody>
@@ -5306,7 +5357,7 @@
             <p:nvPr/>
           </p:nvSpPr>
           <p:spPr>
-            <a:xfrm flipH="1" rot="-1591322">
+            <a:xfrm rot="-1591322" flipH="1">
               <a:off x="1818452" y="-76292"/>
               <a:ext cx="229660" cy="571018"/>
             </a:xfrm>
@@ -5321,12 +5372,12 @@
             </a:ln>
           </p:spPr>
           <p:txBody>
-            <a:bodyPr anchorCtr="0" anchor="ctr" bIns="91425" lIns="91425" spcFirstLastPara="1" rIns="91425" wrap="square" tIns="91425">
+            <a:bodyPr spcFirstLastPara="1" wrap="square" lIns="91425" tIns="91425" rIns="91425" bIns="91425" anchor="ctr" anchorCtr="0">
               <a:noAutofit/>
             </a:bodyPr>
             <a:lstStyle/>
             <a:p>
-              <a:pPr indent="0" lvl="0" marL="0" rtl="0" algn="l">
+              <a:pPr marL="0" lvl="0" indent="0" algn="l" rtl="0">
                 <a:spcBef>
                   <a:spcPts val="0"/>
                 </a:spcBef>
@@ -5335,9 +5386,6 @@
                 </a:spcAft>
                 <a:buNone/>
               </a:pPr>
-              <a:r>
-                <a:t/>
-              </a:r>
               <a:endParaRPr/>
             </a:p>
           </p:txBody>
@@ -5354,9 +5402,13 @@
               <a:ext cx="380284" cy="858147"/>
             </a:xfrm>
             <a:custGeom>
-              <a:rect b="b" l="l" r="r" t="t"/>
+              <a:avLst/>
+              <a:gdLst/>
+              <a:ahLst/>
+              <a:cxnLst/>
+              <a:rect l="l" t="t" r="r" b="b"/>
               <a:pathLst>
-                <a:path extrusionOk="0" h="84860" w="37596">
+                <a:path w="37596" h="84860" extrusionOk="0">
                   <a:moveTo>
                     <a:pt x="19066" y="0"/>
                   </a:moveTo>
@@ -5391,11 +5443,11 @@
 </file>
 
 <file path=ppt/slideLayouts/slideLayout4.xml><?xml version="1.0" encoding="utf-8"?>
-<p:sldLayout xmlns:a="http://schemas.openxmlformats.org/drawingml/2006/main" xmlns:r="http://schemas.openxmlformats.org/officeDocument/2006/relationships" xmlns:mc="http://schemas.openxmlformats.org/markup-compatibility/2006" xmlns:mv="urn:schemas-microsoft-com:mac:vml" xmlns:p="http://schemas.openxmlformats.org/presentationml/2006/main" xmlns:c="http://schemas.openxmlformats.org/drawingml/2006/chart" xmlns:dgm="http://schemas.openxmlformats.org/drawingml/2006/diagram" xmlns:o="urn:schemas-microsoft-com:office:office" xmlns:v="urn:schemas-microsoft-com:vml" xmlns:pvml="urn:schemas-microsoft-com:office:powerpoint" xmlns:com="http://schemas.openxmlformats.org/drawingml/2006/compatibility" xmlns:p14="http://schemas.microsoft.com/office/powerpoint/2010/main" xmlns:p15="http://schemas.microsoft.com/office/powerpoint/2012/main" matchingName="Title + 1 column" type="tx">
+<p:sldLayout xmlns:a="http://schemas.openxmlformats.org/drawingml/2006/main" xmlns:r="http://schemas.openxmlformats.org/officeDocument/2006/relationships" xmlns:p="http://schemas.openxmlformats.org/presentationml/2006/main" matchingName="Title + 1 column" type="tx">
   <p:cSld name="TITLE_AND_BODY">
     <p:spTree>
       <p:nvGrpSpPr>
-        <p:cNvPr id="51" name="Shape 51"/>
+        <p:cNvPr id="1" name="Shape 51"/>
         <p:cNvGrpSpPr/>
         <p:nvPr/>
       </p:nvGrpSpPr>
@@ -5428,7 +5480,7 @@
             <p:nvPr/>
           </p:nvSpPr>
           <p:spPr>
-            <a:xfrm flipH="1" rot="9208626">
+            <a:xfrm rot="9208626" flipH="1">
               <a:off x="6704904" y="4110434"/>
               <a:ext cx="484232" cy="1204006"/>
             </a:xfrm>
@@ -5443,12 +5495,12 @@
             </a:ln>
           </p:spPr>
           <p:txBody>
-            <a:bodyPr anchorCtr="0" anchor="ctr" bIns="91425" lIns="91425" spcFirstLastPara="1" rIns="91425" wrap="square" tIns="91425">
+            <a:bodyPr spcFirstLastPara="1" wrap="square" lIns="91425" tIns="91425" rIns="91425" bIns="91425" anchor="ctr" anchorCtr="0">
               <a:noAutofit/>
             </a:bodyPr>
             <a:lstStyle/>
             <a:p>
-              <a:pPr indent="0" lvl="0" marL="0" rtl="0" algn="l">
+              <a:pPr marL="0" lvl="0" indent="0" algn="l" rtl="0">
                 <a:spcBef>
                   <a:spcPts val="0"/>
                 </a:spcBef>
@@ -5457,9 +5509,6 @@
                 </a:spcAft>
                 <a:buNone/>
               </a:pPr>
-              <a:r>
-                <a:t/>
-              </a:r>
               <a:endParaRPr/>
             </a:p>
           </p:txBody>
@@ -5471,7 +5520,7 @@
             <p:nvPr/>
           </p:nvSpPr>
           <p:spPr>
-            <a:xfrm flipH="1" rot="9208633">
+            <a:xfrm rot="9208633" flipH="1">
               <a:off x="7804300" y="3279013"/>
               <a:ext cx="877624" cy="2182136"/>
             </a:xfrm>
@@ -5486,12 +5535,12 @@
             </a:ln>
           </p:spPr>
           <p:txBody>
-            <a:bodyPr anchorCtr="0" anchor="ctr" bIns="91425" lIns="91425" spcFirstLastPara="1" rIns="91425" wrap="square" tIns="91425">
+            <a:bodyPr spcFirstLastPara="1" wrap="square" lIns="91425" tIns="91425" rIns="91425" bIns="91425" anchor="ctr" anchorCtr="0">
               <a:noAutofit/>
             </a:bodyPr>
             <a:lstStyle/>
             <a:p>
-              <a:pPr indent="0" lvl="0" marL="0" rtl="0" algn="l">
+              <a:pPr marL="0" lvl="0" indent="0" algn="l" rtl="0">
                 <a:spcBef>
                   <a:spcPts val="0"/>
                 </a:spcBef>
@@ -5500,9 +5549,6 @@
                 </a:spcAft>
                 <a:buNone/>
               </a:pPr>
-              <a:r>
-                <a:t/>
-              </a:r>
               <a:endParaRPr/>
             </a:p>
           </p:txBody>
@@ -5514,7 +5560,7 @@
             <p:nvPr/>
           </p:nvSpPr>
           <p:spPr>
-            <a:xfrm flipH="1" rot="9208606">
+            <a:xfrm rot="9208606" flipH="1">
               <a:off x="7481789" y="4276913"/>
               <a:ext cx="408796" cy="1016449"/>
             </a:xfrm>
@@ -5529,12 +5575,12 @@
             </a:ln>
           </p:spPr>
           <p:txBody>
-            <a:bodyPr anchorCtr="0" anchor="ctr" bIns="91425" lIns="91425" spcFirstLastPara="1" rIns="91425" wrap="square" tIns="91425">
+            <a:bodyPr spcFirstLastPara="1" wrap="square" lIns="91425" tIns="91425" rIns="91425" bIns="91425" anchor="ctr" anchorCtr="0">
               <a:noAutofit/>
             </a:bodyPr>
             <a:lstStyle/>
             <a:p>
-              <a:pPr indent="0" lvl="0" marL="0" rtl="0" algn="l">
+              <a:pPr marL="0" lvl="0" indent="0" algn="l" rtl="0">
                 <a:spcBef>
                   <a:spcPts val="0"/>
                 </a:spcBef>
@@ -5543,9 +5589,6 @@
                 </a:spcAft>
                 <a:buNone/>
               </a:pPr>
-              <a:r>
-                <a:t/>
-              </a:r>
               <a:endParaRPr/>
             </a:p>
           </p:txBody>
@@ -5557,7 +5600,7 @@
             <p:nvPr/>
           </p:nvSpPr>
           <p:spPr>
-            <a:xfrm flipH="1" rot="9208678">
+            <a:xfrm rot="9208678" flipH="1">
               <a:off x="6287617" y="4657701"/>
               <a:ext cx="229660" cy="571018"/>
             </a:xfrm>
@@ -5572,12 +5615,12 @@
             </a:ln>
           </p:spPr>
           <p:txBody>
-            <a:bodyPr anchorCtr="0" anchor="ctr" bIns="91425" lIns="91425" spcFirstLastPara="1" rIns="91425" wrap="square" tIns="91425">
+            <a:bodyPr spcFirstLastPara="1" wrap="square" lIns="91425" tIns="91425" rIns="91425" bIns="91425" anchor="ctr" anchorCtr="0">
               <a:noAutofit/>
             </a:bodyPr>
             <a:lstStyle/>
             <a:p>
-              <a:pPr indent="0" lvl="0" marL="0" rtl="0" algn="l">
+              <a:pPr marL="0" lvl="0" indent="0" algn="l" rtl="0">
                 <a:spcBef>
                   <a:spcPts val="0"/>
                 </a:spcBef>
@@ -5586,9 +5629,6 @@
                 </a:spcAft>
                 <a:buNone/>
               </a:pPr>
-              <a:r>
-                <a:t/>
-              </a:r>
               <a:endParaRPr/>
             </a:p>
           </p:txBody>
@@ -5605,9 +5645,13 @@
               <a:ext cx="854651" cy="1929080"/>
             </a:xfrm>
             <a:custGeom>
-              <a:rect b="b" l="l" r="r" t="t"/>
+              <a:avLst/>
+              <a:gdLst/>
+              <a:ahLst/>
+              <a:cxnLst/>
+              <a:rect l="l" t="t" r="r" b="b"/>
               <a:pathLst>
-                <a:path extrusionOk="0" h="84860" w="37596">
+                <a:path w="37596" h="84860" extrusionOk="0">
                   <a:moveTo>
                     <a:pt x="19066" y="0"/>
                   </a:moveTo>
@@ -5654,7 +5698,7 @@
             <p:nvPr/>
           </p:nvSpPr>
           <p:spPr>
-            <a:xfrm flipH="1" rot="-1591408">
+            <a:xfrm rot="-1591408" flipH="1">
               <a:off x="1362169" y="-63166"/>
               <a:ext cx="205103" cy="509980"/>
             </a:xfrm>
@@ -5669,12 +5713,12 @@
             </a:ln>
           </p:spPr>
           <p:txBody>
-            <a:bodyPr anchorCtr="0" anchor="ctr" bIns="91425" lIns="91425" spcFirstLastPara="1" rIns="91425" wrap="square" tIns="91425">
+            <a:bodyPr spcFirstLastPara="1" wrap="square" lIns="91425" tIns="91425" rIns="91425" bIns="91425" anchor="ctr" anchorCtr="0">
               <a:noAutofit/>
             </a:bodyPr>
             <a:lstStyle/>
             <a:p>
-              <a:pPr indent="0" lvl="0" marL="0" rtl="0" algn="l">
+              <a:pPr marL="0" lvl="0" indent="0" algn="l" rtl="0">
                 <a:spcBef>
                   <a:spcPts val="0"/>
                 </a:spcBef>
@@ -5683,9 +5727,6 @@
                 </a:spcAft>
                 <a:buNone/>
               </a:pPr>
-              <a:r>
-                <a:t/>
-              </a:r>
               <a:endParaRPr/>
             </a:p>
           </p:txBody>
@@ -5697,7 +5738,7 @@
             <p:nvPr/>
           </p:nvSpPr>
           <p:spPr>
-            <a:xfrm flipH="1" rot="-1591371">
+            <a:xfrm rot="-1591371" flipH="1">
               <a:off x="239463" y="-151890"/>
               <a:ext cx="434754" cy="1080980"/>
             </a:xfrm>
@@ -5712,12 +5753,12 @@
             </a:ln>
           </p:spPr>
           <p:txBody>
-            <a:bodyPr anchorCtr="0" anchor="ctr" bIns="91425" lIns="91425" spcFirstLastPara="1" rIns="91425" wrap="square" tIns="91425">
+            <a:bodyPr spcFirstLastPara="1" wrap="square" lIns="91425" tIns="91425" rIns="91425" bIns="91425" anchor="ctr" anchorCtr="0">
               <a:noAutofit/>
             </a:bodyPr>
             <a:lstStyle/>
             <a:p>
-              <a:pPr indent="0" lvl="0" marL="0" rtl="0" algn="l">
+              <a:pPr marL="0" lvl="0" indent="0" algn="l" rtl="0">
                 <a:spcBef>
                   <a:spcPts val="0"/>
                 </a:spcBef>
@@ -5726,9 +5767,6 @@
                 </a:spcAft>
                 <a:buNone/>
               </a:pPr>
-              <a:r>
-                <a:t/>
-              </a:r>
               <a:endParaRPr/>
             </a:p>
           </p:txBody>
@@ -5740,7 +5778,7 @@
             <p:nvPr/>
           </p:nvSpPr>
           <p:spPr>
-            <a:xfrm flipH="1" rot="-1591339">
+            <a:xfrm rot="-1591339" flipH="1">
               <a:off x="892401" y="-169347"/>
               <a:ext cx="504374" cy="1254067"/>
             </a:xfrm>
@@ -5755,12 +5793,12 @@
             </a:ln>
           </p:spPr>
           <p:txBody>
-            <a:bodyPr anchorCtr="0" anchor="ctr" bIns="91425" lIns="91425" spcFirstLastPara="1" rIns="91425" wrap="square" tIns="91425">
+            <a:bodyPr spcFirstLastPara="1" wrap="square" lIns="91425" tIns="91425" rIns="91425" bIns="91425" anchor="ctr" anchorCtr="0">
               <a:noAutofit/>
             </a:bodyPr>
             <a:lstStyle/>
             <a:p>
-              <a:pPr indent="0" lvl="0" marL="0" rtl="0" algn="l">
+              <a:pPr marL="0" lvl="0" indent="0" algn="l" rtl="0">
                 <a:spcBef>
                   <a:spcPts val="0"/>
                 </a:spcBef>
@@ -5769,9 +5807,6 @@
                 </a:spcAft>
                 <a:buNone/>
               </a:pPr>
-              <a:r>
-                <a:t/>
-              </a:r>
               <a:endParaRPr/>
             </a:p>
           </p:txBody>
@@ -5783,7 +5818,7 @@
             <p:nvPr/>
           </p:nvSpPr>
           <p:spPr>
-            <a:xfrm flipH="1" rot="-1591322">
+            <a:xfrm rot="-1591322" flipH="1">
               <a:off x="1818452" y="-76292"/>
               <a:ext cx="229660" cy="571018"/>
             </a:xfrm>
@@ -5798,12 +5833,12 @@
             </a:ln>
           </p:spPr>
           <p:txBody>
-            <a:bodyPr anchorCtr="0" anchor="ctr" bIns="91425" lIns="91425" spcFirstLastPara="1" rIns="91425" wrap="square" tIns="91425">
+            <a:bodyPr spcFirstLastPara="1" wrap="square" lIns="91425" tIns="91425" rIns="91425" bIns="91425" anchor="ctr" anchorCtr="0">
               <a:noAutofit/>
             </a:bodyPr>
             <a:lstStyle/>
             <a:p>
-              <a:pPr indent="0" lvl="0" marL="0" rtl="0" algn="l">
+              <a:pPr marL="0" lvl="0" indent="0" algn="l" rtl="0">
                 <a:spcBef>
                   <a:spcPts val="0"/>
                 </a:spcBef>
@@ -5812,9 +5847,6 @@
                 </a:spcAft>
                 <a:buNone/>
               </a:pPr>
-              <a:r>
-                <a:t/>
-              </a:r>
               <a:endParaRPr/>
             </a:p>
           </p:txBody>
@@ -5831,9 +5863,13 @@
               <a:ext cx="380284" cy="858147"/>
             </a:xfrm>
             <a:custGeom>
-              <a:rect b="b" l="l" r="r" t="t"/>
+              <a:avLst/>
+              <a:gdLst/>
+              <a:ahLst/>
+              <a:cxnLst/>
+              <a:rect l="l" t="t" r="r" b="b"/>
               <a:pathLst>
-                <a:path extrusionOk="0" h="84860" w="37596">
+                <a:path w="37596" h="84860" extrusionOk="0">
                   <a:moveTo>
                     <a:pt x="19066" y="0"/>
                   </a:moveTo>
@@ -5862,7 +5898,9 @@
       <p:sp>
         <p:nvSpPr>
           <p:cNvPr id="64" name="Google Shape;64;p5"/>
-          <p:cNvSpPr txBox="1"/>
+          <p:cNvSpPr txBox="1">
+            <a:spLocks noGrp="1"/>
+          </p:cNvSpPr>
           <p:nvPr>
             <p:ph type="title"/>
           </p:nvPr>
@@ -5877,7 +5915,7 @@
           </a:prstGeom>
         </p:spPr>
         <p:txBody>
-          <a:bodyPr anchorCtr="0" anchor="b" bIns="91425" lIns="91425" spcFirstLastPara="1" rIns="91425" wrap="square" tIns="91425"/>
+          <a:bodyPr spcFirstLastPara="1" wrap="square" lIns="91425" tIns="91425" rIns="91425" bIns="91425" anchor="b" anchorCtr="0"/>
           <a:lstStyle>
             <a:lvl1pPr lvl="0">
               <a:spcBef>
@@ -5979,15 +6017,19 @@
               <a:defRPr/>
             </a:lvl9pPr>
           </a:lstStyle>
-          <a:p/>
+          <a:p>
+            <a:endParaRPr/>
+          </a:p>
         </p:txBody>
       </p:sp>
       <p:sp>
         <p:nvSpPr>
           <p:cNvPr id="65" name="Google Shape;65;p5"/>
-          <p:cNvSpPr txBox="1"/>
+          <p:cNvSpPr txBox="1">
+            <a:spLocks noGrp="1"/>
+          </p:cNvSpPr>
           <p:nvPr>
-            <p:ph idx="1" type="body"/>
+            <p:ph type="body" idx="1"/>
           </p:nvPr>
         </p:nvSpPr>
         <p:spPr>
@@ -6000,9 +6042,9 @@
           </a:prstGeom>
         </p:spPr>
         <p:txBody>
-          <a:bodyPr anchorCtr="0" anchor="t" bIns="91425" lIns="91425" spcFirstLastPara="1" rIns="91425" wrap="square" tIns="91425"/>
+          <a:bodyPr spcFirstLastPara="1" wrap="square" lIns="91425" tIns="91425" rIns="91425" bIns="91425" anchor="t" anchorCtr="0"/>
           <a:lstStyle>
-            <a:lvl1pPr indent="-355600" lvl="0" marL="457200">
+            <a:lvl1pPr marL="457200" lvl="0" indent="-355600">
               <a:spcBef>
                 <a:spcPts val="600"/>
               </a:spcBef>
@@ -6013,7 +6055,7 @@
               <a:buChar char="»"/>
               <a:defRPr/>
             </a:lvl1pPr>
-            <a:lvl2pPr indent="-355600" lvl="1" marL="914400">
+            <a:lvl2pPr marL="914400" lvl="1" indent="-355600">
               <a:spcBef>
                 <a:spcPts val="0"/>
               </a:spcBef>
@@ -6024,7 +6066,7 @@
               <a:buChar char="⋄"/>
               <a:defRPr/>
             </a:lvl2pPr>
-            <a:lvl3pPr indent="-355600" lvl="2" marL="1371600">
+            <a:lvl3pPr marL="1371600" lvl="2" indent="-355600">
               <a:spcBef>
                 <a:spcPts val="0"/>
               </a:spcBef>
@@ -6035,7 +6077,7 @@
               <a:buChar char="⋄"/>
               <a:defRPr/>
             </a:lvl3pPr>
-            <a:lvl4pPr indent="-355600" lvl="3" marL="1828800">
+            <a:lvl4pPr marL="1828800" lvl="3" indent="-355600">
               <a:spcBef>
                 <a:spcPts val="0"/>
               </a:spcBef>
@@ -6046,7 +6088,7 @@
               <a:buChar char="⋄"/>
               <a:defRPr/>
             </a:lvl4pPr>
-            <a:lvl5pPr indent="-355600" lvl="4" marL="2286000">
+            <a:lvl5pPr marL="2286000" lvl="4" indent="-355600">
               <a:spcBef>
                 <a:spcPts val="0"/>
               </a:spcBef>
@@ -6057,7 +6099,7 @@
               <a:buChar char="⋄"/>
               <a:defRPr/>
             </a:lvl5pPr>
-            <a:lvl6pPr indent="-355600" lvl="5" marL="2743200">
+            <a:lvl6pPr marL="2743200" lvl="5" indent="-355600">
               <a:spcBef>
                 <a:spcPts val="0"/>
               </a:spcBef>
@@ -6068,7 +6110,7 @@
               <a:buChar char="⋄"/>
               <a:defRPr/>
             </a:lvl6pPr>
-            <a:lvl7pPr indent="-355600" lvl="6" marL="3200400">
+            <a:lvl7pPr marL="3200400" lvl="6" indent="-355600">
               <a:spcBef>
                 <a:spcPts val="0"/>
               </a:spcBef>
@@ -6079,7 +6121,7 @@
               <a:buChar char="●"/>
               <a:defRPr/>
             </a:lvl7pPr>
-            <a:lvl8pPr indent="-355600" lvl="7" marL="3657600">
+            <a:lvl8pPr marL="3657600" lvl="7" indent="-355600">
               <a:spcBef>
                 <a:spcPts val="0"/>
               </a:spcBef>
@@ -6090,7 +6132,7 @@
               <a:buChar char="○"/>
               <a:defRPr/>
             </a:lvl8pPr>
-            <a:lvl9pPr indent="-355600" lvl="8" marL="4114800">
+            <a:lvl9pPr marL="4114800" lvl="8" indent="-355600">
               <a:spcBef>
                 <a:spcPts val="0"/>
               </a:spcBef>
@@ -6102,7 +6144,9 @@
               <a:defRPr/>
             </a:lvl9pPr>
           </a:lstStyle>
-          <a:p/>
+          <a:p>
+            <a:endParaRPr/>
+          </a:p>
         </p:txBody>
       </p:sp>
     </p:spTree>
@@ -6114,11 +6158,11 @@
 </file>
 
 <file path=ppt/slideLayouts/slideLayout5.xml><?xml version="1.0" encoding="utf-8"?>
-<p:sldLayout xmlns:a="http://schemas.openxmlformats.org/drawingml/2006/main" xmlns:r="http://schemas.openxmlformats.org/officeDocument/2006/relationships" xmlns:mc="http://schemas.openxmlformats.org/markup-compatibility/2006" xmlns:mv="urn:schemas-microsoft-com:mac:vml" xmlns:p="http://schemas.openxmlformats.org/presentationml/2006/main" xmlns:c="http://schemas.openxmlformats.org/drawingml/2006/chart" xmlns:dgm="http://schemas.openxmlformats.org/drawingml/2006/diagram" xmlns:o="urn:schemas-microsoft-com:office:office" xmlns:v="urn:schemas-microsoft-com:vml" xmlns:pvml="urn:schemas-microsoft-com:office:powerpoint" xmlns:com="http://schemas.openxmlformats.org/drawingml/2006/compatibility" xmlns:p14="http://schemas.microsoft.com/office/powerpoint/2010/main" xmlns:p15="http://schemas.microsoft.com/office/powerpoint/2012/main" matchingName="Title + 2 columns" type="twoColTx">
+<p:sldLayout xmlns:a="http://schemas.openxmlformats.org/drawingml/2006/main" xmlns:r="http://schemas.openxmlformats.org/officeDocument/2006/relationships" xmlns:p="http://schemas.openxmlformats.org/presentationml/2006/main" matchingName="Title + 2 columns" type="twoColTx">
   <p:cSld name="TITLE_AND_TWO_COLUMNS">
     <p:spTree>
       <p:nvGrpSpPr>
-        <p:cNvPr id="66" name="Shape 66"/>
+        <p:cNvPr id="1" name="Shape 66"/>
         <p:cNvGrpSpPr/>
         <p:nvPr/>
       </p:nvGrpSpPr>
@@ -6151,7 +6195,7 @@
             <p:nvPr/>
           </p:nvSpPr>
           <p:spPr>
-            <a:xfrm flipH="1" rot="9208626">
+            <a:xfrm rot="9208626" flipH="1">
               <a:off x="6704904" y="4110434"/>
               <a:ext cx="484232" cy="1204006"/>
             </a:xfrm>
@@ -6166,12 +6210,12 @@
             </a:ln>
           </p:spPr>
           <p:txBody>
-            <a:bodyPr anchorCtr="0" anchor="ctr" bIns="91425" lIns="91425" spcFirstLastPara="1" rIns="91425" wrap="square" tIns="91425">
+            <a:bodyPr spcFirstLastPara="1" wrap="square" lIns="91425" tIns="91425" rIns="91425" bIns="91425" anchor="ctr" anchorCtr="0">
               <a:noAutofit/>
             </a:bodyPr>
             <a:lstStyle/>
             <a:p>
-              <a:pPr indent="0" lvl="0" marL="0" rtl="0" algn="l">
+              <a:pPr marL="0" lvl="0" indent="0" algn="l" rtl="0">
                 <a:spcBef>
                   <a:spcPts val="0"/>
                 </a:spcBef>
@@ -6180,9 +6224,6 @@
                 </a:spcAft>
                 <a:buNone/>
               </a:pPr>
-              <a:r>
-                <a:t/>
-              </a:r>
               <a:endParaRPr/>
             </a:p>
           </p:txBody>
@@ -6194,7 +6235,7 @@
             <p:nvPr/>
           </p:nvSpPr>
           <p:spPr>
-            <a:xfrm flipH="1" rot="9208633">
+            <a:xfrm rot="9208633" flipH="1">
               <a:off x="7804300" y="3279013"/>
               <a:ext cx="877624" cy="2182136"/>
             </a:xfrm>
@@ -6209,12 +6250,12 @@
             </a:ln>
           </p:spPr>
           <p:txBody>
-            <a:bodyPr anchorCtr="0" anchor="ctr" bIns="91425" lIns="91425" spcFirstLastPara="1" rIns="91425" wrap="square" tIns="91425">
+            <a:bodyPr spcFirstLastPara="1" wrap="square" lIns="91425" tIns="91425" rIns="91425" bIns="91425" anchor="ctr" anchorCtr="0">
               <a:noAutofit/>
             </a:bodyPr>
             <a:lstStyle/>
             <a:p>
-              <a:pPr indent="0" lvl="0" marL="0" rtl="0" algn="l">
+              <a:pPr marL="0" lvl="0" indent="0" algn="l" rtl="0">
                 <a:spcBef>
                   <a:spcPts val="0"/>
                 </a:spcBef>
@@ -6223,9 +6264,6 @@
                 </a:spcAft>
                 <a:buNone/>
               </a:pPr>
-              <a:r>
-                <a:t/>
-              </a:r>
               <a:endParaRPr/>
             </a:p>
           </p:txBody>
@@ -6237,7 +6275,7 @@
             <p:nvPr/>
           </p:nvSpPr>
           <p:spPr>
-            <a:xfrm flipH="1" rot="9208606">
+            <a:xfrm rot="9208606" flipH="1">
               <a:off x="7481789" y="4276913"/>
               <a:ext cx="408796" cy="1016449"/>
             </a:xfrm>
@@ -6252,12 +6290,12 @@
             </a:ln>
           </p:spPr>
           <p:txBody>
-            <a:bodyPr anchorCtr="0" anchor="ctr" bIns="91425" lIns="91425" spcFirstLastPara="1" rIns="91425" wrap="square" tIns="91425">
+            <a:bodyPr spcFirstLastPara="1" wrap="square" lIns="91425" tIns="91425" rIns="91425" bIns="91425" anchor="ctr" anchorCtr="0">
               <a:noAutofit/>
             </a:bodyPr>
             <a:lstStyle/>
             <a:p>
-              <a:pPr indent="0" lvl="0" marL="0" rtl="0" algn="l">
+              <a:pPr marL="0" lvl="0" indent="0" algn="l" rtl="0">
                 <a:spcBef>
                   <a:spcPts val="0"/>
                 </a:spcBef>
@@ -6266,9 +6304,6 @@
                 </a:spcAft>
                 <a:buNone/>
               </a:pPr>
-              <a:r>
-                <a:t/>
-              </a:r>
               <a:endParaRPr/>
             </a:p>
           </p:txBody>
@@ -6280,7 +6315,7 @@
             <p:nvPr/>
           </p:nvSpPr>
           <p:spPr>
-            <a:xfrm flipH="1" rot="9208678">
+            <a:xfrm rot="9208678" flipH="1">
               <a:off x="6287617" y="4657701"/>
               <a:ext cx="229660" cy="571018"/>
             </a:xfrm>
@@ -6295,12 +6330,12 @@
             </a:ln>
           </p:spPr>
           <p:txBody>
-            <a:bodyPr anchorCtr="0" anchor="ctr" bIns="91425" lIns="91425" spcFirstLastPara="1" rIns="91425" wrap="square" tIns="91425">
+            <a:bodyPr spcFirstLastPara="1" wrap="square" lIns="91425" tIns="91425" rIns="91425" bIns="91425" anchor="ctr" anchorCtr="0">
               <a:noAutofit/>
             </a:bodyPr>
             <a:lstStyle/>
             <a:p>
-              <a:pPr indent="0" lvl="0" marL="0" rtl="0" algn="l">
+              <a:pPr marL="0" lvl="0" indent="0" algn="l" rtl="0">
                 <a:spcBef>
                   <a:spcPts val="0"/>
                 </a:spcBef>
@@ -6309,9 +6344,6 @@
                 </a:spcAft>
                 <a:buNone/>
               </a:pPr>
-              <a:r>
-                <a:t/>
-              </a:r>
               <a:endParaRPr/>
             </a:p>
           </p:txBody>
@@ -6328,9 +6360,13 @@
               <a:ext cx="854651" cy="1929080"/>
             </a:xfrm>
             <a:custGeom>
-              <a:rect b="b" l="l" r="r" t="t"/>
+              <a:avLst/>
+              <a:gdLst/>
+              <a:ahLst/>
+              <a:cxnLst/>
+              <a:rect l="l" t="t" r="r" b="b"/>
               <a:pathLst>
-                <a:path extrusionOk="0" h="84860" w="37596">
+                <a:path w="37596" h="84860" extrusionOk="0">
                   <a:moveTo>
                     <a:pt x="19066" y="0"/>
                   </a:moveTo>
@@ -6377,7 +6413,7 @@
             <p:nvPr/>
           </p:nvSpPr>
           <p:spPr>
-            <a:xfrm flipH="1" rot="-1591408">
+            <a:xfrm rot="-1591408" flipH="1">
               <a:off x="1362169" y="-63166"/>
               <a:ext cx="205103" cy="509980"/>
             </a:xfrm>
@@ -6392,12 +6428,12 @@
             </a:ln>
           </p:spPr>
           <p:txBody>
-            <a:bodyPr anchorCtr="0" anchor="ctr" bIns="91425" lIns="91425" spcFirstLastPara="1" rIns="91425" wrap="square" tIns="91425">
+            <a:bodyPr spcFirstLastPara="1" wrap="square" lIns="91425" tIns="91425" rIns="91425" bIns="91425" anchor="ctr" anchorCtr="0">
               <a:noAutofit/>
             </a:bodyPr>
             <a:lstStyle/>
             <a:p>
-              <a:pPr indent="0" lvl="0" marL="0" rtl="0" algn="l">
+              <a:pPr marL="0" lvl="0" indent="0" algn="l" rtl="0">
                 <a:spcBef>
                   <a:spcPts val="0"/>
                 </a:spcBef>
@@ -6406,9 +6442,6 @@
                 </a:spcAft>
                 <a:buNone/>
               </a:pPr>
-              <a:r>
-                <a:t/>
-              </a:r>
               <a:endParaRPr/>
             </a:p>
           </p:txBody>
@@ -6420,7 +6453,7 @@
             <p:nvPr/>
           </p:nvSpPr>
           <p:spPr>
-            <a:xfrm flipH="1" rot="-1591371">
+            <a:xfrm rot="-1591371" flipH="1">
               <a:off x="239463" y="-151890"/>
               <a:ext cx="434754" cy="1080980"/>
             </a:xfrm>
@@ -6435,12 +6468,12 @@
             </a:ln>
           </p:spPr>
           <p:txBody>
-            <a:bodyPr anchorCtr="0" anchor="ctr" bIns="91425" lIns="91425" spcFirstLastPara="1" rIns="91425" wrap="square" tIns="91425">
+            <a:bodyPr spcFirstLastPara="1" wrap="square" lIns="91425" tIns="91425" rIns="91425" bIns="91425" anchor="ctr" anchorCtr="0">
               <a:noAutofit/>
             </a:bodyPr>
             <a:lstStyle/>
             <a:p>
-              <a:pPr indent="0" lvl="0" marL="0" rtl="0" algn="l">
+              <a:pPr marL="0" lvl="0" indent="0" algn="l" rtl="0">
                 <a:spcBef>
                   <a:spcPts val="0"/>
                 </a:spcBef>
@@ -6449,9 +6482,6 @@
                 </a:spcAft>
                 <a:buNone/>
               </a:pPr>
-              <a:r>
-                <a:t/>
-              </a:r>
               <a:endParaRPr/>
             </a:p>
           </p:txBody>
@@ -6463,7 +6493,7 @@
             <p:nvPr/>
           </p:nvSpPr>
           <p:spPr>
-            <a:xfrm flipH="1" rot="-1591339">
+            <a:xfrm rot="-1591339" flipH="1">
               <a:off x="892401" y="-169347"/>
               <a:ext cx="504374" cy="1254067"/>
             </a:xfrm>
@@ -6478,12 +6508,12 @@
             </a:ln>
           </p:spPr>
           <p:txBody>
-            <a:bodyPr anchorCtr="0" anchor="ctr" bIns="91425" lIns="91425" spcFirstLastPara="1" rIns="91425" wrap="square" tIns="91425">
+            <a:bodyPr spcFirstLastPara="1" wrap="square" lIns="91425" tIns="91425" rIns="91425" bIns="91425" anchor="ctr" anchorCtr="0">
               <a:noAutofit/>
             </a:bodyPr>
             <a:lstStyle/>
             <a:p>
-              <a:pPr indent="0" lvl="0" marL="0" rtl="0" algn="l">
+              <a:pPr marL="0" lvl="0" indent="0" algn="l" rtl="0">
                 <a:spcBef>
                   <a:spcPts val="0"/>
                 </a:spcBef>
@@ -6492,9 +6522,6 @@
                 </a:spcAft>
                 <a:buNone/>
               </a:pPr>
-              <a:r>
-                <a:t/>
-              </a:r>
               <a:endParaRPr/>
             </a:p>
           </p:txBody>
@@ -6506,7 +6533,7 @@
             <p:nvPr/>
           </p:nvSpPr>
           <p:spPr>
-            <a:xfrm flipH="1" rot="-1591322">
+            <a:xfrm rot="-1591322" flipH="1">
               <a:off x="1818452" y="-76292"/>
               <a:ext cx="229660" cy="571018"/>
             </a:xfrm>
@@ -6521,12 +6548,12 @@
             </a:ln>
           </p:spPr>
           <p:txBody>
-            <a:bodyPr anchorCtr="0" anchor="ctr" bIns="91425" lIns="91425" spcFirstLastPara="1" rIns="91425" wrap="square" tIns="91425">
+            <a:bodyPr spcFirstLastPara="1" wrap="square" lIns="91425" tIns="91425" rIns="91425" bIns="91425" anchor="ctr" anchorCtr="0">
               <a:noAutofit/>
             </a:bodyPr>
             <a:lstStyle/>
             <a:p>
-              <a:pPr indent="0" lvl="0" marL="0" rtl="0" algn="l">
+              <a:pPr marL="0" lvl="0" indent="0" algn="l" rtl="0">
                 <a:spcBef>
                   <a:spcPts val="0"/>
                 </a:spcBef>
@@ -6535,9 +6562,6 @@
                 </a:spcAft>
                 <a:buNone/>
               </a:pPr>
-              <a:r>
-                <a:t/>
-              </a:r>
               <a:endParaRPr/>
             </a:p>
           </p:txBody>
@@ -6554,9 +6578,13 @@
               <a:ext cx="380284" cy="858147"/>
             </a:xfrm>
             <a:custGeom>
-              <a:rect b="b" l="l" r="r" t="t"/>
+              <a:avLst/>
+              <a:gdLst/>
+              <a:ahLst/>
+              <a:cxnLst/>
+              <a:rect l="l" t="t" r="r" b="b"/>
               <a:pathLst>
-                <a:path extrusionOk="0" h="84860" w="37596">
+                <a:path w="37596" h="84860" extrusionOk="0">
                   <a:moveTo>
                     <a:pt x="19066" y="0"/>
                   </a:moveTo>
@@ -6585,7 +6613,9 @@
       <p:sp>
         <p:nvSpPr>
           <p:cNvPr id="79" name="Google Shape;79;p6"/>
-          <p:cNvSpPr txBox="1"/>
+          <p:cNvSpPr txBox="1">
+            <a:spLocks noGrp="1"/>
+          </p:cNvSpPr>
           <p:nvPr>
             <p:ph type="title"/>
           </p:nvPr>
@@ -6600,7 +6630,7 @@
           </a:prstGeom>
         </p:spPr>
         <p:txBody>
-          <a:bodyPr anchorCtr="0" anchor="b" bIns="91425" lIns="91425" spcFirstLastPara="1" rIns="91425" wrap="square" tIns="91425"/>
+          <a:bodyPr spcFirstLastPara="1" wrap="square" lIns="91425" tIns="91425" rIns="91425" bIns="91425" anchor="b" anchorCtr="0"/>
           <a:lstStyle>
             <a:lvl1pPr lvl="0">
               <a:spcBef>
@@ -6702,15 +6732,19 @@
               <a:defRPr/>
             </a:lvl9pPr>
           </a:lstStyle>
-          <a:p/>
+          <a:p>
+            <a:endParaRPr/>
+          </a:p>
         </p:txBody>
       </p:sp>
       <p:sp>
         <p:nvSpPr>
           <p:cNvPr id="80" name="Google Shape;80;p6"/>
-          <p:cNvSpPr txBox="1"/>
+          <p:cNvSpPr txBox="1">
+            <a:spLocks noGrp="1"/>
+          </p:cNvSpPr>
           <p:nvPr>
-            <p:ph idx="1" type="body"/>
+            <p:ph type="body" idx="1"/>
           </p:nvPr>
         </p:nvSpPr>
         <p:spPr>
@@ -6723,9 +6757,9 @@
           </a:prstGeom>
         </p:spPr>
         <p:txBody>
-          <a:bodyPr anchorCtr="0" anchor="t" bIns="91425" lIns="91425" spcFirstLastPara="1" rIns="91425" wrap="square" tIns="91425"/>
+          <a:bodyPr spcFirstLastPara="1" wrap="square" lIns="91425" tIns="91425" rIns="91425" bIns="91425" anchor="t" anchorCtr="0"/>
           <a:lstStyle>
-            <a:lvl1pPr indent="-342900" lvl="0" marL="457200">
+            <a:lvl1pPr marL="457200" lvl="0" indent="-342900">
               <a:spcBef>
                 <a:spcPts val="600"/>
               </a:spcBef>
@@ -6736,7 +6770,7 @@
               <a:buChar char="»"/>
               <a:defRPr sz="1800"/>
             </a:lvl1pPr>
-            <a:lvl2pPr indent="-342900" lvl="1" marL="914400">
+            <a:lvl2pPr marL="914400" lvl="1" indent="-342900">
               <a:spcBef>
                 <a:spcPts val="0"/>
               </a:spcBef>
@@ -6747,7 +6781,7 @@
               <a:buChar char="⋄"/>
               <a:defRPr sz="1800"/>
             </a:lvl2pPr>
-            <a:lvl3pPr indent="-342900" lvl="2" marL="1371600">
+            <a:lvl3pPr marL="1371600" lvl="2" indent="-342900">
               <a:spcBef>
                 <a:spcPts val="0"/>
               </a:spcBef>
@@ -6758,7 +6792,7 @@
               <a:buChar char="⋄"/>
               <a:defRPr sz="1800"/>
             </a:lvl3pPr>
-            <a:lvl4pPr indent="-342900" lvl="3" marL="1828800">
+            <a:lvl4pPr marL="1828800" lvl="3" indent="-342900">
               <a:spcBef>
                 <a:spcPts val="0"/>
               </a:spcBef>
@@ -6769,7 +6803,7 @@
               <a:buChar char="⋄"/>
               <a:defRPr sz="1800"/>
             </a:lvl4pPr>
-            <a:lvl5pPr indent="-342900" lvl="4" marL="2286000">
+            <a:lvl5pPr marL="2286000" lvl="4" indent="-342900">
               <a:spcBef>
                 <a:spcPts val="0"/>
               </a:spcBef>
@@ -6780,7 +6814,7 @@
               <a:buChar char="⋄"/>
               <a:defRPr sz="1800"/>
             </a:lvl5pPr>
-            <a:lvl6pPr indent="-342900" lvl="5" marL="2743200">
+            <a:lvl6pPr marL="2743200" lvl="5" indent="-342900">
               <a:spcBef>
                 <a:spcPts val="0"/>
               </a:spcBef>
@@ -6791,7 +6825,7 @@
               <a:buChar char="⋄"/>
               <a:defRPr sz="1800"/>
             </a:lvl6pPr>
-            <a:lvl7pPr indent="-342900" lvl="6" marL="3200400">
+            <a:lvl7pPr marL="3200400" lvl="6" indent="-342900">
               <a:spcBef>
                 <a:spcPts val="0"/>
               </a:spcBef>
@@ -6802,7 +6836,7 @@
               <a:buChar char="●"/>
               <a:defRPr sz="1800"/>
             </a:lvl7pPr>
-            <a:lvl8pPr indent="-342900" lvl="7" marL="3657600">
+            <a:lvl8pPr marL="3657600" lvl="7" indent="-342900">
               <a:spcBef>
                 <a:spcPts val="0"/>
               </a:spcBef>
@@ -6813,7 +6847,7 @@
               <a:buChar char="○"/>
               <a:defRPr sz="1800"/>
             </a:lvl8pPr>
-            <a:lvl9pPr indent="-342900" lvl="8" marL="4114800">
+            <a:lvl9pPr marL="4114800" lvl="8" indent="-342900">
               <a:spcBef>
                 <a:spcPts val="0"/>
               </a:spcBef>
@@ -6825,15 +6859,19 @@
               <a:defRPr sz="1800"/>
             </a:lvl9pPr>
           </a:lstStyle>
-          <a:p/>
+          <a:p>
+            <a:endParaRPr/>
+          </a:p>
         </p:txBody>
       </p:sp>
       <p:sp>
         <p:nvSpPr>
           <p:cNvPr id="81" name="Google Shape;81;p6"/>
-          <p:cNvSpPr txBox="1"/>
+          <p:cNvSpPr txBox="1">
+            <a:spLocks noGrp="1"/>
+          </p:cNvSpPr>
           <p:nvPr>
-            <p:ph idx="2" type="body"/>
+            <p:ph type="body" idx="2"/>
           </p:nvPr>
         </p:nvSpPr>
         <p:spPr>
@@ -6846,9 +6884,9 @@
           </a:prstGeom>
         </p:spPr>
         <p:txBody>
-          <a:bodyPr anchorCtr="0" anchor="t" bIns="91425" lIns="91425" spcFirstLastPara="1" rIns="91425" wrap="square" tIns="91425"/>
+          <a:bodyPr spcFirstLastPara="1" wrap="square" lIns="91425" tIns="91425" rIns="91425" bIns="91425" anchor="t" anchorCtr="0"/>
           <a:lstStyle>
-            <a:lvl1pPr indent="-342900" lvl="0" marL="457200">
+            <a:lvl1pPr marL="457200" lvl="0" indent="-342900">
               <a:spcBef>
                 <a:spcPts val="600"/>
               </a:spcBef>
@@ -6859,7 +6897,7 @@
               <a:buChar char="»"/>
               <a:defRPr sz="1800"/>
             </a:lvl1pPr>
-            <a:lvl2pPr indent="-342900" lvl="1" marL="914400">
+            <a:lvl2pPr marL="914400" lvl="1" indent="-342900">
               <a:spcBef>
                 <a:spcPts val="0"/>
               </a:spcBef>
@@ -6870,7 +6908,7 @@
               <a:buChar char="⋄"/>
               <a:defRPr sz="1800"/>
             </a:lvl2pPr>
-            <a:lvl3pPr indent="-342900" lvl="2" marL="1371600">
+            <a:lvl3pPr marL="1371600" lvl="2" indent="-342900">
               <a:spcBef>
                 <a:spcPts val="0"/>
               </a:spcBef>
@@ -6881,7 +6919,7 @@
               <a:buChar char="⋄"/>
               <a:defRPr sz="1800"/>
             </a:lvl3pPr>
-            <a:lvl4pPr indent="-342900" lvl="3" marL="1828800">
+            <a:lvl4pPr marL="1828800" lvl="3" indent="-342900">
               <a:spcBef>
                 <a:spcPts val="0"/>
               </a:spcBef>
@@ -6892,7 +6930,7 @@
               <a:buChar char="⋄"/>
               <a:defRPr sz="1800"/>
             </a:lvl4pPr>
-            <a:lvl5pPr indent="-342900" lvl="4" marL="2286000">
+            <a:lvl5pPr marL="2286000" lvl="4" indent="-342900">
               <a:spcBef>
                 <a:spcPts val="0"/>
               </a:spcBef>
@@ -6903,7 +6941,7 @@
               <a:buChar char="⋄"/>
               <a:defRPr sz="1800"/>
             </a:lvl5pPr>
-            <a:lvl6pPr indent="-342900" lvl="5" marL="2743200">
+            <a:lvl6pPr marL="2743200" lvl="5" indent="-342900">
               <a:spcBef>
                 <a:spcPts val="0"/>
               </a:spcBef>
@@ -6914,7 +6952,7 @@
               <a:buChar char="⋄"/>
               <a:defRPr sz="1800"/>
             </a:lvl6pPr>
-            <a:lvl7pPr indent="-342900" lvl="6" marL="3200400">
+            <a:lvl7pPr marL="3200400" lvl="6" indent="-342900">
               <a:spcBef>
                 <a:spcPts val="0"/>
               </a:spcBef>
@@ -6925,7 +6963,7 @@
               <a:buChar char="●"/>
               <a:defRPr sz="1800"/>
             </a:lvl7pPr>
-            <a:lvl8pPr indent="-342900" lvl="7" marL="3657600">
+            <a:lvl8pPr marL="3657600" lvl="7" indent="-342900">
               <a:spcBef>
                 <a:spcPts val="0"/>
               </a:spcBef>
@@ -6936,7 +6974,7 @@
               <a:buChar char="○"/>
               <a:defRPr sz="1800"/>
             </a:lvl8pPr>
-            <a:lvl9pPr indent="-342900" lvl="8" marL="4114800">
+            <a:lvl9pPr marL="4114800" lvl="8" indent="-342900">
               <a:spcBef>
                 <a:spcPts val="0"/>
               </a:spcBef>
@@ -6948,7 +6986,9 @@
               <a:defRPr sz="1800"/>
             </a:lvl9pPr>
           </a:lstStyle>
-          <a:p/>
+          <a:p>
+            <a:endParaRPr/>
+          </a:p>
         </p:txBody>
       </p:sp>
     </p:spTree>
@@ -6960,11 +7000,11 @@
 </file>
 
 <file path=ppt/slideLayouts/slideLayout6.xml><?xml version="1.0" encoding="utf-8"?>
-<p:sldLayout xmlns:a="http://schemas.openxmlformats.org/drawingml/2006/main" xmlns:r="http://schemas.openxmlformats.org/officeDocument/2006/relationships" xmlns:mc="http://schemas.openxmlformats.org/markup-compatibility/2006" xmlns:mv="urn:schemas-microsoft-com:mac:vml" xmlns:p="http://schemas.openxmlformats.org/presentationml/2006/main" xmlns:c="http://schemas.openxmlformats.org/drawingml/2006/chart" xmlns:dgm="http://schemas.openxmlformats.org/drawingml/2006/diagram" xmlns:o="urn:schemas-microsoft-com:office:office" xmlns:v="urn:schemas-microsoft-com:vml" xmlns:pvml="urn:schemas-microsoft-com:office:powerpoint" xmlns:com="http://schemas.openxmlformats.org/drawingml/2006/compatibility" xmlns:p14="http://schemas.microsoft.com/office/powerpoint/2010/main" xmlns:p15="http://schemas.microsoft.com/office/powerpoint/2012/main" matchingName="Title + 3 columns">
+<p:sldLayout xmlns:a="http://schemas.openxmlformats.org/drawingml/2006/main" xmlns:r="http://schemas.openxmlformats.org/officeDocument/2006/relationships" xmlns:p="http://schemas.openxmlformats.org/presentationml/2006/main" matchingName="Title + 3 columns">
   <p:cSld name="TITLE_AND_TWO_COLUMNS_1">
     <p:spTree>
       <p:nvGrpSpPr>
-        <p:cNvPr id="82" name="Shape 82"/>
+        <p:cNvPr id="1" name="Shape 82"/>
         <p:cNvGrpSpPr/>
         <p:nvPr/>
       </p:nvGrpSpPr>
@@ -6997,7 +7037,7 @@
             <p:nvPr/>
           </p:nvSpPr>
           <p:spPr>
-            <a:xfrm flipH="1" rot="9208626">
+            <a:xfrm rot="9208626" flipH="1">
               <a:off x="6704904" y="4110434"/>
               <a:ext cx="484232" cy="1204006"/>
             </a:xfrm>
@@ -7012,12 +7052,12 @@
             </a:ln>
           </p:spPr>
           <p:txBody>
-            <a:bodyPr anchorCtr="0" anchor="ctr" bIns="91425" lIns="91425" spcFirstLastPara="1" rIns="91425" wrap="square" tIns="91425">
+            <a:bodyPr spcFirstLastPara="1" wrap="square" lIns="91425" tIns="91425" rIns="91425" bIns="91425" anchor="ctr" anchorCtr="0">
               <a:noAutofit/>
             </a:bodyPr>
             <a:lstStyle/>
             <a:p>
-              <a:pPr indent="0" lvl="0" marL="0" rtl="0" algn="l">
+              <a:pPr marL="0" lvl="0" indent="0" algn="l" rtl="0">
                 <a:spcBef>
                   <a:spcPts val="0"/>
                 </a:spcBef>
@@ -7026,9 +7066,6 @@
                 </a:spcAft>
                 <a:buNone/>
               </a:pPr>
-              <a:r>
-                <a:t/>
-              </a:r>
               <a:endParaRPr/>
             </a:p>
           </p:txBody>
@@ -7040,7 +7077,7 @@
             <p:nvPr/>
           </p:nvSpPr>
           <p:spPr>
-            <a:xfrm flipH="1" rot="9208633">
+            <a:xfrm rot="9208633" flipH="1">
               <a:off x="7804300" y="3279013"/>
               <a:ext cx="877624" cy="2182136"/>
             </a:xfrm>
@@ -7055,12 +7092,12 @@
             </a:ln>
           </p:spPr>
           <p:txBody>
-            <a:bodyPr anchorCtr="0" anchor="ctr" bIns="91425" lIns="91425" spcFirstLastPara="1" rIns="91425" wrap="square" tIns="91425">
+            <a:bodyPr spcFirstLastPara="1" wrap="square" lIns="91425" tIns="91425" rIns="91425" bIns="91425" anchor="ctr" anchorCtr="0">
               <a:noAutofit/>
             </a:bodyPr>
             <a:lstStyle/>
             <a:p>
-              <a:pPr indent="0" lvl="0" marL="0" rtl="0" algn="l">
+              <a:pPr marL="0" lvl="0" indent="0" algn="l" rtl="0">
                 <a:spcBef>
                   <a:spcPts val="0"/>
                 </a:spcBef>
@@ -7069,9 +7106,6 @@
                 </a:spcAft>
                 <a:buNone/>
               </a:pPr>
-              <a:r>
-                <a:t/>
-              </a:r>
               <a:endParaRPr/>
             </a:p>
           </p:txBody>
@@ -7083,7 +7117,7 @@
             <p:nvPr/>
           </p:nvSpPr>
           <p:spPr>
-            <a:xfrm flipH="1" rot="9208606">
+            <a:xfrm rot="9208606" flipH="1">
               <a:off x="7481789" y="4276913"/>
               <a:ext cx="408796" cy="1016449"/>
             </a:xfrm>
@@ -7098,12 +7132,12 @@
             </a:ln>
           </p:spPr>
           <p:txBody>
-            <a:bodyPr anchorCtr="0" anchor="ctr" bIns="91425" lIns="91425" spcFirstLastPara="1" rIns="91425" wrap="square" tIns="91425">
+            <a:bodyPr spcFirstLastPara="1" wrap="square" lIns="91425" tIns="91425" rIns="91425" bIns="91425" anchor="ctr" anchorCtr="0">
               <a:noAutofit/>
             </a:bodyPr>
             <a:lstStyle/>
             <a:p>
-              <a:pPr indent="0" lvl="0" marL="0" rtl="0" algn="l">
+              <a:pPr marL="0" lvl="0" indent="0" algn="l" rtl="0">
                 <a:spcBef>
                   <a:spcPts val="0"/>
                 </a:spcBef>
@@ -7112,9 +7146,6 @@
                 </a:spcAft>
                 <a:buNone/>
               </a:pPr>
-              <a:r>
-                <a:t/>
-              </a:r>
               <a:endParaRPr/>
             </a:p>
           </p:txBody>
@@ -7126,7 +7157,7 @@
             <p:nvPr/>
           </p:nvSpPr>
           <p:spPr>
-            <a:xfrm flipH="1" rot="9208678">
+            <a:xfrm rot="9208678" flipH="1">
               <a:off x="6287617" y="4657701"/>
               <a:ext cx="229660" cy="571018"/>
             </a:xfrm>
@@ -7141,12 +7172,12 @@
             </a:ln>
           </p:spPr>
           <p:txBody>
-            <a:bodyPr anchorCtr="0" anchor="ctr" bIns="91425" lIns="91425" spcFirstLastPara="1" rIns="91425" wrap="square" tIns="91425">
+            <a:bodyPr spcFirstLastPara="1" wrap="square" lIns="91425" tIns="91425" rIns="91425" bIns="91425" anchor="ctr" anchorCtr="0">
               <a:noAutofit/>
             </a:bodyPr>
             <a:lstStyle/>
             <a:p>
-              <a:pPr indent="0" lvl="0" marL="0" rtl="0" algn="l">
+              <a:pPr marL="0" lvl="0" indent="0" algn="l" rtl="0">
                 <a:spcBef>
                   <a:spcPts val="0"/>
                 </a:spcBef>
@@ -7155,9 +7186,6 @@
                 </a:spcAft>
                 <a:buNone/>
               </a:pPr>
-              <a:r>
-                <a:t/>
-              </a:r>
               <a:endParaRPr/>
             </a:p>
           </p:txBody>
@@ -7174,9 +7202,13 @@
               <a:ext cx="854651" cy="1929080"/>
             </a:xfrm>
             <a:custGeom>
-              <a:rect b="b" l="l" r="r" t="t"/>
+              <a:avLst/>
+              <a:gdLst/>
+              <a:ahLst/>
+              <a:cxnLst/>
+              <a:rect l="l" t="t" r="r" b="b"/>
               <a:pathLst>
-                <a:path extrusionOk="0" h="84860" w="37596">
+                <a:path w="37596" h="84860" extrusionOk="0">
                   <a:moveTo>
                     <a:pt x="19066" y="0"/>
                   </a:moveTo>
@@ -7223,7 +7255,7 @@
             <p:nvPr/>
           </p:nvSpPr>
           <p:spPr>
-            <a:xfrm flipH="1" rot="-1591408">
+            <a:xfrm rot="-1591408" flipH="1">
               <a:off x="1362169" y="-63166"/>
               <a:ext cx="205103" cy="509980"/>
             </a:xfrm>
@@ -7238,12 +7270,12 @@
             </a:ln>
           </p:spPr>
           <p:txBody>
-            <a:bodyPr anchorCtr="0" anchor="ctr" bIns="91425" lIns="91425" spcFirstLastPara="1" rIns="91425" wrap="square" tIns="91425">
+            <a:bodyPr spcFirstLastPara="1" wrap="square" lIns="91425" tIns="91425" rIns="91425" bIns="91425" anchor="ctr" anchorCtr="0">
               <a:noAutofit/>
             </a:bodyPr>
             <a:lstStyle/>
             <a:p>
-              <a:pPr indent="0" lvl="0" marL="0" rtl="0" algn="l">
+              <a:pPr marL="0" lvl="0" indent="0" algn="l" rtl="0">
                 <a:spcBef>
                   <a:spcPts val="0"/>
                 </a:spcBef>
@@ -7252,9 +7284,6 @@
                 </a:spcAft>
                 <a:buNone/>
               </a:pPr>
-              <a:r>
-                <a:t/>
-              </a:r>
               <a:endParaRPr/>
             </a:p>
           </p:txBody>
@@ -7266,7 +7295,7 @@
             <p:nvPr/>
           </p:nvSpPr>
           <p:spPr>
-            <a:xfrm flipH="1" rot="-1591371">
+            <a:xfrm rot="-1591371" flipH="1">
               <a:off x="239463" y="-151890"/>
               <a:ext cx="434754" cy="1080980"/>
             </a:xfrm>
@@ -7281,12 +7310,12 @@
             </a:ln>
           </p:spPr>
           <p:txBody>
-            <a:bodyPr anchorCtr="0" anchor="ctr" bIns="91425" lIns="91425" spcFirstLastPara="1" rIns="91425" wrap="square" tIns="91425">
+            <a:bodyPr spcFirstLastPara="1" wrap="square" lIns="91425" tIns="91425" rIns="91425" bIns="91425" anchor="ctr" anchorCtr="0">
               <a:noAutofit/>
             </a:bodyPr>
             <a:lstStyle/>
             <a:p>
-              <a:pPr indent="0" lvl="0" marL="0" rtl="0" algn="l">
+              <a:pPr marL="0" lvl="0" indent="0" algn="l" rtl="0">
                 <a:spcBef>
                   <a:spcPts val="0"/>
                 </a:spcBef>
@@ -7295,9 +7324,6 @@
                 </a:spcAft>
                 <a:buNone/>
               </a:pPr>
-              <a:r>
-                <a:t/>
-              </a:r>
               <a:endParaRPr/>
             </a:p>
           </p:txBody>
@@ -7309,7 +7335,7 @@
             <p:nvPr/>
           </p:nvSpPr>
           <p:spPr>
-            <a:xfrm flipH="1" rot="-1591339">
+            <a:xfrm rot="-1591339" flipH="1">
               <a:off x="892401" y="-169347"/>
               <a:ext cx="504374" cy="1254067"/>
             </a:xfrm>
@@ -7324,12 +7350,12 @@
             </a:ln>
           </p:spPr>
           <p:txBody>
-            <a:bodyPr anchorCtr="0" anchor="ctr" bIns="91425" lIns="91425" spcFirstLastPara="1" rIns="91425" wrap="square" tIns="91425">
+            <a:bodyPr spcFirstLastPara="1" wrap="square" lIns="91425" tIns="91425" rIns="91425" bIns="91425" anchor="ctr" anchorCtr="0">
               <a:noAutofit/>
             </a:bodyPr>
             <a:lstStyle/>
             <a:p>
-              <a:pPr indent="0" lvl="0" marL="0" rtl="0" algn="l">
+              <a:pPr marL="0" lvl="0" indent="0" algn="l" rtl="0">
                 <a:spcBef>
                   <a:spcPts val="0"/>
                 </a:spcBef>
@@ -7338,9 +7364,6 @@
                 </a:spcAft>
                 <a:buNone/>
               </a:pPr>
-              <a:r>
-                <a:t/>
-              </a:r>
               <a:endParaRPr/>
             </a:p>
           </p:txBody>
@@ -7352,7 +7375,7 @@
             <p:nvPr/>
           </p:nvSpPr>
           <p:spPr>
-            <a:xfrm flipH="1" rot="-1591322">
+            <a:xfrm rot="-1591322" flipH="1">
               <a:off x="1818452" y="-76292"/>
               <a:ext cx="229660" cy="571018"/>
             </a:xfrm>
@@ -7367,12 +7390,12 @@
             </a:ln>
           </p:spPr>
           <p:txBody>
-            <a:bodyPr anchorCtr="0" anchor="ctr" bIns="91425" lIns="91425" spcFirstLastPara="1" rIns="91425" wrap="square" tIns="91425">
+            <a:bodyPr spcFirstLastPara="1" wrap="square" lIns="91425" tIns="91425" rIns="91425" bIns="91425" anchor="ctr" anchorCtr="0">
               <a:noAutofit/>
             </a:bodyPr>
             <a:lstStyle/>
             <a:p>
-              <a:pPr indent="0" lvl="0" marL="0" rtl="0" algn="l">
+              <a:pPr marL="0" lvl="0" indent="0" algn="l" rtl="0">
                 <a:spcBef>
                   <a:spcPts val="0"/>
                 </a:spcBef>
@@ -7381,9 +7404,6 @@
                 </a:spcAft>
                 <a:buNone/>
               </a:pPr>
-              <a:r>
-                <a:t/>
-              </a:r>
               <a:endParaRPr/>
             </a:p>
           </p:txBody>
@@ -7400,9 +7420,13 @@
               <a:ext cx="380284" cy="858147"/>
             </a:xfrm>
             <a:custGeom>
-              <a:rect b="b" l="l" r="r" t="t"/>
+              <a:avLst/>
+              <a:gdLst/>
+              <a:ahLst/>
+              <a:cxnLst/>
+              <a:rect l="l" t="t" r="r" b="b"/>
               <a:pathLst>
-                <a:path extrusionOk="0" h="84860" w="37596">
+                <a:path w="37596" h="84860" extrusionOk="0">
                   <a:moveTo>
                     <a:pt x="19066" y="0"/>
                   </a:moveTo>
@@ -7431,7 +7455,9 @@
       <p:sp>
         <p:nvSpPr>
           <p:cNvPr id="95" name="Google Shape;95;p7"/>
-          <p:cNvSpPr txBox="1"/>
+          <p:cNvSpPr txBox="1">
+            <a:spLocks noGrp="1"/>
+          </p:cNvSpPr>
           <p:nvPr>
             <p:ph type="title"/>
           </p:nvPr>
@@ -7446,7 +7472,7 @@
           </a:prstGeom>
         </p:spPr>
         <p:txBody>
-          <a:bodyPr anchorCtr="0" anchor="b" bIns="91425" lIns="91425" spcFirstLastPara="1" rIns="91425" wrap="square" tIns="91425"/>
+          <a:bodyPr spcFirstLastPara="1" wrap="square" lIns="91425" tIns="91425" rIns="91425" bIns="91425" anchor="b" anchorCtr="0"/>
           <a:lstStyle>
             <a:lvl1pPr lvl="0" rtl="0">
               <a:spcBef>
@@ -7548,15 +7574,19 @@
               <a:defRPr/>
             </a:lvl9pPr>
           </a:lstStyle>
-          <a:p/>
+          <a:p>
+            <a:endParaRPr/>
+          </a:p>
         </p:txBody>
       </p:sp>
       <p:sp>
         <p:nvSpPr>
           <p:cNvPr id="96" name="Google Shape;96;p7"/>
-          <p:cNvSpPr txBox="1"/>
+          <p:cNvSpPr txBox="1">
+            <a:spLocks noGrp="1"/>
+          </p:cNvSpPr>
           <p:nvPr>
-            <p:ph idx="1" type="body"/>
+            <p:ph type="body" idx="1"/>
           </p:nvPr>
         </p:nvSpPr>
         <p:spPr>
@@ -7569,9 +7599,9 @@
           </a:prstGeom>
         </p:spPr>
         <p:txBody>
-          <a:bodyPr anchorCtr="0" anchor="t" bIns="91425" lIns="91425" spcFirstLastPara="1" rIns="91425" wrap="square" tIns="91425"/>
+          <a:bodyPr spcFirstLastPara="1" wrap="square" lIns="91425" tIns="91425" rIns="91425" bIns="91425" anchor="t" anchorCtr="0"/>
           <a:lstStyle>
-            <a:lvl1pPr indent="-330200" lvl="0" marL="457200" rtl="0">
+            <a:lvl1pPr marL="457200" lvl="0" indent="-330200" rtl="0">
               <a:spcBef>
                 <a:spcPts val="600"/>
               </a:spcBef>
@@ -7582,7 +7612,7 @@
               <a:buChar char="»"/>
               <a:defRPr sz="1600"/>
             </a:lvl1pPr>
-            <a:lvl2pPr indent="-330200" lvl="1" marL="914400" rtl="0">
+            <a:lvl2pPr marL="914400" lvl="1" indent="-330200" rtl="0">
               <a:spcBef>
                 <a:spcPts val="0"/>
               </a:spcBef>
@@ -7593,7 +7623,7 @@
               <a:buChar char="⋄"/>
               <a:defRPr sz="1600"/>
             </a:lvl2pPr>
-            <a:lvl3pPr indent="-330200" lvl="2" marL="1371600" rtl="0">
+            <a:lvl3pPr marL="1371600" lvl="2" indent="-330200" rtl="0">
               <a:spcBef>
                 <a:spcPts val="0"/>
               </a:spcBef>
@@ -7604,7 +7634,7 @@
               <a:buChar char="⋄"/>
               <a:defRPr sz="1600"/>
             </a:lvl3pPr>
-            <a:lvl4pPr indent="-330200" lvl="3" marL="1828800" rtl="0">
+            <a:lvl4pPr marL="1828800" lvl="3" indent="-330200" rtl="0">
               <a:spcBef>
                 <a:spcPts val="0"/>
               </a:spcBef>
@@ -7615,7 +7645,7 @@
               <a:buChar char="⋄"/>
               <a:defRPr sz="1600"/>
             </a:lvl4pPr>
-            <a:lvl5pPr indent="-330200" lvl="4" marL="2286000" rtl="0">
+            <a:lvl5pPr marL="2286000" lvl="4" indent="-330200" rtl="0">
               <a:spcBef>
                 <a:spcPts val="0"/>
               </a:spcBef>
@@ -7626,7 +7656,7 @@
               <a:buChar char="⋄"/>
               <a:defRPr sz="1600"/>
             </a:lvl5pPr>
-            <a:lvl6pPr indent="-330200" lvl="5" marL="2743200" rtl="0">
+            <a:lvl6pPr marL="2743200" lvl="5" indent="-330200" rtl="0">
               <a:spcBef>
                 <a:spcPts val="0"/>
               </a:spcBef>
@@ -7637,7 +7667,7 @@
               <a:buChar char="⋄"/>
               <a:defRPr sz="1600"/>
             </a:lvl6pPr>
-            <a:lvl7pPr indent="-330200" lvl="6" marL="3200400" rtl="0">
+            <a:lvl7pPr marL="3200400" lvl="6" indent="-330200" rtl="0">
               <a:spcBef>
                 <a:spcPts val="0"/>
               </a:spcBef>
@@ -7648,7 +7678,7 @@
               <a:buChar char="●"/>
               <a:defRPr sz="1600"/>
             </a:lvl7pPr>
-            <a:lvl8pPr indent="-330200" lvl="7" marL="3657600" rtl="0">
+            <a:lvl8pPr marL="3657600" lvl="7" indent="-330200" rtl="0">
               <a:spcBef>
                 <a:spcPts val="0"/>
               </a:spcBef>
@@ -7659,7 +7689,7 @@
               <a:buChar char="○"/>
               <a:defRPr sz="1600"/>
             </a:lvl8pPr>
-            <a:lvl9pPr indent="-330200" lvl="8" marL="4114800" rtl="0">
+            <a:lvl9pPr marL="4114800" lvl="8" indent="-330200" rtl="0">
               <a:spcBef>
                 <a:spcPts val="0"/>
               </a:spcBef>
@@ -7671,15 +7701,19 @@
               <a:defRPr sz="1600"/>
             </a:lvl9pPr>
           </a:lstStyle>
-          <a:p/>
+          <a:p>
+            <a:endParaRPr/>
+          </a:p>
         </p:txBody>
       </p:sp>
       <p:sp>
         <p:nvSpPr>
           <p:cNvPr id="97" name="Google Shape;97;p7"/>
-          <p:cNvSpPr txBox="1"/>
+          <p:cNvSpPr txBox="1">
+            <a:spLocks noGrp="1"/>
+          </p:cNvSpPr>
           <p:nvPr>
-            <p:ph idx="2" type="body"/>
+            <p:ph type="body" idx="2"/>
           </p:nvPr>
         </p:nvSpPr>
         <p:spPr>
@@ -7692,9 +7726,9 @@
           </a:prstGeom>
         </p:spPr>
         <p:txBody>
-          <a:bodyPr anchorCtr="0" anchor="t" bIns="91425" lIns="91425" spcFirstLastPara="1" rIns="91425" wrap="square" tIns="91425"/>
+          <a:bodyPr spcFirstLastPara="1" wrap="square" lIns="91425" tIns="91425" rIns="91425" bIns="91425" anchor="t" anchorCtr="0"/>
           <a:lstStyle>
-            <a:lvl1pPr indent="-330200" lvl="0" marL="457200" rtl="0">
+            <a:lvl1pPr marL="457200" lvl="0" indent="-330200" rtl="0">
               <a:spcBef>
                 <a:spcPts val="600"/>
               </a:spcBef>
@@ -7705,7 +7739,7 @@
               <a:buChar char="»"/>
               <a:defRPr sz="1600"/>
             </a:lvl1pPr>
-            <a:lvl2pPr indent="-330200" lvl="1" marL="914400" rtl="0">
+            <a:lvl2pPr marL="914400" lvl="1" indent="-330200" rtl="0">
               <a:spcBef>
                 <a:spcPts val="0"/>
               </a:spcBef>
@@ -7716,7 +7750,7 @@
               <a:buChar char="⋄"/>
               <a:defRPr sz="1600"/>
             </a:lvl2pPr>
-            <a:lvl3pPr indent="-330200" lvl="2" marL="1371600" rtl="0">
+            <a:lvl3pPr marL="1371600" lvl="2" indent="-330200" rtl="0">
               <a:spcBef>
                 <a:spcPts val="0"/>
               </a:spcBef>
@@ -7727,7 +7761,7 @@
               <a:buChar char="⋄"/>
               <a:defRPr sz="1600"/>
             </a:lvl3pPr>
-            <a:lvl4pPr indent="-330200" lvl="3" marL="1828800" rtl="0">
+            <a:lvl4pPr marL="1828800" lvl="3" indent="-330200" rtl="0">
               <a:spcBef>
                 <a:spcPts val="0"/>
               </a:spcBef>
@@ -7738,7 +7772,7 @@
               <a:buChar char="⋄"/>
               <a:defRPr sz="1600"/>
             </a:lvl4pPr>
-            <a:lvl5pPr indent="-330200" lvl="4" marL="2286000" rtl="0">
+            <a:lvl5pPr marL="2286000" lvl="4" indent="-330200" rtl="0">
               <a:spcBef>
                 <a:spcPts val="0"/>
               </a:spcBef>
@@ -7749,7 +7783,7 @@
               <a:buChar char="⋄"/>
               <a:defRPr sz="1600"/>
             </a:lvl5pPr>
-            <a:lvl6pPr indent="-330200" lvl="5" marL="2743200" rtl="0">
+            <a:lvl6pPr marL="2743200" lvl="5" indent="-330200" rtl="0">
               <a:spcBef>
                 <a:spcPts val="0"/>
               </a:spcBef>
@@ -7760,7 +7794,7 @@
               <a:buChar char="⋄"/>
               <a:defRPr sz="1600"/>
             </a:lvl6pPr>
-            <a:lvl7pPr indent="-330200" lvl="6" marL="3200400" rtl="0">
+            <a:lvl7pPr marL="3200400" lvl="6" indent="-330200" rtl="0">
               <a:spcBef>
                 <a:spcPts val="0"/>
               </a:spcBef>
@@ -7771,7 +7805,7 @@
               <a:buChar char="●"/>
               <a:defRPr sz="1600"/>
             </a:lvl7pPr>
-            <a:lvl8pPr indent="-330200" lvl="7" marL="3657600" rtl="0">
+            <a:lvl8pPr marL="3657600" lvl="7" indent="-330200" rtl="0">
               <a:spcBef>
                 <a:spcPts val="0"/>
               </a:spcBef>
@@ -7782,7 +7816,7 @@
               <a:buChar char="○"/>
               <a:defRPr sz="1600"/>
             </a:lvl8pPr>
-            <a:lvl9pPr indent="-330200" lvl="8" marL="4114800" rtl="0">
+            <a:lvl9pPr marL="4114800" lvl="8" indent="-330200" rtl="0">
               <a:spcBef>
                 <a:spcPts val="0"/>
               </a:spcBef>
@@ -7794,15 +7828,19 @@
               <a:defRPr sz="1600"/>
             </a:lvl9pPr>
           </a:lstStyle>
-          <a:p/>
+          <a:p>
+            <a:endParaRPr/>
+          </a:p>
         </p:txBody>
       </p:sp>
       <p:sp>
         <p:nvSpPr>
           <p:cNvPr id="98" name="Google Shape;98;p7"/>
-          <p:cNvSpPr txBox="1"/>
+          <p:cNvSpPr txBox="1">
+            <a:spLocks noGrp="1"/>
+          </p:cNvSpPr>
           <p:nvPr>
-            <p:ph idx="3" type="body"/>
+            <p:ph type="body" idx="3"/>
           </p:nvPr>
         </p:nvSpPr>
         <p:spPr>
@@ -7815,9 +7853,9 @@
           </a:prstGeom>
         </p:spPr>
         <p:txBody>
-          <a:bodyPr anchorCtr="0" anchor="t" bIns="91425" lIns="91425" spcFirstLastPara="1" rIns="91425" wrap="square" tIns="91425"/>
+          <a:bodyPr spcFirstLastPara="1" wrap="square" lIns="91425" tIns="91425" rIns="91425" bIns="91425" anchor="t" anchorCtr="0"/>
           <a:lstStyle>
-            <a:lvl1pPr indent="-330200" lvl="0" marL="457200" rtl="0">
+            <a:lvl1pPr marL="457200" lvl="0" indent="-330200" rtl="0">
               <a:spcBef>
                 <a:spcPts val="600"/>
               </a:spcBef>
@@ -7828,7 +7866,7 @@
               <a:buChar char="»"/>
               <a:defRPr sz="1600"/>
             </a:lvl1pPr>
-            <a:lvl2pPr indent="-330200" lvl="1" marL="914400" rtl="0">
+            <a:lvl2pPr marL="914400" lvl="1" indent="-330200" rtl="0">
               <a:spcBef>
                 <a:spcPts val="0"/>
               </a:spcBef>
@@ -7839,7 +7877,7 @@
               <a:buChar char="⋄"/>
               <a:defRPr sz="1600"/>
             </a:lvl2pPr>
-            <a:lvl3pPr indent="-330200" lvl="2" marL="1371600" rtl="0">
+            <a:lvl3pPr marL="1371600" lvl="2" indent="-330200" rtl="0">
               <a:spcBef>
                 <a:spcPts val="0"/>
               </a:spcBef>
@@ -7850,7 +7888,7 @@
               <a:buChar char="⋄"/>
               <a:defRPr sz="1600"/>
             </a:lvl3pPr>
-            <a:lvl4pPr indent="-330200" lvl="3" marL="1828800" rtl="0">
+            <a:lvl4pPr marL="1828800" lvl="3" indent="-330200" rtl="0">
               <a:spcBef>
                 <a:spcPts val="0"/>
               </a:spcBef>
@@ -7861,7 +7899,7 @@
               <a:buChar char="⋄"/>
               <a:defRPr sz="1600"/>
             </a:lvl4pPr>
-            <a:lvl5pPr indent="-330200" lvl="4" marL="2286000" rtl="0">
+            <a:lvl5pPr marL="2286000" lvl="4" indent="-330200" rtl="0">
               <a:spcBef>
                 <a:spcPts val="0"/>
               </a:spcBef>
@@ -7872,7 +7910,7 @@
               <a:buChar char="⋄"/>
               <a:defRPr sz="1600"/>
             </a:lvl5pPr>
-            <a:lvl6pPr indent="-330200" lvl="5" marL="2743200" rtl="0">
+            <a:lvl6pPr marL="2743200" lvl="5" indent="-330200" rtl="0">
               <a:spcBef>
                 <a:spcPts val="0"/>
               </a:spcBef>
@@ -7883,7 +7921,7 @@
               <a:buChar char="⋄"/>
               <a:defRPr sz="1600"/>
             </a:lvl6pPr>
-            <a:lvl7pPr indent="-330200" lvl="6" marL="3200400" rtl="0">
+            <a:lvl7pPr marL="3200400" lvl="6" indent="-330200" rtl="0">
               <a:spcBef>
                 <a:spcPts val="0"/>
               </a:spcBef>
@@ -7894,7 +7932,7 @@
               <a:buChar char="●"/>
               <a:defRPr sz="1600"/>
             </a:lvl7pPr>
-            <a:lvl8pPr indent="-330200" lvl="7" marL="3657600" rtl="0">
+            <a:lvl8pPr marL="3657600" lvl="7" indent="-330200" rtl="0">
               <a:spcBef>
                 <a:spcPts val="0"/>
               </a:spcBef>
@@ -7905,7 +7943,7 @@
               <a:buChar char="○"/>
               <a:defRPr sz="1600"/>
             </a:lvl8pPr>
-            <a:lvl9pPr indent="-330200" lvl="8" marL="4114800" rtl="0">
+            <a:lvl9pPr marL="4114800" lvl="8" indent="-330200" rtl="0">
               <a:spcBef>
                 <a:spcPts val="0"/>
               </a:spcBef>
@@ -7917,7 +7955,9 @@
               <a:defRPr sz="1600"/>
             </a:lvl9pPr>
           </a:lstStyle>
-          <a:p/>
+          <a:p>
+            <a:endParaRPr/>
+          </a:p>
         </p:txBody>
       </p:sp>
     </p:spTree>
@@ -7929,11 +7969,11 @@
 </file>
 
 <file path=ppt/slideLayouts/slideLayout7.xml><?xml version="1.0" encoding="utf-8"?>
-<p:sldLayout xmlns:a="http://schemas.openxmlformats.org/drawingml/2006/main" xmlns:r="http://schemas.openxmlformats.org/officeDocument/2006/relationships" xmlns:mc="http://schemas.openxmlformats.org/markup-compatibility/2006" xmlns:mv="urn:schemas-microsoft-com:mac:vml" xmlns:p="http://schemas.openxmlformats.org/presentationml/2006/main" xmlns:c="http://schemas.openxmlformats.org/drawingml/2006/chart" xmlns:dgm="http://schemas.openxmlformats.org/drawingml/2006/diagram" xmlns:o="urn:schemas-microsoft-com:office:office" xmlns:v="urn:schemas-microsoft-com:vml" xmlns:pvml="urn:schemas-microsoft-com:office:powerpoint" xmlns:com="http://schemas.openxmlformats.org/drawingml/2006/compatibility" xmlns:p14="http://schemas.microsoft.com/office/powerpoint/2010/main" xmlns:p15="http://schemas.microsoft.com/office/powerpoint/2012/main" matchingName="Title only" type="titleOnly">
+<p:sldLayout xmlns:a="http://schemas.openxmlformats.org/drawingml/2006/main" xmlns:r="http://schemas.openxmlformats.org/officeDocument/2006/relationships" xmlns:p="http://schemas.openxmlformats.org/presentationml/2006/main" matchingName="Title only" type="titleOnly">
   <p:cSld name="TITLE_ONLY">
     <p:spTree>
       <p:nvGrpSpPr>
-        <p:cNvPr id="99" name="Shape 99"/>
+        <p:cNvPr id="1" name="Shape 99"/>
         <p:cNvGrpSpPr/>
         <p:nvPr/>
       </p:nvGrpSpPr>
@@ -7966,7 +8006,7 @@
             <p:nvPr/>
           </p:nvSpPr>
           <p:spPr>
-            <a:xfrm flipH="1" rot="9208626">
+            <a:xfrm rot="9208626" flipH="1">
               <a:off x="6704904" y="4110434"/>
               <a:ext cx="484232" cy="1204006"/>
             </a:xfrm>
@@ -7981,12 +8021,12 @@
             </a:ln>
           </p:spPr>
           <p:txBody>
-            <a:bodyPr anchorCtr="0" anchor="ctr" bIns="91425" lIns="91425" spcFirstLastPara="1" rIns="91425" wrap="square" tIns="91425">
+            <a:bodyPr spcFirstLastPara="1" wrap="square" lIns="91425" tIns="91425" rIns="91425" bIns="91425" anchor="ctr" anchorCtr="0">
               <a:noAutofit/>
             </a:bodyPr>
             <a:lstStyle/>
             <a:p>
-              <a:pPr indent="0" lvl="0" marL="0" rtl="0" algn="l">
+              <a:pPr marL="0" lvl="0" indent="0" algn="l" rtl="0">
                 <a:spcBef>
                   <a:spcPts val="0"/>
                 </a:spcBef>
@@ -7995,9 +8035,6 @@
                 </a:spcAft>
                 <a:buNone/>
               </a:pPr>
-              <a:r>
-                <a:t/>
-              </a:r>
               <a:endParaRPr/>
             </a:p>
           </p:txBody>
@@ -8009,7 +8046,7 @@
             <p:nvPr/>
           </p:nvSpPr>
           <p:spPr>
-            <a:xfrm flipH="1" rot="9208633">
+            <a:xfrm rot="9208633" flipH="1">
               <a:off x="7804300" y="3279013"/>
               <a:ext cx="877624" cy="2182136"/>
             </a:xfrm>
@@ -8024,12 +8061,12 @@
             </a:ln>
           </p:spPr>
           <p:txBody>
-            <a:bodyPr anchorCtr="0" anchor="ctr" bIns="91425" lIns="91425" spcFirstLastPara="1" rIns="91425" wrap="square" tIns="91425">
+            <a:bodyPr spcFirstLastPara="1" wrap="square" lIns="91425" tIns="91425" rIns="91425" bIns="91425" anchor="ctr" anchorCtr="0">
               <a:noAutofit/>
             </a:bodyPr>
             <a:lstStyle/>
             <a:p>
-              <a:pPr indent="0" lvl="0" marL="0" rtl="0" algn="l">
+              <a:pPr marL="0" lvl="0" indent="0" algn="l" rtl="0">
                 <a:spcBef>
                   <a:spcPts val="0"/>
                 </a:spcBef>
@@ -8038,9 +8075,6 @@
                 </a:spcAft>
                 <a:buNone/>
               </a:pPr>
-              <a:r>
-                <a:t/>
-              </a:r>
               <a:endParaRPr/>
             </a:p>
           </p:txBody>
@@ -8052,7 +8086,7 @@
             <p:nvPr/>
           </p:nvSpPr>
           <p:spPr>
-            <a:xfrm flipH="1" rot="9208606">
+            <a:xfrm rot="9208606" flipH="1">
               <a:off x="7481789" y="4276913"/>
               <a:ext cx="408796" cy="1016449"/>
             </a:xfrm>
@@ -8067,12 +8101,12 @@
             </a:ln>
           </p:spPr>
           <p:txBody>
-            <a:bodyPr anchorCtr="0" anchor="ctr" bIns="91425" lIns="91425" spcFirstLastPara="1" rIns="91425" wrap="square" tIns="91425">
+            <a:bodyPr spcFirstLastPara="1" wrap="square" lIns="91425" tIns="91425" rIns="91425" bIns="91425" anchor="ctr" anchorCtr="0">
               <a:noAutofit/>
             </a:bodyPr>
             <a:lstStyle/>
             <a:p>
-              <a:pPr indent="0" lvl="0" marL="0" rtl="0" algn="l">
+              <a:pPr marL="0" lvl="0" indent="0" algn="l" rtl="0">
                 <a:spcBef>
                   <a:spcPts val="0"/>
                 </a:spcBef>
@@ -8081,9 +8115,6 @@
                 </a:spcAft>
                 <a:buNone/>
               </a:pPr>
-              <a:r>
-                <a:t/>
-              </a:r>
               <a:endParaRPr/>
             </a:p>
           </p:txBody>
@@ -8095,7 +8126,7 @@
             <p:nvPr/>
           </p:nvSpPr>
           <p:spPr>
-            <a:xfrm flipH="1" rot="9208678">
+            <a:xfrm rot="9208678" flipH="1">
               <a:off x="6287617" y="4657701"/>
               <a:ext cx="229660" cy="571018"/>
             </a:xfrm>
@@ -8110,12 +8141,12 @@
             </a:ln>
           </p:spPr>
           <p:txBody>
-            <a:bodyPr anchorCtr="0" anchor="ctr" bIns="91425" lIns="91425" spcFirstLastPara="1" rIns="91425" wrap="square" tIns="91425">
+            <a:bodyPr spcFirstLastPara="1" wrap="square" lIns="91425" tIns="91425" rIns="91425" bIns="91425" anchor="ctr" anchorCtr="0">
               <a:noAutofit/>
             </a:bodyPr>
             <a:lstStyle/>
             <a:p>
-              <a:pPr indent="0" lvl="0" marL="0" rtl="0" algn="l">
+              <a:pPr marL="0" lvl="0" indent="0" algn="l" rtl="0">
                 <a:spcBef>
                   <a:spcPts val="0"/>
                 </a:spcBef>
@@ -8124,9 +8155,6 @@
                 </a:spcAft>
                 <a:buNone/>
               </a:pPr>
-              <a:r>
-                <a:t/>
-              </a:r>
               <a:endParaRPr/>
             </a:p>
           </p:txBody>
@@ -8143,9 +8171,13 @@
               <a:ext cx="854651" cy="1929080"/>
             </a:xfrm>
             <a:custGeom>
-              <a:rect b="b" l="l" r="r" t="t"/>
+              <a:avLst/>
+              <a:gdLst/>
+              <a:ahLst/>
+              <a:cxnLst/>
+              <a:rect l="l" t="t" r="r" b="b"/>
               <a:pathLst>
-                <a:path extrusionOk="0" h="84860" w="37596">
+                <a:path w="37596" h="84860" extrusionOk="0">
                   <a:moveTo>
                     <a:pt x="19066" y="0"/>
                   </a:moveTo>
@@ -8192,7 +8224,7 @@
             <p:nvPr/>
           </p:nvSpPr>
           <p:spPr>
-            <a:xfrm flipH="1" rot="-1591408">
+            <a:xfrm rot="-1591408" flipH="1">
               <a:off x="1362169" y="-63166"/>
               <a:ext cx="205103" cy="509980"/>
             </a:xfrm>
@@ -8207,12 +8239,12 @@
             </a:ln>
           </p:spPr>
           <p:txBody>
-            <a:bodyPr anchorCtr="0" anchor="ctr" bIns="91425" lIns="91425" spcFirstLastPara="1" rIns="91425" wrap="square" tIns="91425">
+            <a:bodyPr spcFirstLastPara="1" wrap="square" lIns="91425" tIns="91425" rIns="91425" bIns="91425" anchor="ctr" anchorCtr="0">
               <a:noAutofit/>
             </a:bodyPr>
             <a:lstStyle/>
             <a:p>
-              <a:pPr indent="0" lvl="0" marL="0" rtl="0" algn="l">
+              <a:pPr marL="0" lvl="0" indent="0" algn="l" rtl="0">
                 <a:spcBef>
                   <a:spcPts val="0"/>
                 </a:spcBef>
@@ -8221,9 +8253,6 @@
                 </a:spcAft>
                 <a:buNone/>
               </a:pPr>
-              <a:r>
-                <a:t/>
-              </a:r>
               <a:endParaRPr/>
             </a:p>
           </p:txBody>
@@ -8235,7 +8264,7 @@
             <p:nvPr/>
           </p:nvSpPr>
           <p:spPr>
-            <a:xfrm flipH="1" rot="-1591371">
+            <a:xfrm rot="-1591371" flipH="1">
               <a:off x="239463" y="-151890"/>
               <a:ext cx="434754" cy="1080980"/>
             </a:xfrm>
@@ -8250,12 +8279,12 @@
             </a:ln>
           </p:spPr>
           <p:txBody>
-            <a:bodyPr anchorCtr="0" anchor="ctr" bIns="91425" lIns="91425" spcFirstLastPara="1" rIns="91425" wrap="square" tIns="91425">
+            <a:bodyPr spcFirstLastPara="1" wrap="square" lIns="91425" tIns="91425" rIns="91425" bIns="91425" anchor="ctr" anchorCtr="0">
               <a:noAutofit/>
             </a:bodyPr>
             <a:lstStyle/>
             <a:p>
-              <a:pPr indent="0" lvl="0" marL="0" rtl="0" algn="l">
+              <a:pPr marL="0" lvl="0" indent="0" algn="l" rtl="0">
                 <a:spcBef>
                   <a:spcPts val="0"/>
                 </a:spcBef>
@@ -8264,9 +8293,6 @@
                 </a:spcAft>
                 <a:buNone/>
               </a:pPr>
-              <a:r>
-                <a:t/>
-              </a:r>
               <a:endParaRPr/>
             </a:p>
           </p:txBody>
@@ -8278,7 +8304,7 @@
             <p:nvPr/>
           </p:nvSpPr>
           <p:spPr>
-            <a:xfrm flipH="1" rot="-1591339">
+            <a:xfrm rot="-1591339" flipH="1">
               <a:off x="892401" y="-169347"/>
               <a:ext cx="504374" cy="1254067"/>
             </a:xfrm>
@@ -8293,12 +8319,12 @@
             </a:ln>
           </p:spPr>
           <p:txBody>
-            <a:bodyPr anchorCtr="0" anchor="ctr" bIns="91425" lIns="91425" spcFirstLastPara="1" rIns="91425" wrap="square" tIns="91425">
+            <a:bodyPr spcFirstLastPara="1" wrap="square" lIns="91425" tIns="91425" rIns="91425" bIns="91425" anchor="ctr" anchorCtr="0">
               <a:noAutofit/>
             </a:bodyPr>
             <a:lstStyle/>
             <a:p>
-              <a:pPr indent="0" lvl="0" marL="0" rtl="0" algn="l">
+              <a:pPr marL="0" lvl="0" indent="0" algn="l" rtl="0">
                 <a:spcBef>
                   <a:spcPts val="0"/>
                 </a:spcBef>
@@ -8307,9 +8333,6 @@
                 </a:spcAft>
                 <a:buNone/>
               </a:pPr>
-              <a:r>
-                <a:t/>
-              </a:r>
               <a:endParaRPr/>
             </a:p>
           </p:txBody>
@@ -8321,7 +8344,7 @@
             <p:nvPr/>
           </p:nvSpPr>
           <p:spPr>
-            <a:xfrm flipH="1" rot="-1591322">
+            <a:xfrm rot="-1591322" flipH="1">
               <a:off x="1818452" y="-76292"/>
               <a:ext cx="229660" cy="571018"/>
             </a:xfrm>
@@ -8336,12 +8359,12 @@
             </a:ln>
           </p:spPr>
           <p:txBody>
-            <a:bodyPr anchorCtr="0" anchor="ctr" bIns="91425" lIns="91425" spcFirstLastPara="1" rIns="91425" wrap="square" tIns="91425">
+            <a:bodyPr spcFirstLastPara="1" wrap="square" lIns="91425" tIns="91425" rIns="91425" bIns="91425" anchor="ctr" anchorCtr="0">
               <a:noAutofit/>
             </a:bodyPr>
             <a:lstStyle/>
             <a:p>
-              <a:pPr indent="0" lvl="0" marL="0" rtl="0" algn="l">
+              <a:pPr marL="0" lvl="0" indent="0" algn="l" rtl="0">
                 <a:spcBef>
                   <a:spcPts val="0"/>
                 </a:spcBef>
@@ -8350,9 +8373,6 @@
                 </a:spcAft>
                 <a:buNone/>
               </a:pPr>
-              <a:r>
-                <a:t/>
-              </a:r>
               <a:endParaRPr/>
             </a:p>
           </p:txBody>
@@ -8369,9 +8389,13 @@
               <a:ext cx="380284" cy="858147"/>
             </a:xfrm>
             <a:custGeom>
-              <a:rect b="b" l="l" r="r" t="t"/>
+              <a:avLst/>
+              <a:gdLst/>
+              <a:ahLst/>
+              <a:cxnLst/>
+              <a:rect l="l" t="t" r="r" b="b"/>
               <a:pathLst>
-                <a:path extrusionOk="0" h="84860" w="37596">
+                <a:path w="37596" h="84860" extrusionOk="0">
                   <a:moveTo>
                     <a:pt x="19066" y="0"/>
                   </a:moveTo>
@@ -8400,7 +8424,9 @@
       <p:sp>
         <p:nvSpPr>
           <p:cNvPr id="112" name="Google Shape;112;p8"/>
-          <p:cNvSpPr txBox="1"/>
+          <p:cNvSpPr txBox="1">
+            <a:spLocks noGrp="1"/>
+          </p:cNvSpPr>
           <p:nvPr>
             <p:ph type="title"/>
           </p:nvPr>
@@ -8415,7 +8441,7 @@
           </a:prstGeom>
         </p:spPr>
         <p:txBody>
-          <a:bodyPr anchorCtr="0" anchor="b" bIns="91425" lIns="91425" spcFirstLastPara="1" rIns="91425" wrap="square" tIns="91425"/>
+          <a:bodyPr spcFirstLastPara="1" wrap="square" lIns="91425" tIns="91425" rIns="91425" bIns="91425" anchor="b" anchorCtr="0"/>
           <a:lstStyle>
             <a:lvl1pPr lvl="0">
               <a:spcBef>
@@ -8517,7 +8543,9 @@
               <a:defRPr/>
             </a:lvl9pPr>
           </a:lstStyle>
-          <a:p/>
+          <a:p>
+            <a:endParaRPr/>
+          </a:p>
         </p:txBody>
       </p:sp>
     </p:spTree>
@@ -8529,11 +8557,11 @@
 </file>
 
 <file path=ppt/slideLayouts/slideLayout8.xml><?xml version="1.0" encoding="utf-8"?>
-<p:sldLayout xmlns:a="http://schemas.openxmlformats.org/drawingml/2006/main" xmlns:r="http://schemas.openxmlformats.org/officeDocument/2006/relationships" xmlns:mc="http://schemas.openxmlformats.org/markup-compatibility/2006" xmlns:mv="urn:schemas-microsoft-com:mac:vml" xmlns:p="http://schemas.openxmlformats.org/presentationml/2006/main" xmlns:c="http://schemas.openxmlformats.org/drawingml/2006/chart" xmlns:dgm="http://schemas.openxmlformats.org/drawingml/2006/diagram" xmlns:o="urn:schemas-microsoft-com:office:office" xmlns:v="urn:schemas-microsoft-com:vml" xmlns:pvml="urn:schemas-microsoft-com:office:powerpoint" xmlns:com="http://schemas.openxmlformats.org/drawingml/2006/compatibility" xmlns:p14="http://schemas.microsoft.com/office/powerpoint/2010/main" xmlns:p15="http://schemas.microsoft.com/office/powerpoint/2012/main" matchingName="Caption">
+<p:sldLayout xmlns:a="http://schemas.openxmlformats.org/drawingml/2006/main" xmlns:r="http://schemas.openxmlformats.org/officeDocument/2006/relationships" xmlns:p="http://schemas.openxmlformats.org/presentationml/2006/main" matchingName="Caption">
   <p:cSld name="CAPTION_ONLY">
     <p:spTree>
       <p:nvGrpSpPr>
-        <p:cNvPr id="113" name="Shape 113"/>
+        <p:cNvPr id="1" name="Shape 113"/>
         <p:cNvGrpSpPr/>
         <p:nvPr/>
       </p:nvGrpSpPr>
@@ -8566,7 +8594,7 @@
             <p:nvPr/>
           </p:nvSpPr>
           <p:spPr>
-            <a:xfrm flipH="1" rot="-1591408">
+            <a:xfrm rot="-1591408" flipH="1">
               <a:off x="1362169" y="-63166"/>
               <a:ext cx="205103" cy="509980"/>
             </a:xfrm>
@@ -8581,12 +8609,12 @@
             </a:ln>
           </p:spPr>
           <p:txBody>
-            <a:bodyPr anchorCtr="0" anchor="ctr" bIns="91425" lIns="91425" spcFirstLastPara="1" rIns="91425" wrap="square" tIns="91425">
+            <a:bodyPr spcFirstLastPara="1" wrap="square" lIns="91425" tIns="91425" rIns="91425" bIns="91425" anchor="ctr" anchorCtr="0">
               <a:noAutofit/>
             </a:bodyPr>
             <a:lstStyle/>
             <a:p>
-              <a:pPr indent="0" lvl="0" marL="0" rtl="0" algn="l">
+              <a:pPr marL="0" lvl="0" indent="0" algn="l" rtl="0">
                 <a:spcBef>
                   <a:spcPts val="0"/>
                 </a:spcBef>
@@ -8595,9 +8623,6 @@
                 </a:spcAft>
                 <a:buNone/>
               </a:pPr>
-              <a:r>
-                <a:t/>
-              </a:r>
               <a:endParaRPr/>
             </a:p>
           </p:txBody>
@@ -8609,7 +8634,7 @@
             <p:nvPr/>
           </p:nvSpPr>
           <p:spPr>
-            <a:xfrm flipH="1" rot="-1591371">
+            <a:xfrm rot="-1591371" flipH="1">
               <a:off x="239463" y="-151890"/>
               <a:ext cx="434754" cy="1080980"/>
             </a:xfrm>
@@ -8624,12 +8649,12 @@
             </a:ln>
           </p:spPr>
           <p:txBody>
-            <a:bodyPr anchorCtr="0" anchor="ctr" bIns="91425" lIns="91425" spcFirstLastPara="1" rIns="91425" wrap="square" tIns="91425">
+            <a:bodyPr spcFirstLastPara="1" wrap="square" lIns="91425" tIns="91425" rIns="91425" bIns="91425" anchor="ctr" anchorCtr="0">
               <a:noAutofit/>
             </a:bodyPr>
             <a:lstStyle/>
             <a:p>
-              <a:pPr indent="0" lvl="0" marL="0" rtl="0" algn="l">
+              <a:pPr marL="0" lvl="0" indent="0" algn="l" rtl="0">
                 <a:spcBef>
                   <a:spcPts val="0"/>
                 </a:spcBef>
@@ -8638,9 +8663,6 @@
                 </a:spcAft>
                 <a:buNone/>
               </a:pPr>
-              <a:r>
-                <a:t/>
-              </a:r>
               <a:endParaRPr/>
             </a:p>
           </p:txBody>
@@ -8652,7 +8674,7 @@
             <p:nvPr/>
           </p:nvSpPr>
           <p:spPr>
-            <a:xfrm flipH="1" rot="-1591339">
+            <a:xfrm rot="-1591339" flipH="1">
               <a:off x="892401" y="-169347"/>
               <a:ext cx="504374" cy="1254067"/>
             </a:xfrm>
@@ -8667,12 +8689,12 @@
             </a:ln>
           </p:spPr>
           <p:txBody>
-            <a:bodyPr anchorCtr="0" anchor="ctr" bIns="91425" lIns="91425" spcFirstLastPara="1" rIns="91425" wrap="square" tIns="91425">
+            <a:bodyPr spcFirstLastPara="1" wrap="square" lIns="91425" tIns="91425" rIns="91425" bIns="91425" anchor="ctr" anchorCtr="0">
               <a:noAutofit/>
             </a:bodyPr>
             <a:lstStyle/>
             <a:p>
-              <a:pPr indent="0" lvl="0" marL="0" rtl="0" algn="l">
+              <a:pPr marL="0" lvl="0" indent="0" algn="l" rtl="0">
                 <a:spcBef>
                   <a:spcPts val="0"/>
                 </a:spcBef>
@@ -8681,9 +8703,6 @@
                 </a:spcAft>
                 <a:buNone/>
               </a:pPr>
-              <a:r>
-                <a:t/>
-              </a:r>
               <a:endParaRPr/>
             </a:p>
           </p:txBody>
@@ -8695,7 +8714,7 @@
             <p:nvPr/>
           </p:nvSpPr>
           <p:spPr>
-            <a:xfrm flipH="1" rot="-1591322">
+            <a:xfrm rot="-1591322" flipH="1">
               <a:off x="1818452" y="-76292"/>
               <a:ext cx="229660" cy="571018"/>
             </a:xfrm>
@@ -8710,12 +8729,12 @@
             </a:ln>
           </p:spPr>
           <p:txBody>
-            <a:bodyPr anchorCtr="0" anchor="ctr" bIns="91425" lIns="91425" spcFirstLastPara="1" rIns="91425" wrap="square" tIns="91425">
+            <a:bodyPr spcFirstLastPara="1" wrap="square" lIns="91425" tIns="91425" rIns="91425" bIns="91425" anchor="ctr" anchorCtr="0">
               <a:noAutofit/>
             </a:bodyPr>
             <a:lstStyle/>
             <a:p>
-              <a:pPr indent="0" lvl="0" marL="0" rtl="0" algn="l">
+              <a:pPr marL="0" lvl="0" indent="0" algn="l" rtl="0">
                 <a:spcBef>
                   <a:spcPts val="0"/>
                 </a:spcBef>
@@ -8724,9 +8743,6 @@
                 </a:spcAft>
                 <a:buNone/>
               </a:pPr>
-              <a:r>
-                <a:t/>
-              </a:r>
               <a:endParaRPr/>
             </a:p>
           </p:txBody>
@@ -8743,9 +8759,13 @@
               <a:ext cx="380284" cy="858147"/>
             </a:xfrm>
             <a:custGeom>
-              <a:rect b="b" l="l" r="r" t="t"/>
+              <a:avLst/>
+              <a:gdLst/>
+              <a:ahLst/>
+              <a:cxnLst/>
+              <a:rect l="l" t="t" r="r" b="b"/>
               <a:pathLst>
-                <a:path extrusionOk="0" h="84860" w="37596">
+                <a:path w="37596" h="84860" extrusionOk="0">
                   <a:moveTo>
                     <a:pt x="19066" y="0"/>
                   </a:moveTo>
@@ -8774,9 +8794,11 @@
       <p:sp>
         <p:nvSpPr>
           <p:cNvPr id="120" name="Google Shape;120;p9"/>
-          <p:cNvSpPr txBox="1"/>
+          <p:cNvSpPr txBox="1">
+            <a:spLocks noGrp="1"/>
+          </p:cNvSpPr>
           <p:nvPr>
-            <p:ph idx="1" type="body"/>
+            <p:ph type="body" idx="1"/>
           </p:nvPr>
         </p:nvSpPr>
         <p:spPr>
@@ -8789,9 +8811,9 @@
           </a:prstGeom>
         </p:spPr>
         <p:txBody>
-          <a:bodyPr anchorCtr="0" anchor="t" bIns="91425" lIns="91425" spcFirstLastPara="1" rIns="91425" wrap="square" tIns="91425"/>
+          <a:bodyPr spcFirstLastPara="1" wrap="square" lIns="91425" tIns="91425" rIns="91425" bIns="91425" anchor="t" anchorCtr="0"/>
           <a:lstStyle>
-            <a:lvl1pPr indent="-228600" lvl="0" marL="457200">
+            <a:lvl1pPr marL="457200" lvl="0" indent="-228600">
               <a:spcBef>
                 <a:spcPts val="360"/>
               </a:spcBef>
@@ -8803,7 +8825,9 @@
               <a:defRPr sz="1800"/>
             </a:lvl1pPr>
           </a:lstStyle>
-          <a:p/>
+          <a:p>
+            <a:endParaRPr/>
+          </a:p>
         </p:txBody>
       </p:sp>
       <p:grpSp>
@@ -8827,7 +8851,7 @@
             <p:nvPr/>
           </p:nvSpPr>
           <p:spPr>
-            <a:xfrm flipH="1" rot="9208626">
+            <a:xfrm rot="9208626" flipH="1">
               <a:off x="6704904" y="4110434"/>
               <a:ext cx="484232" cy="1204006"/>
             </a:xfrm>
@@ -8842,12 +8866,12 @@
             </a:ln>
           </p:spPr>
           <p:txBody>
-            <a:bodyPr anchorCtr="0" anchor="ctr" bIns="91425" lIns="91425" spcFirstLastPara="1" rIns="91425" wrap="square" tIns="91425">
+            <a:bodyPr spcFirstLastPara="1" wrap="square" lIns="91425" tIns="91425" rIns="91425" bIns="91425" anchor="ctr" anchorCtr="0">
               <a:noAutofit/>
             </a:bodyPr>
             <a:lstStyle/>
             <a:p>
-              <a:pPr indent="0" lvl="0" marL="0" rtl="0" algn="l">
+              <a:pPr marL="0" lvl="0" indent="0" algn="l" rtl="0">
                 <a:spcBef>
                   <a:spcPts val="0"/>
                 </a:spcBef>
@@ -8856,9 +8880,6 @@
                 </a:spcAft>
                 <a:buNone/>
               </a:pPr>
-              <a:r>
-                <a:t/>
-              </a:r>
               <a:endParaRPr/>
             </a:p>
           </p:txBody>
@@ -8870,7 +8891,7 @@
             <p:nvPr/>
           </p:nvSpPr>
           <p:spPr>
-            <a:xfrm flipH="1" rot="9208633">
+            <a:xfrm rot="9208633" flipH="1">
               <a:off x="7804300" y="3279013"/>
               <a:ext cx="877624" cy="2182136"/>
             </a:xfrm>
@@ -8885,12 +8906,12 @@
             </a:ln>
           </p:spPr>
           <p:txBody>
-            <a:bodyPr anchorCtr="0" anchor="ctr" bIns="91425" lIns="91425" spcFirstLastPara="1" rIns="91425" wrap="square" tIns="91425">
+            <a:bodyPr spcFirstLastPara="1" wrap="square" lIns="91425" tIns="91425" rIns="91425" bIns="91425" anchor="ctr" anchorCtr="0">
               <a:noAutofit/>
             </a:bodyPr>
             <a:lstStyle/>
             <a:p>
-              <a:pPr indent="0" lvl="0" marL="0" rtl="0" algn="l">
+              <a:pPr marL="0" lvl="0" indent="0" algn="l" rtl="0">
                 <a:spcBef>
                   <a:spcPts val="0"/>
                 </a:spcBef>
@@ -8899,9 +8920,6 @@
                 </a:spcAft>
                 <a:buNone/>
               </a:pPr>
-              <a:r>
-                <a:t/>
-              </a:r>
               <a:endParaRPr/>
             </a:p>
           </p:txBody>
@@ -8913,7 +8931,7 @@
             <p:nvPr/>
           </p:nvSpPr>
           <p:spPr>
-            <a:xfrm flipH="1" rot="9208606">
+            <a:xfrm rot="9208606" flipH="1">
               <a:off x="7481789" y="4276913"/>
               <a:ext cx="408796" cy="1016449"/>
             </a:xfrm>
@@ -8928,12 +8946,12 @@
             </a:ln>
           </p:spPr>
           <p:txBody>
-            <a:bodyPr anchorCtr="0" anchor="ctr" bIns="91425" lIns="91425" spcFirstLastPara="1" rIns="91425" wrap="square" tIns="91425">
+            <a:bodyPr spcFirstLastPara="1" wrap="square" lIns="91425" tIns="91425" rIns="91425" bIns="91425" anchor="ctr" anchorCtr="0">
               <a:noAutofit/>
             </a:bodyPr>
             <a:lstStyle/>
             <a:p>
-              <a:pPr indent="0" lvl="0" marL="0" rtl="0" algn="l">
+              <a:pPr marL="0" lvl="0" indent="0" algn="l" rtl="0">
                 <a:spcBef>
                   <a:spcPts val="0"/>
                 </a:spcBef>
@@ -8942,9 +8960,6 @@
                 </a:spcAft>
                 <a:buNone/>
               </a:pPr>
-              <a:r>
-                <a:t/>
-              </a:r>
               <a:endParaRPr/>
             </a:p>
           </p:txBody>
@@ -8956,7 +8971,7 @@
             <p:nvPr/>
           </p:nvSpPr>
           <p:spPr>
-            <a:xfrm flipH="1" rot="9208678">
+            <a:xfrm rot="9208678" flipH="1">
               <a:off x="6287617" y="4657701"/>
               <a:ext cx="229660" cy="571018"/>
             </a:xfrm>
@@ -8971,12 +8986,12 @@
             </a:ln>
           </p:spPr>
           <p:txBody>
-            <a:bodyPr anchorCtr="0" anchor="ctr" bIns="91425" lIns="91425" spcFirstLastPara="1" rIns="91425" wrap="square" tIns="91425">
+            <a:bodyPr spcFirstLastPara="1" wrap="square" lIns="91425" tIns="91425" rIns="91425" bIns="91425" anchor="ctr" anchorCtr="0">
               <a:noAutofit/>
             </a:bodyPr>
             <a:lstStyle/>
             <a:p>
-              <a:pPr indent="0" lvl="0" marL="0" rtl="0" algn="l">
+              <a:pPr marL="0" lvl="0" indent="0" algn="l" rtl="0">
                 <a:spcBef>
                   <a:spcPts val="0"/>
                 </a:spcBef>
@@ -8985,9 +9000,6 @@
                 </a:spcAft>
                 <a:buNone/>
               </a:pPr>
-              <a:r>
-                <a:t/>
-              </a:r>
               <a:endParaRPr/>
             </a:p>
           </p:txBody>
@@ -9004,9 +9016,13 @@
               <a:ext cx="854651" cy="1929080"/>
             </a:xfrm>
             <a:custGeom>
-              <a:rect b="b" l="l" r="r" t="t"/>
+              <a:avLst/>
+              <a:gdLst/>
+              <a:ahLst/>
+              <a:cxnLst/>
+              <a:rect l="l" t="t" r="r" b="b"/>
               <a:pathLst>
-                <a:path extrusionOk="0" h="84860" w="37596">
+                <a:path w="37596" h="84860" extrusionOk="0">
                   <a:moveTo>
                     <a:pt x="19066" y="0"/>
                   </a:moveTo>
@@ -9041,11 +9057,11 @@
 </file>
 
 <file path=ppt/slideLayouts/slideLayout9.xml><?xml version="1.0" encoding="utf-8"?>
-<p:sldLayout xmlns:a="http://schemas.openxmlformats.org/drawingml/2006/main" xmlns:r="http://schemas.openxmlformats.org/officeDocument/2006/relationships" xmlns:mc="http://schemas.openxmlformats.org/markup-compatibility/2006" xmlns:mv="urn:schemas-microsoft-com:mac:vml" xmlns:p="http://schemas.openxmlformats.org/presentationml/2006/main" xmlns:c="http://schemas.openxmlformats.org/drawingml/2006/chart" xmlns:dgm="http://schemas.openxmlformats.org/drawingml/2006/diagram" xmlns:o="urn:schemas-microsoft-com:office:office" xmlns:v="urn:schemas-microsoft-com:vml" xmlns:pvml="urn:schemas-microsoft-com:office:powerpoint" xmlns:com="http://schemas.openxmlformats.org/drawingml/2006/compatibility" xmlns:p14="http://schemas.microsoft.com/office/powerpoint/2010/main" xmlns:p15="http://schemas.microsoft.com/office/powerpoint/2012/main" matchingName="Blank" type="blank">
+<p:sldLayout xmlns:a="http://schemas.openxmlformats.org/drawingml/2006/main" xmlns:r="http://schemas.openxmlformats.org/officeDocument/2006/relationships" xmlns:p="http://schemas.openxmlformats.org/presentationml/2006/main" matchingName="Blank" type="blank">
   <p:cSld name="BLANK">
     <p:spTree>
       <p:nvGrpSpPr>
-        <p:cNvPr id="127" name="Shape 127"/>
+        <p:cNvPr id="1" name="Shape 127"/>
         <p:cNvGrpSpPr/>
         <p:nvPr/>
       </p:nvGrpSpPr>
@@ -9078,7 +9094,7 @@
             <p:nvPr/>
           </p:nvSpPr>
           <p:spPr>
-            <a:xfrm flipH="1" rot="9208626">
+            <a:xfrm rot="9208626" flipH="1">
               <a:off x="6704904" y="4110434"/>
               <a:ext cx="484232" cy="1204006"/>
             </a:xfrm>
@@ -9093,12 +9109,12 @@
             </a:ln>
           </p:spPr>
           <p:txBody>
-            <a:bodyPr anchorCtr="0" anchor="ctr" bIns="91425" lIns="91425" spcFirstLastPara="1" rIns="91425" wrap="square" tIns="91425">
+            <a:bodyPr spcFirstLastPara="1" wrap="square" lIns="91425" tIns="91425" rIns="91425" bIns="91425" anchor="ctr" anchorCtr="0">
               <a:noAutofit/>
             </a:bodyPr>
             <a:lstStyle/>
             <a:p>
-              <a:pPr indent="0" lvl="0" marL="0" rtl="0" algn="l">
+              <a:pPr marL="0" lvl="0" indent="0" algn="l" rtl="0">
                 <a:spcBef>
                   <a:spcPts val="0"/>
                 </a:spcBef>
@@ -9107,9 +9123,6 @@
                 </a:spcAft>
                 <a:buNone/>
               </a:pPr>
-              <a:r>
-                <a:t/>
-              </a:r>
               <a:endParaRPr/>
             </a:p>
           </p:txBody>
@@ -9121,7 +9134,7 @@
             <p:nvPr/>
           </p:nvSpPr>
           <p:spPr>
-            <a:xfrm flipH="1" rot="9208633">
+            <a:xfrm rot="9208633" flipH="1">
               <a:off x="7804300" y="3279013"/>
               <a:ext cx="877624" cy="2182136"/>
             </a:xfrm>
@@ -9136,12 +9149,12 @@
             </a:ln>
           </p:spPr>
           <p:txBody>
-            <a:bodyPr anchorCtr="0" anchor="ctr" bIns="91425" lIns="91425" spcFirstLastPara="1" rIns="91425" wrap="square" tIns="91425">
+            <a:bodyPr spcFirstLastPara="1" wrap="square" lIns="91425" tIns="91425" rIns="91425" bIns="91425" anchor="ctr" anchorCtr="0">
               <a:noAutofit/>
             </a:bodyPr>
             <a:lstStyle/>
             <a:p>
-              <a:pPr indent="0" lvl="0" marL="0" rtl="0" algn="l">
+              <a:pPr marL="0" lvl="0" indent="0" algn="l" rtl="0">
                 <a:spcBef>
                   <a:spcPts val="0"/>
                 </a:spcBef>
@@ -9150,9 +9163,6 @@
                 </a:spcAft>
                 <a:buNone/>
               </a:pPr>
-              <a:r>
-                <a:t/>
-              </a:r>
               <a:endParaRPr/>
             </a:p>
           </p:txBody>
@@ -9164,7 +9174,7 @@
             <p:nvPr/>
           </p:nvSpPr>
           <p:spPr>
-            <a:xfrm flipH="1" rot="9208606">
+            <a:xfrm rot="9208606" flipH="1">
               <a:off x="7481789" y="4276913"/>
               <a:ext cx="408796" cy="1016449"/>
             </a:xfrm>
@@ -9179,12 +9189,12 @@
             </a:ln>
           </p:spPr>
           <p:txBody>
-            <a:bodyPr anchorCtr="0" anchor="ctr" bIns="91425" lIns="91425" spcFirstLastPara="1" rIns="91425" wrap="square" tIns="91425">
+            <a:bodyPr spcFirstLastPara="1" wrap="square" lIns="91425" tIns="91425" rIns="91425" bIns="91425" anchor="ctr" anchorCtr="0">
               <a:noAutofit/>
             </a:bodyPr>
             <a:lstStyle/>
             <a:p>
-              <a:pPr indent="0" lvl="0" marL="0" rtl="0" algn="l">
+              <a:pPr marL="0" lvl="0" indent="0" algn="l" rtl="0">
                 <a:spcBef>
                   <a:spcPts val="0"/>
                 </a:spcBef>
@@ -9193,9 +9203,6 @@
                 </a:spcAft>
                 <a:buNone/>
               </a:pPr>
-              <a:r>
-                <a:t/>
-              </a:r>
               <a:endParaRPr/>
             </a:p>
           </p:txBody>
@@ -9207,7 +9214,7 @@
             <p:nvPr/>
           </p:nvSpPr>
           <p:spPr>
-            <a:xfrm flipH="1" rot="9208678">
+            <a:xfrm rot="9208678" flipH="1">
               <a:off x="6287617" y="4657701"/>
               <a:ext cx="229660" cy="571018"/>
             </a:xfrm>
@@ -9222,12 +9229,12 @@
             </a:ln>
           </p:spPr>
           <p:txBody>
-            <a:bodyPr anchorCtr="0" anchor="ctr" bIns="91425" lIns="91425" spcFirstLastPara="1" rIns="91425" wrap="square" tIns="91425">
+            <a:bodyPr spcFirstLastPara="1" wrap="square" lIns="91425" tIns="91425" rIns="91425" bIns="91425" anchor="ctr" anchorCtr="0">
               <a:noAutofit/>
             </a:bodyPr>
             <a:lstStyle/>
             <a:p>
-              <a:pPr indent="0" lvl="0" marL="0" rtl="0" algn="l">
+              <a:pPr marL="0" lvl="0" indent="0" algn="l" rtl="0">
                 <a:spcBef>
                   <a:spcPts val="0"/>
                 </a:spcBef>
@@ -9236,9 +9243,6 @@
                 </a:spcAft>
                 <a:buNone/>
               </a:pPr>
-              <a:r>
-                <a:t/>
-              </a:r>
               <a:endParaRPr/>
             </a:p>
           </p:txBody>
@@ -9255,9 +9259,13 @@
               <a:ext cx="854651" cy="1929080"/>
             </a:xfrm>
             <a:custGeom>
-              <a:rect b="b" l="l" r="r" t="t"/>
+              <a:avLst/>
+              <a:gdLst/>
+              <a:ahLst/>
+              <a:cxnLst/>
+              <a:rect l="l" t="t" r="r" b="b"/>
               <a:pathLst>
-                <a:path extrusionOk="0" h="84860" w="37596">
+                <a:path w="37596" h="84860" extrusionOk="0">
                   <a:moveTo>
                     <a:pt x="19066" y="0"/>
                   </a:moveTo>
@@ -9304,7 +9312,7 @@
             <p:nvPr/>
           </p:nvSpPr>
           <p:spPr>
-            <a:xfrm flipH="1" rot="-1591408">
+            <a:xfrm rot="-1591408" flipH="1">
               <a:off x="1362169" y="-63166"/>
               <a:ext cx="205103" cy="509980"/>
             </a:xfrm>
@@ -9319,12 +9327,12 @@
             </a:ln>
           </p:spPr>
           <p:txBody>
-            <a:bodyPr anchorCtr="0" anchor="ctr" bIns="91425" lIns="91425" spcFirstLastPara="1" rIns="91425" wrap="square" tIns="91425">
+            <a:bodyPr spcFirstLastPara="1" wrap="square" lIns="91425" tIns="91425" rIns="91425" bIns="91425" anchor="ctr" anchorCtr="0">
               <a:noAutofit/>
             </a:bodyPr>
             <a:lstStyle/>
             <a:p>
-              <a:pPr indent="0" lvl="0" marL="0" rtl="0" algn="l">
+              <a:pPr marL="0" lvl="0" indent="0" algn="l" rtl="0">
                 <a:spcBef>
                   <a:spcPts val="0"/>
                 </a:spcBef>
@@ -9333,9 +9341,6 @@
                 </a:spcAft>
                 <a:buNone/>
               </a:pPr>
-              <a:r>
-                <a:t/>
-              </a:r>
               <a:endParaRPr/>
             </a:p>
           </p:txBody>
@@ -9347,7 +9352,7 @@
             <p:nvPr/>
           </p:nvSpPr>
           <p:spPr>
-            <a:xfrm flipH="1" rot="-1591371">
+            <a:xfrm rot="-1591371" flipH="1">
               <a:off x="239463" y="-151890"/>
               <a:ext cx="434754" cy="1080980"/>
             </a:xfrm>
@@ -9362,12 +9367,12 @@
             </a:ln>
           </p:spPr>
           <p:txBody>
-            <a:bodyPr anchorCtr="0" anchor="ctr" bIns="91425" lIns="91425" spcFirstLastPara="1" rIns="91425" wrap="square" tIns="91425">
+            <a:bodyPr spcFirstLastPara="1" wrap="square" lIns="91425" tIns="91425" rIns="91425" bIns="91425" anchor="ctr" anchorCtr="0">
               <a:noAutofit/>
             </a:bodyPr>
             <a:lstStyle/>
             <a:p>
-              <a:pPr indent="0" lvl="0" marL="0" rtl="0" algn="l">
+              <a:pPr marL="0" lvl="0" indent="0" algn="l" rtl="0">
                 <a:spcBef>
                   <a:spcPts val="0"/>
                 </a:spcBef>
@@ -9376,9 +9381,6 @@
                 </a:spcAft>
                 <a:buNone/>
               </a:pPr>
-              <a:r>
-                <a:t/>
-              </a:r>
               <a:endParaRPr/>
             </a:p>
           </p:txBody>
@@ -9390,7 +9392,7 @@
             <p:nvPr/>
           </p:nvSpPr>
           <p:spPr>
-            <a:xfrm flipH="1" rot="-1591339">
+            <a:xfrm rot="-1591339" flipH="1">
               <a:off x="892401" y="-169347"/>
               <a:ext cx="504374" cy="1254067"/>
             </a:xfrm>
@@ -9405,12 +9407,12 @@
             </a:ln>
           </p:spPr>
           <p:txBody>
-            <a:bodyPr anchorCtr="0" anchor="ctr" bIns="91425" lIns="91425" spcFirstLastPara="1" rIns="91425" wrap="square" tIns="91425">
+            <a:bodyPr spcFirstLastPara="1" wrap="square" lIns="91425" tIns="91425" rIns="91425" bIns="91425" anchor="ctr" anchorCtr="0">
               <a:noAutofit/>
             </a:bodyPr>
             <a:lstStyle/>
             <a:p>
-              <a:pPr indent="0" lvl="0" marL="0" rtl="0" algn="l">
+              <a:pPr marL="0" lvl="0" indent="0" algn="l" rtl="0">
                 <a:spcBef>
                   <a:spcPts val="0"/>
                 </a:spcBef>
@@ -9419,9 +9421,6 @@
                 </a:spcAft>
                 <a:buNone/>
               </a:pPr>
-              <a:r>
-                <a:t/>
-              </a:r>
               <a:endParaRPr/>
             </a:p>
           </p:txBody>
@@ -9433,7 +9432,7 @@
             <p:nvPr/>
           </p:nvSpPr>
           <p:spPr>
-            <a:xfrm flipH="1" rot="-1591322">
+            <a:xfrm rot="-1591322" flipH="1">
               <a:off x="1818452" y="-76292"/>
               <a:ext cx="229660" cy="571018"/>
             </a:xfrm>
@@ -9448,12 +9447,12 @@
             </a:ln>
           </p:spPr>
           <p:txBody>
-            <a:bodyPr anchorCtr="0" anchor="ctr" bIns="91425" lIns="91425" spcFirstLastPara="1" rIns="91425" wrap="square" tIns="91425">
+            <a:bodyPr spcFirstLastPara="1" wrap="square" lIns="91425" tIns="91425" rIns="91425" bIns="91425" anchor="ctr" anchorCtr="0">
               <a:noAutofit/>
             </a:bodyPr>
             <a:lstStyle/>
             <a:p>
-              <a:pPr indent="0" lvl="0" marL="0" rtl="0" algn="l">
+              <a:pPr marL="0" lvl="0" indent="0" algn="l" rtl="0">
                 <a:spcBef>
                   <a:spcPts val="0"/>
                 </a:spcBef>
@@ -9462,9 +9461,6 @@
                 </a:spcAft>
                 <a:buNone/>
               </a:pPr>
-              <a:r>
-                <a:t/>
-              </a:r>
               <a:endParaRPr/>
             </a:p>
           </p:txBody>
@@ -9481,9 +9477,13 @@
               <a:ext cx="380284" cy="858147"/>
             </a:xfrm>
             <a:custGeom>
-              <a:rect b="b" l="l" r="r" t="t"/>
+              <a:avLst/>
+              <a:gdLst/>
+              <a:ahLst/>
+              <a:cxnLst/>
+              <a:rect l="l" t="t" r="r" b="b"/>
               <a:pathLst>
-                <a:path extrusionOk="0" h="84860" w="37596">
+                <a:path w="37596" h="84860" extrusionOk="0">
                   <a:moveTo>
                     <a:pt x="19066" y="0"/>
                   </a:moveTo>
@@ -9518,18 +9518,19 @@
 </file>
 
 <file path=ppt/slideMasters/slideMaster1.xml><?xml version="1.0" encoding="utf-8"?>
-<p:sldMaster xmlns:a="http://schemas.openxmlformats.org/drawingml/2006/main" xmlns:r="http://schemas.openxmlformats.org/officeDocument/2006/relationships" xmlns:mc="http://schemas.openxmlformats.org/markup-compatibility/2006" xmlns:mv="urn:schemas-microsoft-com:mac:vml" xmlns:p="http://schemas.openxmlformats.org/presentationml/2006/main" xmlns:c="http://schemas.openxmlformats.org/drawingml/2006/chart" xmlns:dgm="http://schemas.openxmlformats.org/drawingml/2006/diagram" xmlns:o="urn:schemas-microsoft-com:office:office" xmlns:v="urn:schemas-microsoft-com:vml" xmlns:pvml="urn:schemas-microsoft-com:office:powerpoint" xmlns:com="http://schemas.openxmlformats.org/drawingml/2006/compatibility" xmlns:p14="http://schemas.microsoft.com/office/powerpoint/2010/main" xmlns:p15="http://schemas.microsoft.com/office/powerpoint/2012/main">
+<p:sldMaster xmlns:a="http://schemas.openxmlformats.org/drawingml/2006/main" xmlns:r="http://schemas.openxmlformats.org/officeDocument/2006/relationships" xmlns:p="http://schemas.openxmlformats.org/presentationml/2006/main">
   <p:cSld name="simple-light">
     <p:bg>
       <p:bgPr>
         <a:solidFill>
           <a:schemeClr val="lt1"/>
         </a:solidFill>
+        <a:effectLst/>
       </p:bgPr>
     </p:bg>
     <p:spTree>
       <p:nvGrpSpPr>
-        <p:cNvPr id="5" name="Shape 5"/>
+        <p:cNvPr id="1" name="Shape 5"/>
         <p:cNvGrpSpPr/>
         <p:nvPr/>
       </p:nvGrpSpPr>
@@ -9544,7 +9545,9 @@
       <p:sp>
         <p:nvSpPr>
           <p:cNvPr id="6" name="Google Shape;6;p1"/>
-          <p:cNvSpPr txBox="1"/>
+          <p:cNvSpPr txBox="1">
+            <a:spLocks noGrp="1"/>
+          </p:cNvSpPr>
           <p:nvPr>
             <p:ph type="title"/>
           </p:nvPr>
@@ -9563,7 +9566,7 @@
           </a:ln>
         </p:spPr>
         <p:txBody>
-          <a:bodyPr anchorCtr="0" anchor="b" bIns="91425" lIns="91425" spcFirstLastPara="1" rIns="91425" wrap="square" tIns="91425"/>
+          <a:bodyPr spcFirstLastPara="1" wrap="square" lIns="91425" tIns="91425" rIns="91425" bIns="91425" anchor="b" anchorCtr="0"/>
           <a:lstStyle>
             <a:lvl1pPr lvl="0">
               <a:spcBef>
@@ -9578,7 +9581,7 @@
               <a:buSzPts val="3000"/>
               <a:buFont typeface="Oswald"/>
               <a:buNone/>
-              <a:defRPr b="1" sz="3000">
+              <a:defRPr sz="3000" b="1">
                 <a:solidFill>
                   <a:srgbClr val="3796BF"/>
                 </a:solidFill>
@@ -9601,7 +9604,7 @@
               <a:buSzPts val="3000"/>
               <a:buFont typeface="Oswald"/>
               <a:buNone/>
-              <a:defRPr b="1" sz="3000">
+              <a:defRPr sz="3000" b="1">
                 <a:solidFill>
                   <a:srgbClr val="3796BF"/>
                 </a:solidFill>
@@ -9624,7 +9627,7 @@
               <a:buSzPts val="3000"/>
               <a:buFont typeface="Oswald"/>
               <a:buNone/>
-              <a:defRPr b="1" sz="3000">
+              <a:defRPr sz="3000" b="1">
                 <a:solidFill>
                   <a:srgbClr val="3796BF"/>
                 </a:solidFill>
@@ -9647,7 +9650,7 @@
               <a:buSzPts val="3000"/>
               <a:buFont typeface="Oswald"/>
               <a:buNone/>
-              <a:defRPr b="1" sz="3000">
+              <a:defRPr sz="3000" b="1">
                 <a:solidFill>
                   <a:srgbClr val="3796BF"/>
                 </a:solidFill>
@@ -9670,7 +9673,7 @@
               <a:buSzPts val="3000"/>
               <a:buFont typeface="Oswald"/>
               <a:buNone/>
-              <a:defRPr b="1" sz="3000">
+              <a:defRPr sz="3000" b="1">
                 <a:solidFill>
                   <a:srgbClr val="3796BF"/>
                 </a:solidFill>
@@ -9693,7 +9696,7 @@
               <a:buSzPts val="3000"/>
               <a:buFont typeface="Oswald"/>
               <a:buNone/>
-              <a:defRPr b="1" sz="3000">
+              <a:defRPr sz="3000" b="1">
                 <a:solidFill>
                   <a:srgbClr val="3796BF"/>
                 </a:solidFill>
@@ -9716,7 +9719,7 @@
               <a:buSzPts val="3000"/>
               <a:buFont typeface="Oswald"/>
               <a:buNone/>
-              <a:defRPr b="1" sz="3000">
+              <a:defRPr sz="3000" b="1">
                 <a:solidFill>
                   <a:srgbClr val="3796BF"/>
                 </a:solidFill>
@@ -9739,7 +9742,7 @@
               <a:buSzPts val="3000"/>
               <a:buFont typeface="Oswald"/>
               <a:buNone/>
-              <a:defRPr b="1" sz="3000">
+              <a:defRPr sz="3000" b="1">
                 <a:solidFill>
                   <a:srgbClr val="3796BF"/>
                 </a:solidFill>
@@ -9762,7 +9765,7 @@
               <a:buSzPts val="3000"/>
               <a:buFont typeface="Oswald"/>
               <a:buNone/>
-              <a:defRPr b="1" sz="3000">
+              <a:defRPr sz="3000" b="1">
                 <a:solidFill>
                   <a:srgbClr val="3796BF"/>
                 </a:solidFill>
@@ -9773,15 +9776,19 @@
               </a:defRPr>
             </a:lvl9pPr>
           </a:lstStyle>
-          <a:p/>
+          <a:p>
+            <a:endParaRPr/>
+          </a:p>
         </p:txBody>
       </p:sp>
       <p:sp>
         <p:nvSpPr>
           <p:cNvPr id="7" name="Google Shape;7;p1"/>
-          <p:cNvSpPr txBox="1"/>
+          <p:cNvSpPr txBox="1">
+            <a:spLocks noGrp="1"/>
+          </p:cNvSpPr>
           <p:nvPr>
-            <p:ph idx="1" type="body"/>
+            <p:ph type="body" idx="1"/>
           </p:nvPr>
         </p:nvSpPr>
         <p:spPr>
@@ -9798,9 +9805,9 @@
           </a:ln>
         </p:spPr>
         <p:txBody>
-          <a:bodyPr anchorCtr="0" anchor="t" bIns="91425" lIns="91425" spcFirstLastPara="1" rIns="91425" wrap="square" tIns="91425"/>
+          <a:bodyPr spcFirstLastPara="1" wrap="square" lIns="91425" tIns="91425" rIns="91425" bIns="91425" anchor="t" anchorCtr="0"/>
           <a:lstStyle>
-            <a:lvl1pPr indent="-355600" lvl="0" marL="457200">
+            <a:lvl1pPr marL="457200" lvl="0" indent="-355600">
               <a:spcBef>
                 <a:spcPts val="600"/>
               </a:spcBef>
@@ -9823,7 +9830,7 @@
                 <a:sym typeface="Roboto Condensed"/>
               </a:defRPr>
             </a:lvl1pPr>
-            <a:lvl2pPr indent="-355600" lvl="1" marL="914400">
+            <a:lvl2pPr marL="914400" lvl="1" indent="-355600">
               <a:spcBef>
                 <a:spcPts val="0"/>
               </a:spcBef>
@@ -9846,7 +9853,7 @@
                 <a:sym typeface="Roboto Condensed"/>
               </a:defRPr>
             </a:lvl2pPr>
-            <a:lvl3pPr indent="-355600" lvl="2" marL="1371600">
+            <a:lvl3pPr marL="1371600" lvl="2" indent="-355600">
               <a:spcBef>
                 <a:spcPts val="0"/>
               </a:spcBef>
@@ -9869,7 +9876,7 @@
                 <a:sym typeface="Roboto Condensed"/>
               </a:defRPr>
             </a:lvl3pPr>
-            <a:lvl4pPr indent="-355600" lvl="3" marL="1828800">
+            <a:lvl4pPr marL="1828800" lvl="3" indent="-355600">
               <a:spcBef>
                 <a:spcPts val="0"/>
               </a:spcBef>
@@ -9892,7 +9899,7 @@
                 <a:sym typeface="Roboto Condensed"/>
               </a:defRPr>
             </a:lvl4pPr>
-            <a:lvl5pPr indent="-355600" lvl="4" marL="2286000">
+            <a:lvl5pPr marL="2286000" lvl="4" indent="-355600">
               <a:spcBef>
                 <a:spcPts val="0"/>
               </a:spcBef>
@@ -9915,7 +9922,7 @@
                 <a:sym typeface="Roboto Condensed"/>
               </a:defRPr>
             </a:lvl5pPr>
-            <a:lvl6pPr indent="-355600" lvl="5" marL="2743200">
+            <a:lvl6pPr marL="2743200" lvl="5" indent="-355600">
               <a:spcBef>
                 <a:spcPts val="0"/>
               </a:spcBef>
@@ -9938,7 +9945,7 @@
                 <a:sym typeface="Roboto Condensed"/>
               </a:defRPr>
             </a:lvl6pPr>
-            <a:lvl7pPr indent="-355600" lvl="6" marL="3200400">
+            <a:lvl7pPr marL="3200400" lvl="6" indent="-355600">
               <a:spcBef>
                 <a:spcPts val="0"/>
               </a:spcBef>
@@ -9961,7 +9968,7 @@
                 <a:sym typeface="Roboto Condensed"/>
               </a:defRPr>
             </a:lvl7pPr>
-            <a:lvl8pPr indent="-355600" lvl="7" marL="3657600">
+            <a:lvl8pPr marL="3657600" lvl="7" indent="-355600">
               <a:spcBef>
                 <a:spcPts val="0"/>
               </a:spcBef>
@@ -9984,7 +9991,7 @@
                 <a:sym typeface="Roboto Condensed"/>
               </a:defRPr>
             </a:lvl8pPr>
-            <a:lvl9pPr indent="-355600" lvl="8" marL="4114800">
+            <a:lvl9pPr marL="4114800" lvl="8" indent="-355600">
               <a:spcBef>
                 <a:spcPts val="0"/>
               </a:spcBef>
@@ -10008,12 +10015,14 @@
               </a:defRPr>
             </a:lvl9pPr>
           </a:lstStyle>
-          <a:p/>
+          <a:p>
+            <a:endParaRPr/>
+          </a:p>
         </p:txBody>
       </p:sp>
     </p:spTree>
   </p:cSld>
-  <p:clrMap accent1="accent1" accent2="accent2" accent3="accent3" accent4="accent4" accent5="accent5" accent6="accent6" bg1="lt1" bg2="dk2" tx1="dk1" tx2="lt2" folHlink="folHlink" hlink="hlink"/>
+  <p:clrMap bg1="lt1" tx1="dk1" bg2="dk2" tx2="lt2" accent1="accent1" accent2="accent2" accent3="accent3" accent4="accent4" accent5="accent5" accent6="accent6" hlink="hlink" folHlink="folHlink"/>
   <p:sldLayoutIdLst>
     <p:sldLayoutId id="2147483648" r:id="rId1"/>
     <p:sldLayoutId id="2147483649" r:id="rId2"/>
@@ -10032,10 +10041,10 @@
   <p:transition>
     <p:fade thruBlk="1"/>
   </p:transition>
-  <p:hf dt="0" ftr="0" hdr="0" sldNum="0"/>
+  <p:hf sldNum="0" hdr="0" ftr="0" dt="0"/>
   <p:txStyles>
     <p:titleStyle>
-      <a:defPPr lvl="0" marR="0" rtl="0" algn="l">
+      <a:defPPr marR="0" lvl="0" algn="l" rtl="0">
         <a:lnSpc>
           <a:spcPct val="100000"/>
         </a:lnSpc>
@@ -10046,7 +10055,7 @@
           <a:spcPts val="0"/>
         </a:spcAft>
       </a:defPPr>
-      <a:lvl1pPr lvl="0" marR="0" rtl="0" algn="l">
+      <a:lvl1pPr marR="0" lvl="0" algn="l" rtl="0">
         <a:lnSpc>
           <a:spcPct val="100000"/>
         </a:lnSpc>
@@ -10060,7 +10069,7 @@
           <a:srgbClr val="000000"/>
         </a:buClr>
         <a:buFont typeface="Arial"/>
-        <a:defRPr b="0" i="0" sz="1400" u="none" cap="none" strike="noStrike">
+        <a:defRPr sz="1400" b="0" i="0" u="none" strike="noStrike" cap="none">
           <a:solidFill>
             <a:srgbClr val="000000"/>
           </a:solidFill>
@@ -10070,7 +10079,7 @@
           <a:sym typeface="Arial"/>
         </a:defRPr>
       </a:lvl1pPr>
-      <a:lvl2pPr lvl="1" marR="0" rtl="0" algn="l">
+      <a:lvl2pPr marR="0" lvl="1" algn="l" rtl="0">
         <a:lnSpc>
           <a:spcPct val="100000"/>
         </a:lnSpc>
@@ -10084,7 +10093,7 @@
           <a:srgbClr val="000000"/>
         </a:buClr>
         <a:buFont typeface="Arial"/>
-        <a:defRPr b="0" i="0" sz="1400" u="none" cap="none" strike="noStrike">
+        <a:defRPr sz="1400" b="0" i="0" u="none" strike="noStrike" cap="none">
           <a:solidFill>
             <a:srgbClr val="000000"/>
           </a:solidFill>
@@ -10094,7 +10103,7 @@
           <a:sym typeface="Arial"/>
         </a:defRPr>
       </a:lvl2pPr>
-      <a:lvl3pPr lvl="2" marR="0" rtl="0" algn="l">
+      <a:lvl3pPr marR="0" lvl="2" algn="l" rtl="0">
         <a:lnSpc>
           <a:spcPct val="100000"/>
         </a:lnSpc>
@@ -10108,7 +10117,7 @@
           <a:srgbClr val="000000"/>
         </a:buClr>
         <a:buFont typeface="Arial"/>
-        <a:defRPr b="0" i="0" sz="1400" u="none" cap="none" strike="noStrike">
+        <a:defRPr sz="1400" b="0" i="0" u="none" strike="noStrike" cap="none">
           <a:solidFill>
             <a:srgbClr val="000000"/>
           </a:solidFill>
@@ -10118,7 +10127,7 @@
           <a:sym typeface="Arial"/>
         </a:defRPr>
       </a:lvl3pPr>
-      <a:lvl4pPr lvl="3" marR="0" rtl="0" algn="l">
+      <a:lvl4pPr marR="0" lvl="3" algn="l" rtl="0">
         <a:lnSpc>
           <a:spcPct val="100000"/>
         </a:lnSpc>
@@ -10132,7 +10141,7 @@
           <a:srgbClr val="000000"/>
         </a:buClr>
         <a:buFont typeface="Arial"/>
-        <a:defRPr b="0" i="0" sz="1400" u="none" cap="none" strike="noStrike">
+        <a:defRPr sz="1400" b="0" i="0" u="none" strike="noStrike" cap="none">
           <a:solidFill>
             <a:srgbClr val="000000"/>
           </a:solidFill>
@@ -10142,7 +10151,7 @@
           <a:sym typeface="Arial"/>
         </a:defRPr>
       </a:lvl4pPr>
-      <a:lvl5pPr lvl="4" marR="0" rtl="0" algn="l">
+      <a:lvl5pPr marR="0" lvl="4" algn="l" rtl="0">
         <a:lnSpc>
           <a:spcPct val="100000"/>
         </a:lnSpc>
@@ -10156,7 +10165,7 @@
           <a:srgbClr val="000000"/>
         </a:buClr>
         <a:buFont typeface="Arial"/>
-        <a:defRPr b="0" i="0" sz="1400" u="none" cap="none" strike="noStrike">
+        <a:defRPr sz="1400" b="0" i="0" u="none" strike="noStrike" cap="none">
           <a:solidFill>
             <a:srgbClr val="000000"/>
           </a:solidFill>
@@ -10166,7 +10175,7 @@
           <a:sym typeface="Arial"/>
         </a:defRPr>
       </a:lvl5pPr>
-      <a:lvl6pPr lvl="5" marR="0" rtl="0" algn="l">
+      <a:lvl6pPr marR="0" lvl="5" algn="l" rtl="0">
         <a:lnSpc>
           <a:spcPct val="100000"/>
         </a:lnSpc>
@@ -10180,7 +10189,7 @@
           <a:srgbClr val="000000"/>
         </a:buClr>
         <a:buFont typeface="Arial"/>
-        <a:defRPr b="0" i="0" sz="1400" u="none" cap="none" strike="noStrike">
+        <a:defRPr sz="1400" b="0" i="0" u="none" strike="noStrike" cap="none">
           <a:solidFill>
             <a:srgbClr val="000000"/>
           </a:solidFill>
@@ -10190,7 +10199,7 @@
           <a:sym typeface="Arial"/>
         </a:defRPr>
       </a:lvl6pPr>
-      <a:lvl7pPr lvl="6" marR="0" rtl="0" algn="l">
+      <a:lvl7pPr marR="0" lvl="6" algn="l" rtl="0">
         <a:lnSpc>
           <a:spcPct val="100000"/>
         </a:lnSpc>
@@ -10204,7 +10213,7 @@
           <a:srgbClr val="000000"/>
         </a:buClr>
         <a:buFont typeface="Arial"/>
-        <a:defRPr b="0" i="0" sz="1400" u="none" cap="none" strike="noStrike">
+        <a:defRPr sz="1400" b="0" i="0" u="none" strike="noStrike" cap="none">
           <a:solidFill>
             <a:srgbClr val="000000"/>
           </a:solidFill>
@@ -10214,7 +10223,7 @@
           <a:sym typeface="Arial"/>
         </a:defRPr>
       </a:lvl7pPr>
-      <a:lvl8pPr lvl="7" marR="0" rtl="0" algn="l">
+      <a:lvl8pPr marR="0" lvl="7" algn="l" rtl="0">
         <a:lnSpc>
           <a:spcPct val="100000"/>
         </a:lnSpc>
@@ -10228,7 +10237,7 @@
           <a:srgbClr val="000000"/>
         </a:buClr>
         <a:buFont typeface="Arial"/>
-        <a:defRPr b="0" i="0" sz="1400" u="none" cap="none" strike="noStrike">
+        <a:defRPr sz="1400" b="0" i="0" u="none" strike="noStrike" cap="none">
           <a:solidFill>
             <a:srgbClr val="000000"/>
           </a:solidFill>
@@ -10238,7 +10247,7 @@
           <a:sym typeface="Arial"/>
         </a:defRPr>
       </a:lvl8pPr>
-      <a:lvl9pPr lvl="8" marR="0" rtl="0" algn="l">
+      <a:lvl9pPr marR="0" lvl="8" algn="l" rtl="0">
         <a:lnSpc>
           <a:spcPct val="100000"/>
         </a:lnSpc>
@@ -10252,7 +10261,7 @@
           <a:srgbClr val="000000"/>
         </a:buClr>
         <a:buFont typeface="Arial"/>
-        <a:defRPr b="0" i="0" sz="1400" u="none" cap="none" strike="noStrike">
+        <a:defRPr sz="1400" b="0" i="0" u="none" strike="noStrike" cap="none">
           <a:solidFill>
             <a:srgbClr val="000000"/>
           </a:solidFill>
@@ -10264,7 +10273,7 @@
       </a:lvl9pPr>
     </p:titleStyle>
     <p:bodyStyle>
-      <a:defPPr lvl="0" marR="0" rtl="0" algn="l">
+      <a:defPPr marR="0" lvl="0" algn="l" rtl="0">
         <a:lnSpc>
           <a:spcPct val="100000"/>
         </a:lnSpc>
@@ -10275,7 +10284,7 @@
           <a:spcPts val="0"/>
         </a:spcAft>
       </a:defPPr>
-      <a:lvl1pPr lvl="0" marR="0" rtl="0" algn="l">
+      <a:lvl1pPr marR="0" lvl="0" algn="l" rtl="0">
         <a:lnSpc>
           <a:spcPct val="100000"/>
         </a:lnSpc>
@@ -10289,7 +10298,7 @@
           <a:srgbClr val="000000"/>
         </a:buClr>
         <a:buFont typeface="Arial"/>
-        <a:defRPr b="0" i="0" sz="1400" u="none" cap="none" strike="noStrike">
+        <a:defRPr sz="1400" b="0" i="0" u="none" strike="noStrike" cap="none">
           <a:solidFill>
             <a:srgbClr val="000000"/>
           </a:solidFill>
@@ -10299,7 +10308,7 @@
           <a:sym typeface="Arial"/>
         </a:defRPr>
       </a:lvl1pPr>
-      <a:lvl2pPr lvl="1" marR="0" rtl="0" algn="l">
+      <a:lvl2pPr marR="0" lvl="1" algn="l" rtl="0">
         <a:lnSpc>
           <a:spcPct val="100000"/>
         </a:lnSpc>
@@ -10313,7 +10322,7 @@
           <a:srgbClr val="000000"/>
         </a:buClr>
         <a:buFont typeface="Arial"/>
-        <a:defRPr b="0" i="0" sz="1400" u="none" cap="none" strike="noStrike">
+        <a:defRPr sz="1400" b="0" i="0" u="none" strike="noStrike" cap="none">
           <a:solidFill>
             <a:srgbClr val="000000"/>
           </a:solidFill>
@@ -10323,7 +10332,7 @@
           <a:sym typeface="Arial"/>
         </a:defRPr>
       </a:lvl2pPr>
-      <a:lvl3pPr lvl="2" marR="0" rtl="0" algn="l">
+      <a:lvl3pPr marR="0" lvl="2" algn="l" rtl="0">
         <a:lnSpc>
           <a:spcPct val="100000"/>
         </a:lnSpc>
@@ -10337,7 +10346,7 @@
           <a:srgbClr val="000000"/>
         </a:buClr>
         <a:buFont typeface="Arial"/>
-        <a:defRPr b="0" i="0" sz="1400" u="none" cap="none" strike="noStrike">
+        <a:defRPr sz="1400" b="0" i="0" u="none" strike="noStrike" cap="none">
           <a:solidFill>
             <a:srgbClr val="000000"/>
           </a:solidFill>
@@ -10347,7 +10356,7 @@
           <a:sym typeface="Arial"/>
         </a:defRPr>
       </a:lvl3pPr>
-      <a:lvl4pPr lvl="3" marR="0" rtl="0" algn="l">
+      <a:lvl4pPr marR="0" lvl="3" algn="l" rtl="0">
         <a:lnSpc>
           <a:spcPct val="100000"/>
         </a:lnSpc>
@@ -10361,7 +10370,7 @@
           <a:srgbClr val="000000"/>
         </a:buClr>
         <a:buFont typeface="Arial"/>
-        <a:defRPr b="0" i="0" sz="1400" u="none" cap="none" strike="noStrike">
+        <a:defRPr sz="1400" b="0" i="0" u="none" strike="noStrike" cap="none">
           <a:solidFill>
             <a:srgbClr val="000000"/>
           </a:solidFill>
@@ -10371,7 +10380,7 @@
           <a:sym typeface="Arial"/>
         </a:defRPr>
       </a:lvl4pPr>
-      <a:lvl5pPr lvl="4" marR="0" rtl="0" algn="l">
+      <a:lvl5pPr marR="0" lvl="4" algn="l" rtl="0">
         <a:lnSpc>
           <a:spcPct val="100000"/>
         </a:lnSpc>
@@ -10385,7 +10394,7 @@
           <a:srgbClr val="000000"/>
         </a:buClr>
         <a:buFont typeface="Arial"/>
-        <a:defRPr b="0" i="0" sz="1400" u="none" cap="none" strike="noStrike">
+        <a:defRPr sz="1400" b="0" i="0" u="none" strike="noStrike" cap="none">
           <a:solidFill>
             <a:srgbClr val="000000"/>
           </a:solidFill>
@@ -10395,7 +10404,7 @@
           <a:sym typeface="Arial"/>
         </a:defRPr>
       </a:lvl5pPr>
-      <a:lvl6pPr lvl="5" marR="0" rtl="0" algn="l">
+      <a:lvl6pPr marR="0" lvl="5" algn="l" rtl="0">
         <a:lnSpc>
           <a:spcPct val="100000"/>
         </a:lnSpc>
@@ -10409,7 +10418,7 @@
           <a:srgbClr val="000000"/>
         </a:buClr>
         <a:buFont typeface="Arial"/>
-        <a:defRPr b="0" i="0" sz="1400" u="none" cap="none" strike="noStrike">
+        <a:defRPr sz="1400" b="0" i="0" u="none" strike="noStrike" cap="none">
           <a:solidFill>
             <a:srgbClr val="000000"/>
           </a:solidFill>
@@ -10419,7 +10428,7 @@
           <a:sym typeface="Arial"/>
         </a:defRPr>
       </a:lvl6pPr>
-      <a:lvl7pPr lvl="6" marR="0" rtl="0" algn="l">
+      <a:lvl7pPr marR="0" lvl="6" algn="l" rtl="0">
         <a:lnSpc>
           <a:spcPct val="100000"/>
         </a:lnSpc>
@@ -10433,7 +10442,7 @@
           <a:srgbClr val="000000"/>
         </a:buClr>
         <a:buFont typeface="Arial"/>
-        <a:defRPr b="0" i="0" sz="1400" u="none" cap="none" strike="noStrike">
+        <a:defRPr sz="1400" b="0" i="0" u="none" strike="noStrike" cap="none">
           <a:solidFill>
             <a:srgbClr val="000000"/>
           </a:solidFill>
@@ -10443,7 +10452,7 @@
           <a:sym typeface="Arial"/>
         </a:defRPr>
       </a:lvl7pPr>
-      <a:lvl8pPr lvl="7" marR="0" rtl="0" algn="l">
+      <a:lvl8pPr marR="0" lvl="7" algn="l" rtl="0">
         <a:lnSpc>
           <a:spcPct val="100000"/>
         </a:lnSpc>
@@ -10457,7 +10466,7 @@
           <a:srgbClr val="000000"/>
         </a:buClr>
         <a:buFont typeface="Arial"/>
-        <a:defRPr b="0" i="0" sz="1400" u="none" cap="none" strike="noStrike">
+        <a:defRPr sz="1400" b="0" i="0" u="none" strike="noStrike" cap="none">
           <a:solidFill>
             <a:srgbClr val="000000"/>
           </a:solidFill>
@@ -10467,7 +10476,7 @@
           <a:sym typeface="Arial"/>
         </a:defRPr>
       </a:lvl8pPr>
-      <a:lvl9pPr lvl="8" marR="0" rtl="0" algn="l">
+      <a:lvl9pPr marR="0" lvl="8" algn="l" rtl="0">
         <a:lnSpc>
           <a:spcPct val="100000"/>
         </a:lnSpc>
@@ -10481,7 +10490,7 @@
           <a:srgbClr val="000000"/>
         </a:buClr>
         <a:buFont typeface="Arial"/>
-        <a:defRPr b="0" i="0" sz="1400" u="none" cap="none" strike="noStrike">
+        <a:defRPr sz="1400" b="0" i="0" u="none" strike="noStrike" cap="none">
           <a:solidFill>
             <a:srgbClr val="000000"/>
           </a:solidFill>
@@ -10493,7 +10502,7 @@
       </a:lvl9pPr>
     </p:bodyStyle>
     <p:otherStyle>
-      <a:defPPr lvl="0" marR="0" rtl="0" algn="l">
+      <a:defPPr marR="0" lvl="0" algn="l" rtl="0">
         <a:lnSpc>
           <a:spcPct val="100000"/>
         </a:lnSpc>
@@ -10504,7 +10513,7 @@
           <a:spcPts val="0"/>
         </a:spcAft>
       </a:defPPr>
-      <a:lvl1pPr lvl="0" marR="0" rtl="0" algn="l">
+      <a:lvl1pPr marR="0" lvl="0" algn="l" rtl="0">
         <a:lnSpc>
           <a:spcPct val="100000"/>
         </a:lnSpc>
@@ -10518,7 +10527,7 @@
           <a:srgbClr val="000000"/>
         </a:buClr>
         <a:buFont typeface="Arial"/>
-        <a:defRPr b="0" i="0" sz="1400" u="none" cap="none" strike="noStrike">
+        <a:defRPr sz="1400" b="0" i="0" u="none" strike="noStrike" cap="none">
           <a:solidFill>
             <a:srgbClr val="000000"/>
           </a:solidFill>
@@ -10528,7 +10537,7 @@
           <a:sym typeface="Arial"/>
         </a:defRPr>
       </a:lvl1pPr>
-      <a:lvl2pPr lvl="1" marR="0" rtl="0" algn="l">
+      <a:lvl2pPr marR="0" lvl="1" algn="l" rtl="0">
         <a:lnSpc>
           <a:spcPct val="100000"/>
         </a:lnSpc>
@@ -10542,7 +10551,7 @@
           <a:srgbClr val="000000"/>
         </a:buClr>
         <a:buFont typeface="Arial"/>
-        <a:defRPr b="0" i="0" sz="1400" u="none" cap="none" strike="noStrike">
+        <a:defRPr sz="1400" b="0" i="0" u="none" strike="noStrike" cap="none">
           <a:solidFill>
             <a:srgbClr val="000000"/>
           </a:solidFill>
@@ -10552,7 +10561,7 @@
           <a:sym typeface="Arial"/>
         </a:defRPr>
       </a:lvl2pPr>
-      <a:lvl3pPr lvl="2" marR="0" rtl="0" algn="l">
+      <a:lvl3pPr marR="0" lvl="2" algn="l" rtl="0">
         <a:lnSpc>
           <a:spcPct val="100000"/>
         </a:lnSpc>
@@ -10566,7 +10575,7 @@
           <a:srgbClr val="000000"/>
         </a:buClr>
         <a:buFont typeface="Arial"/>
-        <a:defRPr b="0" i="0" sz="1400" u="none" cap="none" strike="noStrike">
+        <a:defRPr sz="1400" b="0" i="0" u="none" strike="noStrike" cap="none">
           <a:solidFill>
             <a:srgbClr val="000000"/>
           </a:solidFill>
@@ -10576,7 +10585,7 @@
           <a:sym typeface="Arial"/>
         </a:defRPr>
       </a:lvl3pPr>
-      <a:lvl4pPr lvl="3" marR="0" rtl="0" algn="l">
+      <a:lvl4pPr marR="0" lvl="3" algn="l" rtl="0">
         <a:lnSpc>
           <a:spcPct val="100000"/>
         </a:lnSpc>
@@ -10590,7 +10599,7 @@
           <a:srgbClr val="000000"/>
         </a:buClr>
         <a:buFont typeface="Arial"/>
-        <a:defRPr b="0" i="0" sz="1400" u="none" cap="none" strike="noStrike">
+        <a:defRPr sz="1400" b="0" i="0" u="none" strike="noStrike" cap="none">
           <a:solidFill>
             <a:srgbClr val="000000"/>
           </a:solidFill>
@@ -10600,7 +10609,7 @@
           <a:sym typeface="Arial"/>
         </a:defRPr>
       </a:lvl4pPr>
-      <a:lvl5pPr lvl="4" marR="0" rtl="0" algn="l">
+      <a:lvl5pPr marR="0" lvl="4" algn="l" rtl="0">
         <a:lnSpc>
           <a:spcPct val="100000"/>
         </a:lnSpc>
@@ -10614,7 +10623,7 @@
           <a:srgbClr val="000000"/>
         </a:buClr>
         <a:buFont typeface="Arial"/>
-        <a:defRPr b="0" i="0" sz="1400" u="none" cap="none" strike="noStrike">
+        <a:defRPr sz="1400" b="0" i="0" u="none" strike="noStrike" cap="none">
           <a:solidFill>
             <a:srgbClr val="000000"/>
           </a:solidFill>
@@ -10624,7 +10633,7 @@
           <a:sym typeface="Arial"/>
         </a:defRPr>
       </a:lvl5pPr>
-      <a:lvl6pPr lvl="5" marR="0" rtl="0" algn="l">
+      <a:lvl6pPr marR="0" lvl="5" algn="l" rtl="0">
         <a:lnSpc>
           <a:spcPct val="100000"/>
         </a:lnSpc>
@@ -10638,7 +10647,7 @@
           <a:srgbClr val="000000"/>
         </a:buClr>
         <a:buFont typeface="Arial"/>
-        <a:defRPr b="0" i="0" sz="1400" u="none" cap="none" strike="noStrike">
+        <a:defRPr sz="1400" b="0" i="0" u="none" strike="noStrike" cap="none">
           <a:solidFill>
             <a:srgbClr val="000000"/>
           </a:solidFill>
@@ -10648,7 +10657,7 @@
           <a:sym typeface="Arial"/>
         </a:defRPr>
       </a:lvl6pPr>
-      <a:lvl7pPr lvl="6" marR="0" rtl="0" algn="l">
+      <a:lvl7pPr marR="0" lvl="6" algn="l" rtl="0">
         <a:lnSpc>
           <a:spcPct val="100000"/>
         </a:lnSpc>
@@ -10662,7 +10671,7 @@
           <a:srgbClr val="000000"/>
         </a:buClr>
         <a:buFont typeface="Arial"/>
-        <a:defRPr b="0" i="0" sz="1400" u="none" cap="none" strike="noStrike">
+        <a:defRPr sz="1400" b="0" i="0" u="none" strike="noStrike" cap="none">
           <a:solidFill>
             <a:srgbClr val="000000"/>
           </a:solidFill>
@@ -10672,7 +10681,7 @@
           <a:sym typeface="Arial"/>
         </a:defRPr>
       </a:lvl7pPr>
-      <a:lvl8pPr lvl="7" marR="0" rtl="0" algn="l">
+      <a:lvl8pPr marR="0" lvl="7" algn="l" rtl="0">
         <a:lnSpc>
           <a:spcPct val="100000"/>
         </a:lnSpc>
@@ -10686,7 +10695,7 @@
           <a:srgbClr val="000000"/>
         </a:buClr>
         <a:buFont typeface="Arial"/>
-        <a:defRPr b="0" i="0" sz="1400" u="none" cap="none" strike="noStrike">
+        <a:defRPr sz="1400" b="0" i="0" u="none" strike="noStrike" cap="none">
           <a:solidFill>
             <a:srgbClr val="000000"/>
           </a:solidFill>
@@ -10696,7 +10705,7 @@
           <a:sym typeface="Arial"/>
         </a:defRPr>
       </a:lvl8pPr>
-      <a:lvl9pPr lvl="8" marR="0" rtl="0" algn="l">
+      <a:lvl9pPr marR="0" lvl="8" algn="l" rtl="0">
         <a:lnSpc>
           <a:spcPct val="100000"/>
         </a:lnSpc>
@@ -10710,7 +10719,7 @@
           <a:srgbClr val="000000"/>
         </a:buClr>
         <a:buFont typeface="Arial"/>
-        <a:defRPr b="0" i="0" sz="1400" u="none" cap="none" strike="noStrike">
+        <a:defRPr sz="1400" b="0" i="0" u="none" strike="noStrike" cap="none">
           <a:solidFill>
             <a:srgbClr val="000000"/>
           </a:solidFill>
@@ -10726,11 +10735,11 @@
 </file>
 
 <file path=ppt/slides/slide1.xml><?xml version="1.0" encoding="utf-8"?>
-<p:sld xmlns:a="http://schemas.openxmlformats.org/drawingml/2006/main" xmlns:r="http://schemas.openxmlformats.org/officeDocument/2006/relationships" xmlns:mc="http://schemas.openxmlformats.org/markup-compatibility/2006" xmlns:mv="urn:schemas-microsoft-com:mac:vml" xmlns:p="http://schemas.openxmlformats.org/presentationml/2006/main" xmlns:c="http://schemas.openxmlformats.org/drawingml/2006/chart" xmlns:dgm="http://schemas.openxmlformats.org/drawingml/2006/diagram" xmlns:o="urn:schemas-microsoft-com:office:office" xmlns:v="urn:schemas-microsoft-com:vml" xmlns:pvml="urn:schemas-microsoft-com:office:powerpoint" xmlns:com="http://schemas.openxmlformats.org/drawingml/2006/compatibility" xmlns:p14="http://schemas.microsoft.com/office/powerpoint/2010/main" xmlns:p15="http://schemas.microsoft.com/office/powerpoint/2012/main">
+<p:sld xmlns:a="http://schemas.openxmlformats.org/drawingml/2006/main" xmlns:r="http://schemas.openxmlformats.org/officeDocument/2006/relationships" xmlns:p="http://schemas.openxmlformats.org/presentationml/2006/main">
   <p:cSld>
     <p:spTree>
       <p:nvGrpSpPr>
-        <p:cNvPr id="165" name="Shape 165"/>
+        <p:cNvPr id="1" name="Shape 165"/>
         <p:cNvGrpSpPr/>
         <p:nvPr/>
       </p:nvGrpSpPr>
@@ -10745,9 +10754,11 @@
       <p:sp>
         <p:nvSpPr>
           <p:cNvPr id="166" name="Google Shape;166;p15"/>
-          <p:cNvSpPr txBox="1"/>
+          <p:cNvSpPr txBox="1">
+            <a:spLocks noGrp="1"/>
+          </p:cNvSpPr>
           <p:nvPr>
-            <p:ph idx="4294967295" type="subTitle"/>
+            <p:ph type="subTitle" idx="4294967295"/>
           </p:nvPr>
         </p:nvSpPr>
         <p:spPr>
@@ -10760,12 +10771,12 @@
           </a:prstGeom>
         </p:spPr>
         <p:txBody>
-          <a:bodyPr anchorCtr="0" anchor="t" bIns="91425" lIns="91425" spcFirstLastPara="1" rIns="91425" wrap="square" tIns="91425">
+          <a:bodyPr spcFirstLastPara="1" wrap="square" lIns="91425" tIns="91425" rIns="91425" bIns="91425" anchor="t" anchorCtr="0">
             <a:noAutofit/>
           </a:bodyPr>
           <a:lstStyle/>
           <a:p>
-            <a:pPr indent="0" lvl="0" marL="0" rtl="0" algn="l">
+            <a:pPr marL="0" lvl="0" indent="0" algn="l" rtl="0">
               <a:spcBef>
                 <a:spcPts val="600"/>
               </a:spcBef>
@@ -10780,7 +10791,7 @@
               <a:buNone/>
             </a:pPr>
             <a:r>
-              <a:rPr i="1" lang="en">
+              <a:rPr lang="en" i="1">
                 <a:solidFill>
                   <a:srgbClr val="434343"/>
                 </a:solidFill>
@@ -10794,7 +10805,7 @@
             </a:endParaRPr>
           </a:p>
           <a:p>
-            <a:pPr indent="0" lvl="0" marL="0" rtl="0" algn="l">
+            <a:pPr marL="0" lvl="0" indent="0" algn="l" rtl="0">
               <a:spcBef>
                 <a:spcPts val="600"/>
               </a:spcBef>
@@ -10803,9 +10814,6 @@
               </a:spcAft>
               <a:buNone/>
             </a:pPr>
-            <a:r>
-              <a:t/>
-            </a:r>
             <a:endParaRPr/>
           </a:p>
         </p:txBody>
@@ -10871,15 +10879,22 @@
   <p:clrMapOvr>
     <a:masterClrMapping/>
   </p:clrMapOvr>
+  <p:timing>
+    <p:tnLst>
+      <p:par>
+        <p:cTn id="1" dur="indefinite" restart="never" nodeType="tmRoot"/>
+      </p:par>
+    </p:tnLst>
+  </p:timing>
 </p:sld>
 </file>
 
 <file path=ppt/slides/slide10.xml><?xml version="1.0" encoding="utf-8"?>
-<p:sld xmlns:a="http://schemas.openxmlformats.org/drawingml/2006/main" xmlns:r="http://schemas.openxmlformats.org/officeDocument/2006/relationships" xmlns:mc="http://schemas.openxmlformats.org/markup-compatibility/2006" xmlns:mv="urn:schemas-microsoft-com:mac:vml" xmlns:p="http://schemas.openxmlformats.org/presentationml/2006/main" xmlns:c="http://schemas.openxmlformats.org/drawingml/2006/chart" xmlns:dgm="http://schemas.openxmlformats.org/drawingml/2006/diagram" xmlns:o="urn:schemas-microsoft-com:office:office" xmlns:v="urn:schemas-microsoft-com:vml" xmlns:pvml="urn:schemas-microsoft-com:office:powerpoint" xmlns:com="http://schemas.openxmlformats.org/drawingml/2006/compatibility" xmlns:p14="http://schemas.microsoft.com/office/powerpoint/2010/main" xmlns:p15="http://schemas.microsoft.com/office/powerpoint/2012/main">
+<p:sld xmlns:a="http://schemas.openxmlformats.org/drawingml/2006/main" xmlns:r="http://schemas.openxmlformats.org/officeDocument/2006/relationships" xmlns:p="http://schemas.openxmlformats.org/presentationml/2006/main">
   <p:cSld>
     <p:spTree>
       <p:nvGrpSpPr>
-        <p:cNvPr id="228" name="Shape 228"/>
+        <p:cNvPr id="1" name="Shape 228"/>
         <p:cNvGrpSpPr/>
         <p:nvPr/>
       </p:nvGrpSpPr>
@@ -10894,7 +10909,9 @@
       <p:sp>
         <p:nvSpPr>
           <p:cNvPr id="229" name="Google Shape;229;p24"/>
-          <p:cNvSpPr txBox="1"/>
+          <p:cNvSpPr txBox="1">
+            <a:spLocks noGrp="1"/>
+          </p:cNvSpPr>
           <p:nvPr>
             <p:ph type="title"/>
           </p:nvPr>
@@ -10909,12 +10926,12 @@
           </a:prstGeom>
         </p:spPr>
         <p:txBody>
-          <a:bodyPr anchorCtr="0" anchor="b" bIns="91425" lIns="91425" spcFirstLastPara="1" rIns="91425" wrap="square" tIns="91425">
+          <a:bodyPr spcFirstLastPara="1" wrap="square" lIns="91425" tIns="91425" rIns="91425" bIns="91425" anchor="b" anchorCtr="0">
             <a:noAutofit/>
           </a:bodyPr>
           <a:lstStyle/>
           <a:p>
-            <a:pPr indent="0" lvl="0" marL="0" rtl="0" algn="l">
+            <a:pPr marL="0" lvl="0" indent="0" algn="l" rtl="0">
               <a:spcBef>
                 <a:spcPts val="0"/>
               </a:spcBef>
@@ -10934,9 +10951,11 @@
       <p:sp>
         <p:nvSpPr>
           <p:cNvPr id="230" name="Google Shape;230;p24"/>
-          <p:cNvSpPr txBox="1"/>
+          <p:cNvSpPr txBox="1">
+            <a:spLocks noGrp="1"/>
+          </p:cNvSpPr>
           <p:nvPr>
-            <p:ph idx="1" type="body"/>
+            <p:ph type="body" idx="1"/>
           </p:nvPr>
         </p:nvSpPr>
         <p:spPr>
@@ -10949,12 +10968,12 @@
           </a:prstGeom>
         </p:spPr>
         <p:txBody>
-          <a:bodyPr anchorCtr="0" anchor="t" bIns="91425" lIns="91425" spcFirstLastPara="1" rIns="91425" wrap="square" tIns="91425">
+          <a:bodyPr spcFirstLastPara="1" wrap="square" lIns="91425" tIns="91425" rIns="91425" bIns="91425" anchor="t" anchorCtr="0">
             <a:noAutofit/>
           </a:bodyPr>
           <a:lstStyle/>
           <a:p>
-            <a:pPr indent="-355600" lvl="0" marL="457200" rtl="0" algn="l">
+            <a:pPr marL="457200" lvl="0" indent="-355600" algn="l" rtl="0">
               <a:spcBef>
                 <a:spcPts val="600"/>
               </a:spcBef>
@@ -10965,15 +10984,27 @@
               <a:buChar char="»"/>
             </a:pPr>
             <a:r>
-              <a:rPr lang="en"/>
-              <a:t>Repetitive movement</a:t>
+              <a:rPr lang="en-US" dirty="0" smtClean="0">
+                <a:hlinkClick r:id="rId3"/>
+              </a:rPr>
+              <a:t>Survey 1</a:t>
             </a:r>
-            <a:endParaRPr/>
+            <a:r>
+              <a:rPr lang="en-US" dirty="0" smtClean="0"/>
+              <a:t>, </a:t>
+            </a:r>
+            <a:r>
+              <a:rPr lang="en-US" dirty="0" smtClean="0">
+                <a:hlinkClick r:id="rId4"/>
+              </a:rPr>
+              <a:t>Survey 2</a:t>
+            </a:r>
+            <a:endParaRPr lang="en-US" dirty="0" smtClean="0"/>
           </a:p>
           <a:p>
-            <a:pPr indent="-355600" lvl="0" marL="457200" rtl="0" algn="l">
-              <a:spcBef>
-                <a:spcPts val="0"/>
+            <a:pPr marL="457200" lvl="0" indent="-355600" algn="l" rtl="0">
+              <a:spcBef>
+                <a:spcPts val="600"/>
               </a:spcBef>
               <a:spcAft>
                 <a:spcPts val="0"/>
@@ -10982,13 +11013,13 @@
               <a:buChar char="»"/>
             </a:pPr>
             <a:r>
-              <a:rPr lang="en"/>
-              <a:t>Jumping and sticking mechanics required polish</a:t>
+              <a:rPr lang="en-US" dirty="0" smtClean="0"/>
+              <a:t>Repetitive movement</a:t>
             </a:r>
-            <a:endParaRPr/>
+            <a:endParaRPr dirty="0"/>
           </a:p>
           <a:p>
-            <a:pPr indent="-355600" lvl="0" marL="457200" rtl="0" algn="l">
+            <a:pPr marL="457200" lvl="0" indent="-355600" algn="l" rtl="0">
               <a:spcBef>
                 <a:spcPts val="0"/>
               </a:spcBef>
@@ -10999,13 +11030,13 @@
               <a:buChar char="»"/>
             </a:pPr>
             <a:r>
-              <a:rPr lang="en"/>
-              <a:t>More difficult levels</a:t>
+              <a:rPr lang="en" dirty="0"/>
+              <a:t>Jumping and sticking mechanics required polish</a:t>
             </a:r>
-            <a:endParaRPr/>
+            <a:endParaRPr dirty="0"/>
           </a:p>
           <a:p>
-            <a:pPr indent="-355600" lvl="0" marL="457200" rtl="0" algn="l">
+            <a:pPr marL="457200" lvl="0" indent="-355600" algn="l" rtl="0">
               <a:spcBef>
                 <a:spcPts val="0"/>
               </a:spcBef>
@@ -11016,13 +11047,30 @@
               <a:buChar char="»"/>
             </a:pPr>
             <a:r>
-              <a:rPr lang="en"/>
+              <a:rPr lang="en" dirty="0"/>
+              <a:t>More difficult levels</a:t>
+            </a:r>
+            <a:endParaRPr dirty="0"/>
+          </a:p>
+          <a:p>
+            <a:pPr marL="457200" lvl="0" indent="-355600" algn="l" rtl="0">
+              <a:spcBef>
+                <a:spcPts val="0"/>
+              </a:spcBef>
+              <a:spcAft>
+                <a:spcPts val="0"/>
+              </a:spcAft>
+              <a:buSzPts val="2000"/>
+              <a:buChar char="»"/>
+            </a:pPr>
+            <a:r>
+              <a:rPr lang="en" dirty="0"/>
               <a:t>Improve the hub world</a:t>
             </a:r>
-            <a:endParaRPr/>
+            <a:endParaRPr dirty="0"/>
           </a:p>
           <a:p>
-            <a:pPr indent="0" lvl="0" marL="457200" rtl="0" algn="l">
+            <a:pPr marL="457200" lvl="0" indent="0" algn="l" rtl="0">
               <a:spcBef>
                 <a:spcPts val="600"/>
               </a:spcBef>
@@ -11031,10 +11079,7 @@
               </a:spcAft>
               <a:buNone/>
             </a:pPr>
-            <a:r>
-              <a:t/>
-            </a:r>
-            <a:endParaRPr/>
+            <a:endParaRPr dirty="0"/>
           </a:p>
         </p:txBody>
       </p:sp>
@@ -11043,15 +11088,22 @@
   <p:clrMapOvr>
     <a:masterClrMapping/>
   </p:clrMapOvr>
+  <p:timing>
+    <p:tnLst>
+      <p:par>
+        <p:cTn id="1" dur="indefinite" restart="never" nodeType="tmRoot"/>
+      </p:par>
+    </p:tnLst>
+  </p:timing>
 </p:sld>
 </file>
 
 <file path=ppt/slides/slide11.xml><?xml version="1.0" encoding="utf-8"?>
-<p:sld xmlns:a="http://schemas.openxmlformats.org/drawingml/2006/main" xmlns:r="http://schemas.openxmlformats.org/officeDocument/2006/relationships" xmlns:mc="http://schemas.openxmlformats.org/markup-compatibility/2006" xmlns:mv="urn:schemas-microsoft-com:mac:vml" xmlns:p="http://schemas.openxmlformats.org/presentationml/2006/main" xmlns:c="http://schemas.openxmlformats.org/drawingml/2006/chart" xmlns:dgm="http://schemas.openxmlformats.org/drawingml/2006/diagram" xmlns:o="urn:schemas-microsoft-com:office:office" xmlns:v="urn:schemas-microsoft-com:vml" xmlns:pvml="urn:schemas-microsoft-com:office:powerpoint" xmlns:com="http://schemas.openxmlformats.org/drawingml/2006/compatibility" xmlns:p14="http://schemas.microsoft.com/office/powerpoint/2010/main" xmlns:p15="http://schemas.microsoft.com/office/powerpoint/2012/main">
+<p:sld xmlns:a="http://schemas.openxmlformats.org/drawingml/2006/main" xmlns:r="http://schemas.openxmlformats.org/officeDocument/2006/relationships" xmlns:p="http://schemas.openxmlformats.org/presentationml/2006/main">
   <p:cSld>
     <p:spTree>
       <p:nvGrpSpPr>
-        <p:cNvPr id="234" name="Shape 234"/>
+        <p:cNvPr id="1" name="Shape 234"/>
         <p:cNvGrpSpPr/>
         <p:nvPr/>
       </p:nvGrpSpPr>
@@ -11066,7 +11118,9 @@
       <p:sp>
         <p:nvSpPr>
           <p:cNvPr id="235" name="Google Shape;235;p25"/>
-          <p:cNvSpPr txBox="1"/>
+          <p:cNvSpPr txBox="1">
+            <a:spLocks noGrp="1"/>
+          </p:cNvSpPr>
           <p:nvPr>
             <p:ph type="title"/>
           </p:nvPr>
@@ -11081,12 +11135,12 @@
           </a:prstGeom>
         </p:spPr>
         <p:txBody>
-          <a:bodyPr anchorCtr="0" anchor="b" bIns="91425" lIns="91425" spcFirstLastPara="1" rIns="91425" wrap="square" tIns="91425">
+          <a:bodyPr spcFirstLastPara="1" wrap="square" lIns="91425" tIns="91425" rIns="91425" bIns="91425" anchor="b" anchorCtr="0">
             <a:noAutofit/>
           </a:bodyPr>
           <a:lstStyle/>
           <a:p>
-            <a:pPr indent="0" lvl="0" marL="0" rtl="0" algn="l">
+            <a:pPr marL="0" lvl="0" indent="0" algn="l" rtl="0">
               <a:spcBef>
                 <a:spcPts val="0"/>
               </a:spcBef>
@@ -11106,9 +11160,11 @@
       <p:sp>
         <p:nvSpPr>
           <p:cNvPr id="236" name="Google Shape;236;p25"/>
-          <p:cNvSpPr txBox="1"/>
+          <p:cNvSpPr txBox="1">
+            <a:spLocks noGrp="1"/>
+          </p:cNvSpPr>
           <p:nvPr>
-            <p:ph idx="1" type="body"/>
+            <p:ph type="body" idx="1"/>
           </p:nvPr>
         </p:nvSpPr>
         <p:spPr>
@@ -11121,12 +11177,12 @@
           </a:prstGeom>
         </p:spPr>
         <p:txBody>
-          <a:bodyPr anchorCtr="0" anchor="t" bIns="91425" lIns="91425" spcFirstLastPara="1" rIns="91425" wrap="square" tIns="91425">
+          <a:bodyPr spcFirstLastPara="1" wrap="square" lIns="91425" tIns="91425" rIns="91425" bIns="91425" anchor="t" anchorCtr="0">
             <a:noAutofit/>
           </a:bodyPr>
           <a:lstStyle/>
           <a:p>
-            <a:pPr indent="0" lvl="0" marL="0" rtl="0" algn="l">
+            <a:pPr marL="0" lvl="0" indent="0" algn="l" rtl="0">
               <a:spcBef>
                 <a:spcPts val="600"/>
               </a:spcBef>
@@ -11142,7 +11198,7 @@
             <a:endParaRPr/>
           </a:p>
           <a:p>
-            <a:pPr indent="0" lvl="0" marL="0" rtl="0" algn="l">
+            <a:pPr marL="0" lvl="0" indent="0" algn="l" rtl="0">
               <a:spcBef>
                 <a:spcPts val="600"/>
               </a:spcBef>
@@ -11164,15 +11220,22 @@
   <p:clrMapOvr>
     <a:masterClrMapping/>
   </p:clrMapOvr>
+  <p:timing>
+    <p:tnLst>
+      <p:par>
+        <p:cTn id="1" dur="indefinite" restart="never" nodeType="tmRoot"/>
+      </p:par>
+    </p:tnLst>
+  </p:timing>
 </p:sld>
 </file>
 
 <file path=ppt/slides/slide12.xml><?xml version="1.0" encoding="utf-8"?>
-<p:sld xmlns:a="http://schemas.openxmlformats.org/drawingml/2006/main" xmlns:r="http://schemas.openxmlformats.org/officeDocument/2006/relationships" xmlns:mc="http://schemas.openxmlformats.org/markup-compatibility/2006" xmlns:mv="urn:schemas-microsoft-com:mac:vml" xmlns:p="http://schemas.openxmlformats.org/presentationml/2006/main" xmlns:c="http://schemas.openxmlformats.org/drawingml/2006/chart" xmlns:dgm="http://schemas.openxmlformats.org/drawingml/2006/diagram" xmlns:o="urn:schemas-microsoft-com:office:office" xmlns:v="urn:schemas-microsoft-com:vml" xmlns:pvml="urn:schemas-microsoft-com:office:powerpoint" xmlns:com="http://schemas.openxmlformats.org/drawingml/2006/compatibility" xmlns:p14="http://schemas.microsoft.com/office/powerpoint/2010/main" xmlns:p15="http://schemas.microsoft.com/office/powerpoint/2012/main">
+<p:sld xmlns:a="http://schemas.openxmlformats.org/drawingml/2006/main" xmlns:r="http://schemas.openxmlformats.org/officeDocument/2006/relationships" xmlns:p="http://schemas.openxmlformats.org/presentationml/2006/main">
   <p:cSld>
     <p:spTree>
       <p:nvGrpSpPr>
-        <p:cNvPr id="240" name="Shape 240"/>
+        <p:cNvPr id="1" name="Shape 240"/>
         <p:cNvGrpSpPr/>
         <p:nvPr/>
       </p:nvGrpSpPr>
@@ -11187,7 +11250,9 @@
       <p:sp>
         <p:nvSpPr>
           <p:cNvPr id="241" name="Google Shape;241;p26"/>
-          <p:cNvSpPr txBox="1"/>
+          <p:cNvSpPr txBox="1">
+            <a:spLocks noGrp="1"/>
+          </p:cNvSpPr>
           <p:nvPr>
             <p:ph type="title"/>
           </p:nvPr>
@@ -11202,12 +11267,12 @@
           </a:prstGeom>
         </p:spPr>
         <p:txBody>
-          <a:bodyPr anchorCtr="0" anchor="ctr" bIns="91425" lIns="91425" spcFirstLastPara="1" rIns="91425" wrap="square" tIns="91425">
+          <a:bodyPr spcFirstLastPara="1" wrap="square" lIns="91425" tIns="91425" rIns="91425" bIns="91425" anchor="ctr" anchorCtr="0">
             <a:noAutofit/>
           </a:bodyPr>
           <a:lstStyle/>
           <a:p>
-            <a:pPr indent="0" lvl="0" marL="0" rtl="0" algn="ctr">
+            <a:pPr marL="0" lvl="0" indent="0" algn="ctr" rtl="0">
               <a:spcBef>
                 <a:spcPts val="0"/>
               </a:spcBef>
@@ -11233,11 +11298,11 @@
 </file>
 
 <file path=ppt/slides/slide2.xml><?xml version="1.0" encoding="utf-8"?>
-<p:sld xmlns:a="http://schemas.openxmlformats.org/drawingml/2006/main" xmlns:r="http://schemas.openxmlformats.org/officeDocument/2006/relationships" xmlns:mc="http://schemas.openxmlformats.org/markup-compatibility/2006" xmlns:mv="urn:schemas-microsoft-com:mac:vml" xmlns:p="http://schemas.openxmlformats.org/presentationml/2006/main" xmlns:c="http://schemas.openxmlformats.org/drawingml/2006/chart" xmlns:dgm="http://schemas.openxmlformats.org/drawingml/2006/diagram" xmlns:o="urn:schemas-microsoft-com:office:office" xmlns:v="urn:schemas-microsoft-com:vml" xmlns:pvml="urn:schemas-microsoft-com:office:powerpoint" xmlns:com="http://schemas.openxmlformats.org/drawingml/2006/compatibility" xmlns:p14="http://schemas.microsoft.com/office/powerpoint/2010/main" xmlns:p15="http://schemas.microsoft.com/office/powerpoint/2012/main">
+<p:sld xmlns:a="http://schemas.openxmlformats.org/drawingml/2006/main" xmlns:r="http://schemas.openxmlformats.org/officeDocument/2006/relationships" xmlns:p="http://schemas.openxmlformats.org/presentationml/2006/main">
   <p:cSld>
     <p:spTree>
       <p:nvGrpSpPr>
-        <p:cNvPr id="172" name="Shape 172"/>
+        <p:cNvPr id="1" name="Shape 172"/>
         <p:cNvGrpSpPr/>
         <p:nvPr/>
       </p:nvGrpSpPr>
@@ -11280,9 +11345,11 @@
       <p:sp>
         <p:nvSpPr>
           <p:cNvPr id="174" name="Google Shape;174;p16"/>
-          <p:cNvSpPr txBox="1"/>
+          <p:cNvSpPr txBox="1">
+            <a:spLocks noGrp="1"/>
+          </p:cNvSpPr>
           <p:nvPr>
-            <p:ph idx="4294967295" type="subTitle"/>
+            <p:ph type="subTitle" idx="4294967295"/>
           </p:nvPr>
         </p:nvSpPr>
         <p:spPr>
@@ -11295,12 +11362,12 @@
           </a:prstGeom>
         </p:spPr>
         <p:txBody>
-          <a:bodyPr anchorCtr="0" anchor="t" bIns="91425" lIns="91425" spcFirstLastPara="1" rIns="91425" wrap="square" tIns="91425">
+          <a:bodyPr spcFirstLastPara="1" wrap="square" lIns="91425" tIns="91425" rIns="91425" bIns="91425" anchor="t" anchorCtr="0">
             <a:noAutofit/>
           </a:bodyPr>
           <a:lstStyle/>
           <a:p>
-            <a:pPr indent="0" lvl="0" marL="0" rtl="0" algn="l">
+            <a:pPr marL="0" lvl="0" indent="0" algn="l" rtl="0">
               <a:spcBef>
                 <a:spcPts val="600"/>
               </a:spcBef>
@@ -11330,15 +11397,22 @@
   <p:clrMapOvr>
     <a:masterClrMapping/>
   </p:clrMapOvr>
+  <p:timing>
+    <p:tnLst>
+      <p:par>
+        <p:cTn id="1" dur="indefinite" restart="never" nodeType="tmRoot"/>
+      </p:par>
+    </p:tnLst>
+  </p:timing>
 </p:sld>
 </file>
 
 <file path=ppt/slides/slide3.xml><?xml version="1.0" encoding="utf-8"?>
-<p:sld xmlns:a="http://schemas.openxmlformats.org/drawingml/2006/main" xmlns:r="http://schemas.openxmlformats.org/officeDocument/2006/relationships" xmlns:mc="http://schemas.openxmlformats.org/markup-compatibility/2006" xmlns:mv="urn:schemas-microsoft-com:mac:vml" xmlns:p="http://schemas.openxmlformats.org/presentationml/2006/main" xmlns:c="http://schemas.openxmlformats.org/drawingml/2006/chart" xmlns:dgm="http://schemas.openxmlformats.org/drawingml/2006/diagram" xmlns:o="urn:schemas-microsoft-com:office:office" xmlns:v="urn:schemas-microsoft-com:vml" xmlns:pvml="urn:schemas-microsoft-com:office:powerpoint" xmlns:com="http://schemas.openxmlformats.org/drawingml/2006/compatibility" xmlns:p14="http://schemas.microsoft.com/office/powerpoint/2010/main" xmlns:p15="http://schemas.microsoft.com/office/powerpoint/2012/main">
+<p:sld xmlns:a="http://schemas.openxmlformats.org/drawingml/2006/main" xmlns:r="http://schemas.openxmlformats.org/officeDocument/2006/relationships" xmlns:p="http://schemas.openxmlformats.org/presentationml/2006/main">
   <p:cSld>
     <p:spTree>
       <p:nvGrpSpPr>
-        <p:cNvPr id="178" name="Shape 178"/>
+        <p:cNvPr id="1" name="Shape 178"/>
         <p:cNvGrpSpPr/>
         <p:nvPr/>
       </p:nvGrpSpPr>
@@ -11353,7 +11427,9 @@
       <p:sp>
         <p:nvSpPr>
           <p:cNvPr id="179" name="Google Shape;179;p17"/>
-          <p:cNvSpPr txBox="1"/>
+          <p:cNvSpPr txBox="1">
+            <a:spLocks noGrp="1"/>
+          </p:cNvSpPr>
           <p:nvPr>
             <p:ph type="title"/>
           </p:nvPr>
@@ -11368,12 +11444,12 @@
           </a:prstGeom>
         </p:spPr>
         <p:txBody>
-          <a:bodyPr anchorCtr="0" anchor="b" bIns="91425" lIns="91425" spcFirstLastPara="1" rIns="91425" wrap="square" tIns="91425">
+          <a:bodyPr spcFirstLastPara="1" wrap="square" lIns="91425" tIns="91425" rIns="91425" bIns="91425" anchor="b" anchorCtr="0">
             <a:noAutofit/>
           </a:bodyPr>
           <a:lstStyle/>
           <a:p>
-            <a:pPr indent="0" lvl="0" marL="0" rtl="0" algn="l">
+            <a:pPr marL="0" lvl="0" indent="0" algn="l" rtl="0">
               <a:spcBef>
                 <a:spcPts val="0"/>
               </a:spcBef>
@@ -11393,9 +11469,11 @@
       <p:sp>
         <p:nvSpPr>
           <p:cNvPr id="180" name="Google Shape;180;p17"/>
-          <p:cNvSpPr txBox="1"/>
+          <p:cNvSpPr txBox="1">
+            <a:spLocks noGrp="1"/>
+          </p:cNvSpPr>
           <p:nvPr>
-            <p:ph idx="1" type="body"/>
+            <p:ph type="body" idx="1"/>
           </p:nvPr>
         </p:nvSpPr>
         <p:spPr>
@@ -11408,12 +11486,12 @@
           </a:prstGeom>
         </p:spPr>
         <p:txBody>
-          <a:bodyPr anchorCtr="0" anchor="t" bIns="91425" lIns="91425" spcFirstLastPara="1" rIns="91425" wrap="square" tIns="91425">
+          <a:bodyPr spcFirstLastPara="1" wrap="square" lIns="91425" tIns="91425" rIns="91425" bIns="91425" anchor="t" anchorCtr="0">
             <a:noAutofit/>
           </a:bodyPr>
           <a:lstStyle/>
           <a:p>
-            <a:pPr indent="0" lvl="0" marL="0" rtl="0" algn="l">
+            <a:pPr marL="0" lvl="0" indent="0" algn="l" rtl="0">
               <a:spcBef>
                 <a:spcPts val="600"/>
               </a:spcBef>
@@ -11429,7 +11507,7 @@
             <a:endParaRPr/>
           </a:p>
           <a:p>
-            <a:pPr indent="-355600" lvl="0" marL="457200" rtl="0" algn="l">
+            <a:pPr marL="457200" lvl="0" indent="-355600" algn="l" rtl="0">
               <a:spcBef>
                 <a:spcPts val="600"/>
               </a:spcBef>
@@ -11446,7 +11524,7 @@
             <a:endParaRPr/>
           </a:p>
           <a:p>
-            <a:pPr indent="-355600" lvl="0" marL="457200" rtl="0" algn="l">
+            <a:pPr marL="457200" lvl="0" indent="-355600" algn="l" rtl="0">
               <a:spcBef>
                 <a:spcPts val="0"/>
               </a:spcBef>
@@ -11463,7 +11541,7 @@
             <a:endParaRPr/>
           </a:p>
           <a:p>
-            <a:pPr indent="-355600" lvl="0" marL="457200" rtl="0" algn="l">
+            <a:pPr marL="457200" lvl="0" indent="-355600" algn="l" rtl="0">
               <a:spcBef>
                 <a:spcPts val="0"/>
               </a:spcBef>
@@ -11480,7 +11558,7 @@
             <a:endParaRPr/>
           </a:p>
           <a:p>
-            <a:pPr indent="-355600" lvl="0" marL="457200" rtl="0" algn="l">
+            <a:pPr marL="457200" lvl="0" indent="-355600" algn="l" rtl="0">
               <a:spcBef>
                 <a:spcPts val="0"/>
               </a:spcBef>
@@ -11497,7 +11575,7 @@
             <a:endParaRPr/>
           </a:p>
           <a:p>
-            <a:pPr indent="0" lvl="0" marL="0" rtl="0" algn="l">
+            <a:pPr marL="0" lvl="0" indent="0" algn="l" rtl="0">
               <a:spcBef>
                 <a:spcPts val="600"/>
               </a:spcBef>
@@ -11513,7 +11591,7 @@
             <a:endParaRPr/>
           </a:p>
           <a:p>
-            <a:pPr indent="-355600" lvl="0" marL="457200" rtl="0" algn="l">
+            <a:pPr marL="457200" lvl="0" indent="-355600" algn="l" rtl="0">
               <a:spcBef>
                 <a:spcPts val="600"/>
               </a:spcBef>
@@ -11530,7 +11608,7 @@
             <a:endParaRPr/>
           </a:p>
           <a:p>
-            <a:pPr indent="-355600" lvl="0" marL="457200" rtl="0" algn="l">
+            <a:pPr marL="457200" lvl="0" indent="-355600" algn="l" rtl="0">
               <a:spcBef>
                 <a:spcPts val="0"/>
               </a:spcBef>
@@ -11553,15 +11631,22 @@
   <p:clrMapOvr>
     <a:masterClrMapping/>
   </p:clrMapOvr>
+  <p:timing>
+    <p:tnLst>
+      <p:par>
+        <p:cTn id="1" dur="indefinite" restart="never" nodeType="tmRoot"/>
+      </p:par>
+    </p:tnLst>
+  </p:timing>
 </p:sld>
 </file>
 
 <file path=ppt/slides/slide4.xml><?xml version="1.0" encoding="utf-8"?>
-<p:sld xmlns:a="http://schemas.openxmlformats.org/drawingml/2006/main" xmlns:r="http://schemas.openxmlformats.org/officeDocument/2006/relationships" xmlns:mc="http://schemas.openxmlformats.org/markup-compatibility/2006" xmlns:mv="urn:schemas-microsoft-com:mac:vml" xmlns:p="http://schemas.openxmlformats.org/presentationml/2006/main" xmlns:c="http://schemas.openxmlformats.org/drawingml/2006/chart" xmlns:dgm="http://schemas.openxmlformats.org/drawingml/2006/diagram" xmlns:o="urn:schemas-microsoft-com:office:office" xmlns:v="urn:schemas-microsoft-com:vml" xmlns:pvml="urn:schemas-microsoft-com:office:powerpoint" xmlns:com="http://schemas.openxmlformats.org/drawingml/2006/compatibility" xmlns:p14="http://schemas.microsoft.com/office/powerpoint/2010/main" xmlns:p15="http://schemas.microsoft.com/office/powerpoint/2012/main">
+<p:sld xmlns:a="http://schemas.openxmlformats.org/drawingml/2006/main" xmlns:r="http://schemas.openxmlformats.org/officeDocument/2006/relationships" xmlns:p="http://schemas.openxmlformats.org/presentationml/2006/main">
   <p:cSld>
     <p:spTree>
       <p:nvGrpSpPr>
-        <p:cNvPr id="184" name="Shape 184"/>
+        <p:cNvPr id="1" name="Shape 184"/>
         <p:cNvGrpSpPr/>
         <p:nvPr/>
       </p:nvGrpSpPr>
@@ -11576,7 +11661,9 @@
       <p:sp>
         <p:nvSpPr>
           <p:cNvPr id="185" name="Google Shape;185;p18"/>
-          <p:cNvSpPr txBox="1"/>
+          <p:cNvSpPr txBox="1">
+            <a:spLocks noGrp="1"/>
+          </p:cNvSpPr>
           <p:nvPr>
             <p:ph type="title"/>
           </p:nvPr>
@@ -11591,12 +11678,12 @@
           </a:prstGeom>
         </p:spPr>
         <p:txBody>
-          <a:bodyPr anchorCtr="0" anchor="b" bIns="91425" lIns="91425" spcFirstLastPara="1" rIns="91425" wrap="square" tIns="91425">
+          <a:bodyPr spcFirstLastPara="1" wrap="square" lIns="91425" tIns="91425" rIns="91425" bIns="91425" anchor="b" anchorCtr="0">
             <a:noAutofit/>
           </a:bodyPr>
           <a:lstStyle/>
           <a:p>
-            <a:pPr indent="0" lvl="0" marL="0" rtl="0" algn="ctr">
+            <a:pPr marL="0" lvl="0" indent="0" algn="ctr" rtl="0">
               <a:spcBef>
                 <a:spcPts val="0"/>
               </a:spcBef>
@@ -11661,12 +11748,12 @@
           </a:ln>
         </p:spPr>
         <p:txBody>
-          <a:bodyPr anchorCtr="0" anchor="t" bIns="91425" lIns="91425" spcFirstLastPara="1" rIns="91425" wrap="square" tIns="91425">
+          <a:bodyPr spcFirstLastPara="1" wrap="square" lIns="91425" tIns="91425" rIns="91425" bIns="91425" anchor="t" anchorCtr="0">
             <a:noAutofit/>
           </a:bodyPr>
           <a:lstStyle/>
           <a:p>
-            <a:pPr indent="0" lvl="0" marL="0" rtl="0" algn="ctr">
+            <a:pPr marL="0" lvl="0" indent="0" algn="ctr" rtl="0">
               <a:spcBef>
                 <a:spcPts val="600"/>
               </a:spcBef>
@@ -11719,12 +11806,12 @@
           </a:ln>
         </p:spPr>
         <p:txBody>
-          <a:bodyPr anchorCtr="0" anchor="t" bIns="91425" lIns="91425" spcFirstLastPara="1" rIns="91425" wrap="square" tIns="91425">
+          <a:bodyPr spcFirstLastPara="1" wrap="square" lIns="91425" tIns="91425" rIns="91425" bIns="91425" anchor="t" anchorCtr="0">
             <a:noAutofit/>
           </a:bodyPr>
           <a:lstStyle/>
           <a:p>
-            <a:pPr indent="0" lvl="0" marL="0" rtl="0" algn="ctr">
+            <a:pPr marL="0" lvl="0" indent="0" algn="ctr" rtl="0">
               <a:spcBef>
                 <a:spcPts val="600"/>
               </a:spcBef>
@@ -11790,15 +11877,22 @@
   <p:clrMapOvr>
     <a:masterClrMapping/>
   </p:clrMapOvr>
+  <p:timing>
+    <p:tnLst>
+      <p:par>
+        <p:cTn id="1" dur="indefinite" restart="never" nodeType="tmRoot"/>
+      </p:par>
+    </p:tnLst>
+  </p:timing>
 </p:sld>
 </file>
 
 <file path=ppt/slides/slide5.xml><?xml version="1.0" encoding="utf-8"?>
-<p:sld xmlns:a="http://schemas.openxmlformats.org/drawingml/2006/main" xmlns:r="http://schemas.openxmlformats.org/officeDocument/2006/relationships" xmlns:mc="http://schemas.openxmlformats.org/markup-compatibility/2006" xmlns:mv="urn:schemas-microsoft-com:mac:vml" xmlns:p="http://schemas.openxmlformats.org/presentationml/2006/main" xmlns:c="http://schemas.openxmlformats.org/drawingml/2006/chart" xmlns:dgm="http://schemas.openxmlformats.org/drawingml/2006/diagram" xmlns:o="urn:schemas-microsoft-com:office:office" xmlns:v="urn:schemas-microsoft-com:vml" xmlns:pvml="urn:schemas-microsoft-com:office:powerpoint" xmlns:com="http://schemas.openxmlformats.org/drawingml/2006/compatibility" xmlns:p14="http://schemas.microsoft.com/office/powerpoint/2010/main" xmlns:p15="http://schemas.microsoft.com/office/powerpoint/2012/main">
+<p:sld xmlns:a="http://schemas.openxmlformats.org/drawingml/2006/main" xmlns:r="http://schemas.openxmlformats.org/officeDocument/2006/relationships" xmlns:p="http://schemas.openxmlformats.org/presentationml/2006/main">
   <p:cSld>
     <p:spTree>
       <p:nvGrpSpPr>
-        <p:cNvPr id="193" name="Shape 193"/>
+        <p:cNvPr id="1" name="Shape 193"/>
         <p:cNvGrpSpPr/>
         <p:nvPr/>
       </p:nvGrpSpPr>
@@ -11813,7 +11907,9 @@
       <p:sp>
         <p:nvSpPr>
           <p:cNvPr id="194" name="Google Shape;194;p19"/>
-          <p:cNvSpPr txBox="1"/>
+          <p:cNvSpPr txBox="1">
+            <a:spLocks noGrp="1"/>
+          </p:cNvSpPr>
           <p:nvPr>
             <p:ph type="title"/>
           </p:nvPr>
@@ -11828,12 +11924,12 @@
           </a:prstGeom>
         </p:spPr>
         <p:txBody>
-          <a:bodyPr anchorCtr="0" anchor="b" bIns="91425" lIns="91425" spcFirstLastPara="1" rIns="91425" wrap="square" tIns="91425">
+          <a:bodyPr spcFirstLastPara="1" wrap="square" lIns="91425" tIns="91425" rIns="91425" bIns="91425" anchor="b" anchorCtr="0">
             <a:noAutofit/>
           </a:bodyPr>
           <a:lstStyle/>
           <a:p>
-            <a:pPr indent="0" lvl="0" marL="0" rtl="0" algn="ctr">
+            <a:pPr marL="0" lvl="0" indent="0" algn="ctr" rtl="0">
               <a:spcBef>
                 <a:spcPts val="0"/>
               </a:spcBef>
@@ -11870,12 +11966,12 @@
           </a:ln>
         </p:spPr>
         <p:txBody>
-          <a:bodyPr anchorCtr="0" anchor="t" bIns="91425" lIns="91425" spcFirstLastPara="1" rIns="91425" wrap="square" tIns="91425">
+          <a:bodyPr spcFirstLastPara="1" wrap="square" lIns="91425" tIns="91425" rIns="91425" bIns="91425" anchor="t" anchorCtr="0">
             <a:noAutofit/>
           </a:bodyPr>
           <a:lstStyle/>
           <a:p>
-            <a:pPr indent="0" lvl="0" marL="0" rtl="0" algn="ctr">
+            <a:pPr marL="0" lvl="0" indent="0" algn="ctr" rtl="0">
               <a:spcBef>
                 <a:spcPts val="600"/>
               </a:spcBef>
@@ -11928,12 +12024,12 @@
           </a:ln>
         </p:spPr>
         <p:txBody>
-          <a:bodyPr anchorCtr="0" anchor="t" bIns="91425" lIns="91425" spcFirstLastPara="1" rIns="91425" wrap="square" tIns="91425">
+          <a:bodyPr spcFirstLastPara="1" wrap="square" lIns="91425" tIns="91425" rIns="91425" bIns="91425" anchor="t" anchorCtr="0">
             <a:noAutofit/>
           </a:bodyPr>
           <a:lstStyle/>
           <a:p>
-            <a:pPr indent="0" lvl="0" marL="0" rtl="0" algn="ctr">
+            <a:pPr marL="0" lvl="0" indent="0" algn="ctr" rtl="0">
               <a:spcBef>
                 <a:spcPts val="600"/>
               </a:spcBef>
@@ -12027,15 +12123,22 @@
   <p:clrMapOvr>
     <a:masterClrMapping/>
   </p:clrMapOvr>
+  <p:timing>
+    <p:tnLst>
+      <p:par>
+        <p:cTn id="1" dur="indefinite" restart="never" nodeType="tmRoot"/>
+      </p:par>
+    </p:tnLst>
+  </p:timing>
 </p:sld>
 </file>
 
 <file path=ppt/slides/slide6.xml><?xml version="1.0" encoding="utf-8"?>
-<p:sld xmlns:a="http://schemas.openxmlformats.org/drawingml/2006/main" xmlns:r="http://schemas.openxmlformats.org/officeDocument/2006/relationships" xmlns:mc="http://schemas.openxmlformats.org/markup-compatibility/2006" xmlns:mv="urn:schemas-microsoft-com:mac:vml" xmlns:p="http://schemas.openxmlformats.org/presentationml/2006/main" xmlns:c="http://schemas.openxmlformats.org/drawingml/2006/chart" xmlns:dgm="http://schemas.openxmlformats.org/drawingml/2006/diagram" xmlns:o="urn:schemas-microsoft-com:office:office" xmlns:v="urn:schemas-microsoft-com:vml" xmlns:pvml="urn:schemas-microsoft-com:office:powerpoint" xmlns:com="http://schemas.openxmlformats.org/drawingml/2006/compatibility" xmlns:p14="http://schemas.microsoft.com/office/powerpoint/2010/main" xmlns:p15="http://schemas.microsoft.com/office/powerpoint/2012/main">
+<p:sld xmlns:a="http://schemas.openxmlformats.org/drawingml/2006/main" xmlns:r="http://schemas.openxmlformats.org/officeDocument/2006/relationships" xmlns:p="http://schemas.openxmlformats.org/presentationml/2006/main">
   <p:cSld>
     <p:spTree>
       <p:nvGrpSpPr>
-        <p:cNvPr id="202" name="Shape 202"/>
+        <p:cNvPr id="1" name="Shape 202"/>
         <p:cNvGrpSpPr/>
         <p:nvPr/>
       </p:nvGrpSpPr>
@@ -12050,7 +12153,9 @@
       <p:sp>
         <p:nvSpPr>
           <p:cNvPr id="203" name="Google Shape;203;p20"/>
-          <p:cNvSpPr txBox="1"/>
+          <p:cNvSpPr txBox="1">
+            <a:spLocks noGrp="1"/>
+          </p:cNvSpPr>
           <p:nvPr>
             <p:ph type="title"/>
           </p:nvPr>
@@ -12065,12 +12170,12 @@
           </a:prstGeom>
         </p:spPr>
         <p:txBody>
-          <a:bodyPr anchorCtr="0" anchor="b" bIns="91425" lIns="91425" spcFirstLastPara="1" rIns="91425" wrap="square" tIns="91425">
+          <a:bodyPr spcFirstLastPara="1" wrap="square" lIns="91425" tIns="91425" rIns="91425" bIns="91425" anchor="b" anchorCtr="0">
             <a:noAutofit/>
           </a:bodyPr>
           <a:lstStyle/>
           <a:p>
-            <a:pPr indent="0" lvl="0" marL="0" rtl="0" algn="ctr">
+            <a:pPr marL="0" lvl="0" indent="0" algn="ctr" rtl="0">
               <a:spcBef>
                 <a:spcPts val="0"/>
               </a:spcBef>
@@ -12125,7 +12230,7 @@
           <a:blip r:embed="rId4">
             <a:alphaModFix/>
           </a:blip>
-          <a:srcRect b="0" l="3271" r="3261" t="0"/>
+          <a:srcRect l="3271" r="3261"/>
           <a:stretch/>
         </p:blipFill>
         <p:spPr>
@@ -12147,15 +12252,22 @@
   <p:clrMapOvr>
     <a:masterClrMapping/>
   </p:clrMapOvr>
+  <p:timing>
+    <p:tnLst>
+      <p:par>
+        <p:cTn id="1" dur="indefinite" restart="never" nodeType="tmRoot"/>
+      </p:par>
+    </p:tnLst>
+  </p:timing>
 </p:sld>
 </file>
 
 <file path=ppt/slides/slide7.xml><?xml version="1.0" encoding="utf-8"?>
-<p:sld xmlns:a="http://schemas.openxmlformats.org/drawingml/2006/main" xmlns:r="http://schemas.openxmlformats.org/officeDocument/2006/relationships" xmlns:mc="http://schemas.openxmlformats.org/markup-compatibility/2006" xmlns:mv="urn:schemas-microsoft-com:mac:vml" xmlns:p="http://schemas.openxmlformats.org/presentationml/2006/main" xmlns:c="http://schemas.openxmlformats.org/drawingml/2006/chart" xmlns:dgm="http://schemas.openxmlformats.org/drawingml/2006/diagram" xmlns:o="urn:schemas-microsoft-com:office:office" xmlns:v="urn:schemas-microsoft-com:vml" xmlns:pvml="urn:schemas-microsoft-com:office:powerpoint" xmlns:com="http://schemas.openxmlformats.org/drawingml/2006/compatibility" xmlns:p14="http://schemas.microsoft.com/office/powerpoint/2010/main" xmlns:p15="http://schemas.microsoft.com/office/powerpoint/2012/main">
+<p:sld xmlns:a="http://schemas.openxmlformats.org/drawingml/2006/main" xmlns:r="http://schemas.openxmlformats.org/officeDocument/2006/relationships" xmlns:p="http://schemas.openxmlformats.org/presentationml/2006/main">
   <p:cSld>
     <p:spTree>
       <p:nvGrpSpPr>
-        <p:cNvPr id="209" name="Shape 209"/>
+        <p:cNvPr id="1" name="Shape 209"/>
         <p:cNvGrpSpPr/>
         <p:nvPr/>
       </p:nvGrpSpPr>
@@ -12170,7 +12282,9 @@
       <p:sp>
         <p:nvSpPr>
           <p:cNvPr id="210" name="Google Shape;210;p21"/>
-          <p:cNvSpPr txBox="1"/>
+          <p:cNvSpPr txBox="1">
+            <a:spLocks noGrp="1"/>
+          </p:cNvSpPr>
           <p:nvPr>
             <p:ph type="title"/>
           </p:nvPr>
@@ -12185,12 +12299,12 @@
           </a:prstGeom>
         </p:spPr>
         <p:txBody>
-          <a:bodyPr anchorCtr="0" anchor="b" bIns="91425" lIns="91425" spcFirstLastPara="1" rIns="91425" wrap="square" tIns="91425">
+          <a:bodyPr spcFirstLastPara="1" wrap="square" lIns="91425" tIns="91425" rIns="91425" bIns="91425" anchor="b" anchorCtr="0">
             <a:noAutofit/>
           </a:bodyPr>
           <a:lstStyle/>
           <a:p>
-            <a:pPr indent="0" lvl="0" marL="0" rtl="0" algn="l">
+            <a:pPr marL="0" lvl="0" indent="0" algn="l" rtl="0">
               <a:spcBef>
                 <a:spcPts val="0"/>
               </a:spcBef>
@@ -12210,9 +12324,11 @@
       <p:sp>
         <p:nvSpPr>
           <p:cNvPr id="211" name="Google Shape;211;p21"/>
-          <p:cNvSpPr txBox="1"/>
+          <p:cNvSpPr txBox="1">
+            <a:spLocks noGrp="1"/>
+          </p:cNvSpPr>
           <p:nvPr>
-            <p:ph idx="1" type="body"/>
+            <p:ph type="body" idx="1"/>
           </p:nvPr>
         </p:nvSpPr>
         <p:spPr>
@@ -12225,12 +12341,12 @@
           </a:prstGeom>
         </p:spPr>
         <p:txBody>
-          <a:bodyPr anchorCtr="0" anchor="t" bIns="91425" lIns="91425" spcFirstLastPara="1" rIns="91425" wrap="square" tIns="91425">
+          <a:bodyPr spcFirstLastPara="1" wrap="square" lIns="91425" tIns="91425" rIns="91425" bIns="91425" anchor="t" anchorCtr="0">
             <a:noAutofit/>
           </a:bodyPr>
           <a:lstStyle/>
           <a:p>
-            <a:pPr indent="0" lvl="0" marL="0" rtl="0" algn="l">
+            <a:pPr marL="0" lvl="0" indent="0" algn="l" rtl="0">
               <a:spcBef>
                 <a:spcPts val="600"/>
               </a:spcBef>
@@ -12280,15 +12396,22 @@
   <p:clrMapOvr>
     <a:masterClrMapping/>
   </p:clrMapOvr>
+  <p:timing>
+    <p:tnLst>
+      <p:par>
+        <p:cTn id="1" dur="indefinite" restart="never" nodeType="tmRoot"/>
+      </p:par>
+    </p:tnLst>
+  </p:timing>
 </p:sld>
 </file>
 
 <file path=ppt/slides/slide8.xml><?xml version="1.0" encoding="utf-8"?>
-<p:sld xmlns:a="http://schemas.openxmlformats.org/drawingml/2006/main" xmlns:r="http://schemas.openxmlformats.org/officeDocument/2006/relationships" xmlns:mc="http://schemas.openxmlformats.org/markup-compatibility/2006" xmlns:mv="urn:schemas-microsoft-com:mac:vml" xmlns:p="http://schemas.openxmlformats.org/presentationml/2006/main" xmlns:c="http://schemas.openxmlformats.org/drawingml/2006/chart" xmlns:dgm="http://schemas.openxmlformats.org/drawingml/2006/diagram" xmlns:o="urn:schemas-microsoft-com:office:office" xmlns:v="urn:schemas-microsoft-com:vml" xmlns:pvml="urn:schemas-microsoft-com:office:powerpoint" xmlns:com="http://schemas.openxmlformats.org/drawingml/2006/compatibility" xmlns:p14="http://schemas.microsoft.com/office/powerpoint/2010/main" xmlns:p15="http://schemas.microsoft.com/office/powerpoint/2012/main">
+<p:sld xmlns:a="http://schemas.openxmlformats.org/drawingml/2006/main" xmlns:r="http://schemas.openxmlformats.org/officeDocument/2006/relationships" xmlns:p="http://schemas.openxmlformats.org/presentationml/2006/main">
   <p:cSld>
     <p:spTree>
       <p:nvGrpSpPr>
-        <p:cNvPr id="216" name="Shape 216"/>
+        <p:cNvPr id="1" name="Shape 216"/>
         <p:cNvGrpSpPr/>
         <p:nvPr/>
       </p:nvGrpSpPr>
@@ -12303,7 +12426,9 @@
       <p:sp>
         <p:nvSpPr>
           <p:cNvPr id="217" name="Google Shape;217;p22"/>
-          <p:cNvSpPr txBox="1"/>
+          <p:cNvSpPr txBox="1">
+            <a:spLocks noGrp="1"/>
+          </p:cNvSpPr>
           <p:nvPr>
             <p:ph type="title"/>
           </p:nvPr>
@@ -12318,12 +12443,12 @@
           </a:prstGeom>
         </p:spPr>
         <p:txBody>
-          <a:bodyPr anchorCtr="0" anchor="b" bIns="91425" lIns="91425" spcFirstLastPara="1" rIns="91425" wrap="square" tIns="91425">
+          <a:bodyPr spcFirstLastPara="1" wrap="square" lIns="91425" tIns="91425" rIns="91425" bIns="91425" anchor="b" anchorCtr="0">
             <a:noAutofit/>
           </a:bodyPr>
           <a:lstStyle/>
           <a:p>
-            <a:pPr indent="0" lvl="0" marL="0" rtl="0" algn="l">
+            <a:pPr marL="0" lvl="0" indent="0" algn="l" rtl="0">
               <a:spcBef>
                 <a:spcPts val="0"/>
               </a:spcBef>
@@ -12343,9 +12468,11 @@
       <p:sp>
         <p:nvSpPr>
           <p:cNvPr id="218" name="Google Shape;218;p22"/>
-          <p:cNvSpPr txBox="1"/>
+          <p:cNvSpPr txBox="1">
+            <a:spLocks noGrp="1"/>
+          </p:cNvSpPr>
           <p:nvPr>
-            <p:ph idx="1" type="body"/>
+            <p:ph type="body" idx="1"/>
           </p:nvPr>
         </p:nvSpPr>
         <p:spPr>
@@ -12358,12 +12485,12 @@
           </a:prstGeom>
         </p:spPr>
         <p:txBody>
-          <a:bodyPr anchorCtr="0" anchor="t" bIns="91425" lIns="91425" spcFirstLastPara="1" rIns="91425" wrap="square" tIns="91425">
+          <a:bodyPr spcFirstLastPara="1" wrap="square" lIns="91425" tIns="91425" rIns="91425" bIns="91425" anchor="t" anchorCtr="0">
             <a:noAutofit/>
           </a:bodyPr>
           <a:lstStyle/>
           <a:p>
-            <a:pPr indent="-355600" lvl="0" marL="457200" rtl="0" algn="l">
+            <a:pPr marL="457200" lvl="0" indent="-355600" algn="l" rtl="0">
               <a:spcBef>
                 <a:spcPts val="600"/>
               </a:spcBef>
@@ -12380,7 +12507,7 @@
             <a:endParaRPr/>
           </a:p>
           <a:p>
-            <a:pPr indent="-355600" lvl="0" marL="457200" rtl="0" algn="l">
+            <a:pPr marL="457200" lvl="0" indent="-355600" algn="l" rtl="0">
               <a:spcBef>
                 <a:spcPts val="0"/>
               </a:spcBef>
@@ -12397,7 +12524,7 @@
             <a:endParaRPr/>
           </a:p>
           <a:p>
-            <a:pPr indent="-355600" lvl="0" marL="457200" rtl="0" algn="l">
+            <a:pPr marL="457200" lvl="0" indent="-355600" algn="l" rtl="0">
               <a:spcBef>
                 <a:spcPts val="0"/>
               </a:spcBef>
@@ -12414,9 +12541,17 @@
             <a:br>
               <a:rPr lang="en"/>
             </a:br>
+            <a:r>
+              <a:rPr lang="en"/>
+              <a:t/>
+            </a:r>
             <a:br>
               <a:rPr lang="en"/>
             </a:br>
+            <a:r>
+              <a:rPr lang="en"/>
+              <a:t/>
+            </a:r>
             <a:br>
               <a:rPr lang="en"/>
             </a:br>
@@ -12429,15 +12564,22 @@
   <p:clrMapOvr>
     <a:masterClrMapping/>
   </p:clrMapOvr>
+  <p:timing>
+    <p:tnLst>
+      <p:par>
+        <p:cTn id="1" dur="indefinite" restart="never" nodeType="tmRoot"/>
+      </p:par>
+    </p:tnLst>
+  </p:timing>
 </p:sld>
 </file>
 
 <file path=ppt/slides/slide9.xml><?xml version="1.0" encoding="utf-8"?>
-<p:sld xmlns:a="http://schemas.openxmlformats.org/drawingml/2006/main" xmlns:r="http://schemas.openxmlformats.org/officeDocument/2006/relationships" xmlns:mc="http://schemas.openxmlformats.org/markup-compatibility/2006" xmlns:mv="urn:schemas-microsoft-com:mac:vml" xmlns:p="http://schemas.openxmlformats.org/presentationml/2006/main" xmlns:c="http://schemas.openxmlformats.org/drawingml/2006/chart" xmlns:dgm="http://schemas.openxmlformats.org/drawingml/2006/diagram" xmlns:o="urn:schemas-microsoft-com:office:office" xmlns:v="urn:schemas-microsoft-com:vml" xmlns:pvml="urn:schemas-microsoft-com:office:powerpoint" xmlns:com="http://schemas.openxmlformats.org/drawingml/2006/compatibility" xmlns:p14="http://schemas.microsoft.com/office/powerpoint/2010/main" xmlns:p15="http://schemas.microsoft.com/office/powerpoint/2012/main">
+<p:sld xmlns:a="http://schemas.openxmlformats.org/drawingml/2006/main" xmlns:r="http://schemas.openxmlformats.org/officeDocument/2006/relationships" xmlns:p="http://schemas.openxmlformats.org/presentationml/2006/main">
   <p:cSld>
     <p:spTree>
       <p:nvGrpSpPr>
-        <p:cNvPr id="222" name="Shape 222"/>
+        <p:cNvPr id="1" name="Shape 222"/>
         <p:cNvGrpSpPr/>
         <p:nvPr/>
       </p:nvGrpSpPr>
@@ -12452,7 +12594,9 @@
       <p:sp>
         <p:nvSpPr>
           <p:cNvPr id="223" name="Google Shape;223;p23"/>
-          <p:cNvSpPr txBox="1"/>
+          <p:cNvSpPr txBox="1">
+            <a:spLocks noGrp="1"/>
+          </p:cNvSpPr>
           <p:nvPr>
             <p:ph type="title"/>
           </p:nvPr>
@@ -12467,12 +12611,12 @@
           </a:prstGeom>
         </p:spPr>
         <p:txBody>
-          <a:bodyPr anchorCtr="0" anchor="b" bIns="91425" lIns="91425" spcFirstLastPara="1" rIns="91425" wrap="square" tIns="91425">
+          <a:bodyPr spcFirstLastPara="1" wrap="square" lIns="91425" tIns="91425" rIns="91425" bIns="91425" anchor="b" anchorCtr="0">
             <a:noAutofit/>
           </a:bodyPr>
           <a:lstStyle/>
           <a:p>
-            <a:pPr indent="0" lvl="0" marL="0" rtl="0" algn="l">
+            <a:pPr marL="0" lvl="0" indent="0" algn="l" rtl="0">
               <a:spcBef>
                 <a:spcPts val="0"/>
               </a:spcBef>
@@ -12492,9 +12636,11 @@
       <p:sp>
         <p:nvSpPr>
           <p:cNvPr id="224" name="Google Shape;224;p23"/>
-          <p:cNvSpPr txBox="1"/>
+          <p:cNvSpPr txBox="1">
+            <a:spLocks noGrp="1"/>
+          </p:cNvSpPr>
           <p:nvPr>
-            <p:ph idx="1" type="body"/>
+            <p:ph type="body" idx="1"/>
           </p:nvPr>
         </p:nvSpPr>
         <p:spPr>
@@ -12507,12 +12653,12 @@
           </a:prstGeom>
         </p:spPr>
         <p:txBody>
-          <a:bodyPr anchorCtr="0" anchor="t" bIns="91425" lIns="91425" spcFirstLastPara="1" rIns="91425" wrap="square" tIns="91425">
+          <a:bodyPr spcFirstLastPara="1" wrap="square" lIns="91425" tIns="91425" rIns="91425" bIns="91425" anchor="t" anchorCtr="0">
             <a:noAutofit/>
           </a:bodyPr>
           <a:lstStyle/>
           <a:p>
-            <a:pPr indent="0" lvl="0" marL="0" rtl="0" algn="l">
+            <a:pPr marL="0" lvl="0" indent="0" algn="l" rtl="0">
               <a:spcBef>
                 <a:spcPts val="600"/>
               </a:spcBef>
@@ -12528,7 +12674,7 @@
             <a:endParaRPr/>
           </a:p>
           <a:p>
-            <a:pPr indent="0" lvl="0" marL="0" rtl="0" algn="l">
+            <a:pPr marL="0" lvl="0" indent="0" algn="l" rtl="0">
               <a:spcBef>
                 <a:spcPts val="600"/>
               </a:spcBef>
@@ -12550,11 +12696,18 @@
   <p:clrMapOvr>
     <a:masterClrMapping/>
   </p:clrMapOvr>
+  <p:timing>
+    <p:tnLst>
+      <p:par>
+        <p:cTn id="1" dur="indefinite" restart="never" nodeType="tmRoot"/>
+      </p:par>
+    </p:tnLst>
+  </p:timing>
 </p:sld>
 </file>
 
 <file path=ppt/theme/theme1.xml><?xml version="1.0" encoding="utf-8"?>
-<a:theme xmlns:a="http://schemas.openxmlformats.org/drawingml/2006/main" xmlns:r="http://schemas.openxmlformats.org/officeDocument/2006/relationships" name="Wolsey template">
+<a:theme xmlns:a="http://schemas.openxmlformats.org/drawingml/2006/main" name="Wolsey template">
   <a:themeElements>
     <a:clrScheme name="Custom 347">
       <a:dk1>
@@ -12829,11 +12982,13 @@
       </a:bgFillStyleLst>
     </a:fmtScheme>
   </a:themeElements>
+  <a:objectDefaults/>
+  <a:extraClrSchemeLst/>
 </a:theme>
 </file>
 
 <file path=ppt/theme/theme2.xml><?xml version="1.0" encoding="utf-8"?>
-<a:theme xmlns:a="http://schemas.openxmlformats.org/drawingml/2006/main" xmlns:r="http://schemas.openxmlformats.org/officeDocument/2006/relationships">
+<a:theme xmlns:a="http://schemas.openxmlformats.org/drawingml/2006/main">
   <a:themeElements>
     <a:clrScheme name="Default">
       <a:dk1>
@@ -13108,5 +13263,7 @@
       </a:bgFillStyleLst>
     </a:fmtScheme>
   </a:themeElements>
+  <a:objectDefaults/>
+  <a:extraClrSchemeLst/>
 </a:theme>
 </file>